--- a/Курс 1/ВВиД/Презентация.pptx
+++ b/Курс 1/ВВиД/Презентация.pptx
@@ -19,6 +19,7 @@
     <p:sldId id="267" r:id="rId13"/>
     <p:sldId id="268" r:id="rId14"/>
     <p:sldId id="269" r:id="rId15"/>
+    <p:sldId id="270" r:id="rId16"/>
   </p:sldIdLst>
   <p:sldSz cx="12192000" cy="6858000"/>
   <p:notesSz cx="6858000" cy="9144000"/>
@@ -21933,6 +21934,114 @@
           </a:p>
         </p:txBody>
       </p:sp>
+      <p:pic>
+        <p:nvPicPr>
+          <p:cNvPr id="12" name="Рисунок 11" descr="Изображение выглядит как текст, Графика, логотип, Шрифт&#10;&#10;Автоматически созданное описание">
+            <a:extLst>
+              <a:ext uri="{FF2B5EF4-FFF2-40B4-BE49-F238E27FC236}">
+                <a16:creationId xmlns:a16="http://schemas.microsoft.com/office/drawing/2014/main" id="{7A28BF83-9215-E1E3-7DD3-8C8C4DE94202}"/>
+              </a:ext>
+            </a:extLst>
+          </p:cNvPr>
+          <p:cNvPicPr>
+            <a:picLocks noChangeAspect="1"/>
+          </p:cNvPicPr>
+          <p:nvPr/>
+        </p:nvPicPr>
+        <p:blipFill>
+          <a:blip r:embed="rId2">
+            <a:extLst>
+              <a:ext uri="{28A0092B-C50C-407E-A947-70E740481C1C}">
+                <a14:useLocalDpi xmlns:a14="http://schemas.microsoft.com/office/drawing/2010/main" val="0"/>
+              </a:ext>
+            </a:extLst>
+          </a:blip>
+          <a:stretch>
+            <a:fillRect/>
+          </a:stretch>
+        </p:blipFill>
+        <p:spPr>
+          <a:xfrm>
+            <a:off x="11284754" y="5323027"/>
+            <a:ext cx="831837" cy="763600"/>
+          </a:xfrm>
+          <a:prstGeom prst="rect">
+            <a:avLst/>
+          </a:prstGeom>
+        </p:spPr>
+      </p:pic>
+      <p:pic>
+        <p:nvPicPr>
+          <p:cNvPr id="13" name="Рисунок 12" descr="Изображение выглядит как текст, Шрифт, снимок экрана, Графика&#10;&#10;Автоматически созданное описание">
+            <a:extLst>
+              <a:ext uri="{FF2B5EF4-FFF2-40B4-BE49-F238E27FC236}">
+                <a16:creationId xmlns:a16="http://schemas.microsoft.com/office/drawing/2014/main" id="{B9EBEC00-5D52-CBDD-20BD-B5DB24E2C2E2}"/>
+              </a:ext>
+            </a:extLst>
+          </p:cNvPr>
+          <p:cNvPicPr>
+            <a:picLocks noChangeAspect="1"/>
+          </p:cNvPicPr>
+          <p:nvPr/>
+        </p:nvPicPr>
+        <p:blipFill>
+          <a:blip r:embed="rId3">
+            <a:extLst>
+              <a:ext uri="{28A0092B-C50C-407E-A947-70E740481C1C}">
+                <a14:useLocalDpi xmlns:a14="http://schemas.microsoft.com/office/drawing/2010/main" val="0"/>
+              </a:ext>
+            </a:extLst>
+          </a:blip>
+          <a:stretch>
+            <a:fillRect/>
+          </a:stretch>
+        </p:blipFill>
+        <p:spPr>
+          <a:xfrm>
+            <a:off x="9836879" y="5405133"/>
+            <a:ext cx="1377264" cy="599387"/>
+          </a:xfrm>
+          <a:prstGeom prst="rect">
+            <a:avLst/>
+          </a:prstGeom>
+        </p:spPr>
+      </p:pic>
+      <p:pic>
+        <p:nvPicPr>
+          <p:cNvPr id="14" name="Рисунок 13" descr="Изображение выглядит как фиолетовый, снимок экрана, Фиолетовый, Красочность&#10;&#10;Автоматически созданное описание">
+            <a:extLst>
+              <a:ext uri="{FF2B5EF4-FFF2-40B4-BE49-F238E27FC236}">
+                <a16:creationId xmlns:a16="http://schemas.microsoft.com/office/drawing/2014/main" id="{D7688B4D-B7EC-7D0B-F24C-AE88D3A045B6}"/>
+              </a:ext>
+            </a:extLst>
+          </p:cNvPr>
+          <p:cNvPicPr>
+            <a:picLocks noChangeAspect="1"/>
+          </p:cNvPicPr>
+          <p:nvPr/>
+        </p:nvPicPr>
+        <p:blipFill>
+          <a:blip r:embed="rId4">
+            <a:extLst>
+              <a:ext uri="{28A0092B-C50C-407E-A947-70E740481C1C}">
+                <a14:useLocalDpi xmlns:a14="http://schemas.microsoft.com/office/drawing/2010/main" val="0"/>
+              </a:ext>
+            </a:extLst>
+          </a:blip>
+          <a:stretch>
+            <a:fillRect/>
+          </a:stretch>
+        </p:blipFill>
+        <p:spPr>
+          <a:xfrm>
+            <a:off x="8328640" y="5508503"/>
+            <a:ext cx="1472934" cy="387224"/>
+          </a:xfrm>
+          <a:prstGeom prst="rect">
+            <a:avLst/>
+          </a:prstGeom>
+        </p:spPr>
+      </p:pic>
     </p:spTree>
     <p:extLst>
       <p:ext uri="{BB962C8B-B14F-4D97-AF65-F5344CB8AC3E}">
@@ -22271,9 +22380,9 @@
             </a:lvl9pPr>
           </a:lstStyle>
           <a:p>
-            <a:pPr algn="l"/>
-            <a:r>
-              <a:rPr lang="ru-RU" sz="1800" dirty="0">
+            <a:pPr algn="just"/>
+            <a:r>
+              <a:rPr lang="ru-RU" sz="1700" dirty="0">
                 <a:solidFill>
                   <a:schemeClr val="bg2">
                     <a:lumMod val="50000"/>
@@ -22282,7 +22391,7 @@
               </a:rPr>
               <a:t>Текущие и целевые параметры, преимущества перед конкурентами</a:t>
             </a:r>
-            <a:endParaRPr lang="en-US" sz="1800" dirty="0">
+            <a:endParaRPr lang="en-US" sz="1700" dirty="0">
               <a:solidFill>
                 <a:schemeClr val="bg2">
                   <a:lumMod val="50000"/>
@@ -22291,9 +22400,9 @@
             </a:endParaRPr>
           </a:p>
           <a:p>
-            <a:pPr algn="l"/>
-            <a:r>
-              <a:rPr lang="ru-RU" sz="1600" b="0" u="sng" dirty="0">
+            <a:pPr algn="just"/>
+            <a:r>
+              <a:rPr lang="ru-RU" sz="1700" b="0" u="sng" dirty="0">
                 <a:solidFill>
                   <a:schemeClr val="bg2">
                     <a:lumMod val="50000"/>
@@ -22302,7 +22411,7 @@
               </a:rPr>
               <a:t>Текущие параметры: </a:t>
             </a:r>
-            <a:endParaRPr lang="en-US" sz="1600" b="0" u="sng" dirty="0">
+            <a:endParaRPr lang="en-US" sz="1700" b="0" u="sng" dirty="0">
               <a:solidFill>
                 <a:schemeClr val="bg2">
                   <a:lumMod val="50000"/>
@@ -22311,12 +22420,12 @@
             </a:endParaRPr>
           </a:p>
           <a:p>
-            <a:pPr marL="265113" indent="-176213" algn="l">
+            <a:pPr marL="265113" indent="-176213" algn="just">
               <a:buFont typeface="Poppins" panose="00000500000000000000" pitchFamily="2" charset="0"/>
               <a:buChar char="∙"/>
             </a:pPr>
             <a:r>
-              <a:rPr lang="ru-RU" sz="1600" b="0" dirty="0">
+              <a:rPr lang="ru-RU" sz="1700" b="0" dirty="0">
                 <a:solidFill>
                   <a:schemeClr val="bg2">
                     <a:lumMod val="50000"/>
@@ -22325,7 +22434,7 @@
               </a:rPr>
               <a:t>Время загрузки: 1-2 секунды при хорошей связи, до 5 секунд при слабом сигнале.</a:t>
             </a:r>
-            <a:endParaRPr lang="en-US" sz="1600" b="0" dirty="0">
+            <a:endParaRPr lang="en-US" sz="1700" b="0" dirty="0">
               <a:solidFill>
                 <a:schemeClr val="bg2">
                   <a:lumMod val="50000"/>
@@ -22334,12 +22443,12 @@
             </a:endParaRPr>
           </a:p>
           <a:p>
-            <a:pPr marL="265113" indent="-176213" algn="l">
+            <a:pPr marL="265113" indent="-176213" algn="just">
               <a:buFont typeface="Poppins" panose="00000500000000000000" pitchFamily="2" charset="0"/>
               <a:buChar char="∙"/>
             </a:pPr>
             <a:r>
-              <a:rPr lang="ru-RU" sz="1600" b="0" dirty="0">
+              <a:rPr lang="ru-RU" sz="1700" b="0" dirty="0">
                 <a:solidFill>
                   <a:schemeClr val="bg2">
                     <a:lumMod val="50000"/>
@@ -22349,7 +22458,7 @@
               <a:t>Скорость обработки данных: 10-15 мс при интенсивных вычислениях с помощью </a:t>
             </a:r>
             <a:r>
-              <a:rPr lang="ru-RU" sz="1600" b="0" dirty="0" err="1">
+              <a:rPr lang="ru-RU" sz="1700" b="0" dirty="0" err="1">
                 <a:solidFill>
                   <a:schemeClr val="bg2">
                     <a:lumMod val="50000"/>
@@ -22359,7 +22468,7 @@
               <a:t>WebAssembly</a:t>
             </a:r>
             <a:r>
-              <a:rPr lang="ru-RU" sz="1600" b="0" dirty="0">
+              <a:rPr lang="ru-RU" sz="1700" b="0" dirty="0">
                 <a:solidFill>
                   <a:schemeClr val="bg2">
                     <a:lumMod val="50000"/>
@@ -22368,7 +22477,7 @@
               </a:rPr>
               <a:t>.</a:t>
             </a:r>
-            <a:endParaRPr lang="en-US" sz="1600" b="0" dirty="0">
+            <a:endParaRPr lang="en-US" sz="1700" b="0" dirty="0">
               <a:solidFill>
                 <a:schemeClr val="bg2">
                   <a:lumMod val="50000"/>
@@ -22377,12 +22486,12 @@
             </a:endParaRPr>
           </a:p>
           <a:p>
-            <a:pPr marL="265113" indent="-176213" algn="l">
+            <a:pPr marL="265113" indent="-176213" algn="just">
               <a:buFont typeface="Poppins" panose="00000500000000000000" pitchFamily="2" charset="0"/>
               <a:buChar char="∙"/>
             </a:pPr>
             <a:r>
-              <a:rPr lang="ru-RU" sz="1600" b="0" dirty="0">
+              <a:rPr lang="ru-RU" sz="1700" b="0" dirty="0">
                 <a:solidFill>
                   <a:schemeClr val="bg2">
                     <a:lumMod val="50000"/>
@@ -22392,7 +22501,7 @@
               <a:t>Безопасность: TLS-шифрование данных, передаваемых через </a:t>
             </a:r>
             <a:r>
-              <a:rPr lang="ru-RU" sz="1600" b="0" dirty="0" err="1">
+              <a:rPr lang="ru-RU" sz="1700" b="0" dirty="0" err="1">
                 <a:solidFill>
                   <a:schemeClr val="bg2">
                     <a:lumMod val="50000"/>
@@ -22402,7 +22511,7 @@
               <a:t>WebRTC</a:t>
             </a:r>
             <a:r>
-              <a:rPr lang="ru-RU" sz="1600" b="0" dirty="0">
+              <a:rPr lang="ru-RU" sz="1700" b="0" dirty="0">
                 <a:solidFill>
                   <a:schemeClr val="bg2">
                     <a:lumMod val="50000"/>
@@ -22411,7 +22520,7 @@
               </a:rPr>
               <a:t>.</a:t>
             </a:r>
-            <a:endParaRPr lang="en-US" sz="1600" b="0" dirty="0">
+            <a:endParaRPr lang="en-US" sz="1700" b="0" dirty="0">
               <a:solidFill>
                 <a:schemeClr val="bg2">
                   <a:lumMod val="50000"/>
@@ -22420,11 +22529,11 @@
             </a:endParaRPr>
           </a:p>
           <a:p>
-            <a:pPr marL="176213" indent="-176213" algn="l">
+            <a:pPr marL="176213" indent="-176213" algn="just">
               <a:buFont typeface="Arial" panose="020B0604020202020204" pitchFamily="34" charset="0"/>
               <a:buChar char="•"/>
             </a:pPr>
-            <a:endParaRPr lang="en-US" sz="1600" b="0" dirty="0">
+            <a:endParaRPr lang="en-US" sz="1700" b="0" dirty="0">
               <a:solidFill>
                 <a:schemeClr val="bg2">
                   <a:lumMod val="50000"/>
@@ -22433,9 +22542,9 @@
             </a:endParaRPr>
           </a:p>
           <a:p>
-            <a:pPr algn="l"/>
-            <a:r>
-              <a:rPr lang="ru-RU" sz="1600" b="0" u="sng" dirty="0">
+            <a:pPr algn="just"/>
+            <a:r>
+              <a:rPr lang="ru-RU" sz="1700" b="0" u="sng" dirty="0">
                 <a:solidFill>
                   <a:schemeClr val="bg2">
                     <a:lumMod val="50000"/>
@@ -22445,7 +22554,7 @@
               <a:t>Целевые параметры:</a:t>
             </a:r>
             <a:r>
-              <a:rPr lang="ru-RU" sz="1600" b="0" dirty="0">
+              <a:rPr lang="ru-RU" sz="1700" b="0" dirty="0">
                 <a:solidFill>
                   <a:schemeClr val="bg2">
                     <a:lumMod val="50000"/>
@@ -22454,7 +22563,7 @@
               </a:rPr>
               <a:t> </a:t>
             </a:r>
-            <a:endParaRPr lang="en-US" sz="1600" b="0" dirty="0">
+            <a:endParaRPr lang="en-US" sz="1700" b="0" dirty="0">
               <a:solidFill>
                 <a:schemeClr val="bg2">
                   <a:lumMod val="50000"/>
@@ -22463,12 +22572,12 @@
             </a:endParaRPr>
           </a:p>
           <a:p>
-            <a:pPr marL="285750" indent="-196850" algn="l">
+            <a:pPr marL="285750" indent="-196850" algn="just">
               <a:buFont typeface="Poppins" panose="00000500000000000000" pitchFamily="2" charset="0"/>
               <a:buChar char="∙"/>
             </a:pPr>
             <a:r>
-              <a:rPr lang="ru-RU" sz="1600" b="0" dirty="0">
+              <a:rPr lang="ru-RU" sz="1700" b="0" dirty="0">
                 <a:solidFill>
                   <a:schemeClr val="bg2">
                     <a:lumMod val="50000"/>
@@ -22477,7 +22586,7 @@
               </a:rPr>
               <a:t>Время загрузки: Сократить до 1 секунды даже при слабой сети.</a:t>
             </a:r>
-            <a:endParaRPr lang="en-US" sz="1600" b="0" dirty="0">
+            <a:endParaRPr lang="en-US" sz="1700" b="0" dirty="0">
               <a:solidFill>
                 <a:schemeClr val="bg2">
                   <a:lumMod val="50000"/>
@@ -22486,12 +22595,12 @@
             </a:endParaRPr>
           </a:p>
           <a:p>
-            <a:pPr marL="285750" indent="-196850" algn="l">
+            <a:pPr marL="285750" indent="-196850" algn="just">
               <a:buFont typeface="Poppins" panose="00000500000000000000" pitchFamily="2" charset="0"/>
               <a:buChar char="∙"/>
             </a:pPr>
             <a:r>
-              <a:rPr lang="ru-RU" sz="1600" b="0" dirty="0">
+              <a:rPr lang="ru-RU" sz="1700" b="0" dirty="0">
                 <a:solidFill>
                   <a:schemeClr val="bg2">
                     <a:lumMod val="50000"/>
@@ -22500,7 +22609,7 @@
               </a:rPr>
               <a:t>Скорость обработки: Снизить задержку до 5 мс.</a:t>
             </a:r>
-            <a:endParaRPr lang="en-US" sz="1600" b="0" dirty="0">
+            <a:endParaRPr lang="en-US" sz="1700" b="0" dirty="0">
               <a:solidFill>
                 <a:schemeClr val="bg2">
                   <a:lumMod val="50000"/>
@@ -22509,12 +22618,12 @@
             </a:endParaRPr>
           </a:p>
           <a:p>
-            <a:pPr marL="285750" indent="-196850" algn="l">
+            <a:pPr marL="285750" indent="-196850" algn="just">
               <a:buFont typeface="Poppins" panose="00000500000000000000" pitchFamily="2" charset="0"/>
               <a:buChar char="∙"/>
             </a:pPr>
             <a:r>
-              <a:rPr lang="ru-RU" sz="1600" b="0" dirty="0">
+              <a:rPr lang="ru-RU" sz="1700" b="0" dirty="0">
                 <a:solidFill>
                   <a:schemeClr val="bg2">
                     <a:lumMod val="50000"/>
@@ -22523,7 +22632,7 @@
               </a:rPr>
               <a:t>Оффлайн-доступ: Обеспечить кэширование основных функций и данных.</a:t>
             </a:r>
-            <a:endParaRPr lang="en-US" sz="1600" b="0" dirty="0">
+            <a:endParaRPr lang="en-US" sz="1700" b="0" dirty="0">
               <a:solidFill>
                 <a:schemeClr val="bg2">
                   <a:lumMod val="50000"/>
@@ -22532,11 +22641,11 @@
             </a:endParaRPr>
           </a:p>
           <a:p>
-            <a:pPr marL="176213" indent="-176213" algn="l">
+            <a:pPr marL="176213" indent="-176213" algn="just">
               <a:buFont typeface="Arial" panose="020B0604020202020204" pitchFamily="34" charset="0"/>
               <a:buChar char="•"/>
             </a:pPr>
-            <a:endParaRPr lang="en-US" sz="1600" b="0" dirty="0">
+            <a:endParaRPr lang="en-US" sz="1700" b="0" dirty="0">
               <a:solidFill>
                 <a:schemeClr val="bg2">
                   <a:lumMod val="50000"/>
@@ -22545,9 +22654,9 @@
             </a:endParaRPr>
           </a:p>
           <a:p>
-            <a:pPr algn="l"/>
-            <a:r>
-              <a:rPr lang="ru-RU" sz="1600" b="0" u="sng" dirty="0">
+            <a:pPr algn="just"/>
+            <a:r>
+              <a:rPr lang="ru-RU" sz="1700" b="0" u="sng" dirty="0">
                 <a:solidFill>
                   <a:schemeClr val="bg2">
                     <a:lumMod val="50000"/>
@@ -22557,7 +22666,7 @@
               <a:t>Преимущества перед конкурентами</a:t>
             </a:r>
             <a:r>
-              <a:rPr lang="en-US" sz="1600" b="0" u="sng" dirty="0">
+              <a:rPr lang="en-US" sz="1700" b="0" u="sng" dirty="0">
                 <a:solidFill>
                   <a:schemeClr val="bg2">
                     <a:lumMod val="50000"/>
@@ -22568,12 +22677,12 @@
             </a:r>
           </a:p>
           <a:p>
-            <a:pPr marL="285750" indent="-196850" algn="l">
+            <a:pPr marL="285750" indent="-196850" algn="just">
               <a:buFont typeface="Poppins" panose="00000500000000000000" pitchFamily="2" charset="0"/>
               <a:buChar char="∙"/>
             </a:pPr>
             <a:r>
-              <a:rPr lang="ru-RU" sz="1600" b="0" dirty="0">
+              <a:rPr lang="ru-RU" sz="1700" b="0" dirty="0">
                 <a:solidFill>
                   <a:schemeClr val="bg2">
                     <a:lumMod val="50000"/>
@@ -22583,7 +22692,7 @@
               <a:t>Быстрота и отзывчивость: Использование PWA и </a:t>
             </a:r>
             <a:r>
-              <a:rPr lang="ru-RU" sz="1600" b="0" dirty="0" err="1">
+              <a:rPr lang="ru-RU" sz="1700" b="0" dirty="0" err="1">
                 <a:solidFill>
                   <a:schemeClr val="bg2">
                     <a:lumMod val="50000"/>
@@ -22593,7 +22702,7 @@
               <a:t>WebAssembly</a:t>
             </a:r>
             <a:r>
-              <a:rPr lang="ru-RU" sz="1600" b="0" dirty="0">
+              <a:rPr lang="ru-RU" sz="1700" b="0" dirty="0">
                 <a:solidFill>
                   <a:schemeClr val="bg2">
                     <a:lumMod val="50000"/>
@@ -22602,7 +22711,7 @@
               </a:rPr>
               <a:t> позволяет достичь более высокой скорости, чем у многих конкурентов.</a:t>
             </a:r>
-            <a:endParaRPr lang="en-US" sz="1600" b="0" dirty="0">
+            <a:endParaRPr lang="en-US" sz="1700" b="0" dirty="0">
               <a:solidFill>
                 <a:schemeClr val="bg2">
                   <a:lumMod val="50000"/>
@@ -22611,12 +22720,12 @@
             </a:endParaRPr>
           </a:p>
           <a:p>
-            <a:pPr marL="285750" indent="-196850" algn="l">
+            <a:pPr marL="285750" indent="-196850" algn="just">
               <a:buFont typeface="Poppins" panose="00000500000000000000" pitchFamily="2" charset="0"/>
               <a:buChar char="∙"/>
             </a:pPr>
             <a:r>
-              <a:rPr lang="ru-RU" sz="1600" b="0" dirty="0">
+              <a:rPr lang="ru-RU" sz="1700" b="0" dirty="0">
                 <a:solidFill>
                   <a:schemeClr val="bg2">
                     <a:lumMod val="50000"/>
@@ -22625,7 +22734,7 @@
               </a:rPr>
               <a:t>Гибкость и поддержка платформ: Отсутствие необходимости разработки отдельных мобильных приложений для разных ОС.</a:t>
             </a:r>
-            <a:endParaRPr lang="en-US" sz="1600" b="0" dirty="0">
+            <a:endParaRPr lang="en-US" sz="1700" b="0" dirty="0">
               <a:solidFill>
                 <a:schemeClr val="bg2">
                   <a:lumMod val="50000"/>
@@ -22634,12 +22743,12 @@
             </a:endParaRPr>
           </a:p>
           <a:p>
-            <a:pPr marL="285750" indent="-196850" algn="l">
+            <a:pPr marL="285750" indent="-196850" algn="just">
               <a:buFont typeface="Poppins" panose="00000500000000000000" pitchFamily="2" charset="0"/>
               <a:buChar char="∙"/>
             </a:pPr>
             <a:r>
-              <a:rPr lang="ru-RU" sz="1600" b="0" dirty="0">
+              <a:rPr lang="ru-RU" sz="1700" b="0" dirty="0">
                 <a:solidFill>
                   <a:schemeClr val="bg2">
                     <a:lumMod val="50000"/>
@@ -22649,7 +22758,7 @@
               <a:t>Безопасность и надежность: </a:t>
             </a:r>
             <a:r>
-              <a:rPr lang="ru-RU" sz="1600" b="0" dirty="0" err="1">
+              <a:rPr lang="ru-RU" sz="1700" b="0" dirty="0" err="1">
                 <a:solidFill>
                   <a:schemeClr val="bg2">
                     <a:lumMod val="50000"/>
@@ -22659,7 +22768,7 @@
               <a:t>WebRTC</a:t>
             </a:r>
             <a:r>
-              <a:rPr lang="ru-RU" sz="1600" b="0" dirty="0">
+              <a:rPr lang="ru-RU" sz="1700" b="0" dirty="0">
                 <a:solidFill>
                   <a:schemeClr val="bg2">
                     <a:lumMod val="50000"/>
@@ -22671,6 +22780,114 @@
           </a:p>
         </p:txBody>
       </p:sp>
+      <p:pic>
+        <p:nvPicPr>
+          <p:cNvPr id="3" name="Рисунок 2" descr="Изображение выглядит как текст, Графика, логотип, Шрифт&#10;&#10;Автоматически созданное описание">
+            <a:extLst>
+              <a:ext uri="{FF2B5EF4-FFF2-40B4-BE49-F238E27FC236}">
+                <a16:creationId xmlns:a16="http://schemas.microsoft.com/office/drawing/2014/main" id="{A8034CD0-EA07-1A35-7A3E-314563076B52}"/>
+              </a:ext>
+            </a:extLst>
+          </p:cNvPr>
+          <p:cNvPicPr>
+            <a:picLocks noChangeAspect="1"/>
+          </p:cNvPicPr>
+          <p:nvPr/>
+        </p:nvPicPr>
+        <p:blipFill>
+          <a:blip r:embed="rId2">
+            <a:extLst>
+              <a:ext uri="{28A0092B-C50C-407E-A947-70E740481C1C}">
+                <a14:useLocalDpi xmlns:a14="http://schemas.microsoft.com/office/drawing/2010/main" val="0"/>
+              </a:ext>
+            </a:extLst>
+          </a:blip>
+          <a:stretch>
+            <a:fillRect/>
+          </a:stretch>
+        </p:blipFill>
+        <p:spPr>
+          <a:xfrm>
+            <a:off x="11232000" y="5947281"/>
+            <a:ext cx="831837" cy="763600"/>
+          </a:xfrm>
+          <a:prstGeom prst="rect">
+            <a:avLst/>
+          </a:prstGeom>
+        </p:spPr>
+      </p:pic>
+      <p:pic>
+        <p:nvPicPr>
+          <p:cNvPr id="4" name="Рисунок 3" descr="Изображение выглядит как текст, Шрифт, снимок экрана, Графика&#10;&#10;Автоматически созданное описание">
+            <a:extLst>
+              <a:ext uri="{FF2B5EF4-FFF2-40B4-BE49-F238E27FC236}">
+                <a16:creationId xmlns:a16="http://schemas.microsoft.com/office/drawing/2014/main" id="{94DE0A40-02EC-16DB-02DC-A5EECD50B873}"/>
+              </a:ext>
+            </a:extLst>
+          </p:cNvPr>
+          <p:cNvPicPr>
+            <a:picLocks noChangeAspect="1"/>
+          </p:cNvPicPr>
+          <p:nvPr/>
+        </p:nvPicPr>
+        <p:blipFill>
+          <a:blip r:embed="rId3">
+            <a:extLst>
+              <a:ext uri="{28A0092B-C50C-407E-A947-70E740481C1C}">
+                <a14:useLocalDpi xmlns:a14="http://schemas.microsoft.com/office/drawing/2010/main" val="0"/>
+              </a:ext>
+            </a:extLst>
+          </a:blip>
+          <a:stretch>
+            <a:fillRect/>
+          </a:stretch>
+        </p:blipFill>
+        <p:spPr>
+          <a:xfrm>
+            <a:off x="9784125" y="6029387"/>
+            <a:ext cx="1377264" cy="599387"/>
+          </a:xfrm>
+          <a:prstGeom prst="rect">
+            <a:avLst/>
+          </a:prstGeom>
+        </p:spPr>
+      </p:pic>
+      <p:pic>
+        <p:nvPicPr>
+          <p:cNvPr id="6" name="Рисунок 5" descr="Изображение выглядит как фиолетовый, снимок экрана, Фиолетовый, Красочность&#10;&#10;Автоматически созданное описание">
+            <a:extLst>
+              <a:ext uri="{FF2B5EF4-FFF2-40B4-BE49-F238E27FC236}">
+                <a16:creationId xmlns:a16="http://schemas.microsoft.com/office/drawing/2014/main" id="{2CC4D372-B782-3D34-C98D-33EEF27E94BE}"/>
+              </a:ext>
+            </a:extLst>
+          </p:cNvPr>
+          <p:cNvPicPr>
+            <a:picLocks noChangeAspect="1"/>
+          </p:cNvPicPr>
+          <p:nvPr/>
+        </p:nvPicPr>
+        <p:blipFill>
+          <a:blip r:embed="rId4">
+            <a:extLst>
+              <a:ext uri="{28A0092B-C50C-407E-A947-70E740481C1C}">
+                <a14:useLocalDpi xmlns:a14="http://schemas.microsoft.com/office/drawing/2010/main" val="0"/>
+              </a:ext>
+            </a:extLst>
+          </a:blip>
+          <a:stretch>
+            <a:fillRect/>
+          </a:stretch>
+        </p:blipFill>
+        <p:spPr>
+          <a:xfrm>
+            <a:off x="8275886" y="6132757"/>
+            <a:ext cx="1472934" cy="387224"/>
+          </a:xfrm>
+          <a:prstGeom prst="rect">
+            <a:avLst/>
+          </a:prstGeom>
+        </p:spPr>
+      </p:pic>
     </p:spTree>
     <p:extLst>
       <p:ext uri="{BB962C8B-B14F-4D97-AF65-F5344CB8AC3E}">
@@ -23011,7 +23228,7 @@
           <a:p>
             <a:pPr indent="541338" algn="just"/>
             <a:r>
-              <a:rPr lang="ru-RU" sz="1500" b="0" dirty="0">
+              <a:rPr lang="ru-RU" sz="1600" b="0" dirty="0">
                 <a:solidFill>
                   <a:schemeClr val="bg2">
                     <a:lumMod val="50000"/>
@@ -23021,7 +23238,7 @@
               <a:t>Обеспечить пользователям доступ к высокопроизводительному, удобному и безопасному веб-приложению, которое функционирует как нативное мобильное приложение, но не требует установки из </a:t>
             </a:r>
             <a:r>
-              <a:rPr lang="ru-RU" sz="1500" b="0" dirty="0" err="1">
+              <a:rPr lang="ru-RU" sz="1600" b="0" dirty="0" err="1">
                 <a:solidFill>
                   <a:schemeClr val="bg2">
                     <a:lumMod val="50000"/>
@@ -23031,7 +23248,7 @@
               <a:t>App</a:t>
             </a:r>
             <a:r>
-              <a:rPr lang="ru-RU" sz="1500" b="0" dirty="0">
+              <a:rPr lang="ru-RU" sz="1600" b="0" dirty="0">
                 <a:solidFill>
                   <a:schemeClr val="bg2">
                     <a:lumMod val="50000"/>
@@ -23040,7 +23257,7 @@
               </a:rPr>
               <a:t> Store или Google Play.</a:t>
             </a:r>
-            <a:endParaRPr lang="en-US" sz="1500" b="0" dirty="0">
+            <a:endParaRPr lang="en-US" sz="1600" b="0" dirty="0">
               <a:solidFill>
                 <a:schemeClr val="bg2">
                   <a:lumMod val="50000"/>
@@ -23049,374 +23266,8 @@
             </a:endParaRPr>
           </a:p>
           <a:p>
-            <a:pPr algn="l"/>
-            <a:endParaRPr lang="ru-RU" sz="1500" b="0" dirty="0">
-              <a:solidFill>
-                <a:schemeClr val="bg2">
-                  <a:lumMod val="50000"/>
-                </a:schemeClr>
-              </a:solidFill>
-            </a:endParaRPr>
-          </a:p>
-          <a:p>
-            <a:pPr indent="541338" algn="l"/>
-            <a:r>
-              <a:rPr lang="ru-RU" sz="1500" b="0" dirty="0">
-                <a:solidFill>
-                  <a:schemeClr val="bg2">
-                    <a:lumMod val="50000"/>
-                  </a:schemeClr>
-                </a:solidFill>
-              </a:rPr>
-              <a:t>Ключевые функции: Работа оффлайн</a:t>
-            </a:r>
-            <a:r>
-              <a:rPr lang="en-US" sz="1500" b="0" dirty="0">
-                <a:solidFill>
-                  <a:schemeClr val="bg2">
-                    <a:lumMod val="50000"/>
-                  </a:schemeClr>
-                </a:solidFill>
-              </a:rPr>
-              <a:t>, Push-</a:t>
-            </a:r>
-            <a:r>
-              <a:rPr lang="ru-RU" sz="1500" b="0" dirty="0">
-                <a:solidFill>
-                  <a:schemeClr val="bg2">
-                    <a:lumMod val="50000"/>
-                  </a:schemeClr>
-                </a:solidFill>
-              </a:rPr>
-              <a:t>уведомления</a:t>
-            </a:r>
-            <a:r>
-              <a:rPr lang="en-US" sz="1500" b="0" dirty="0">
-                <a:solidFill>
-                  <a:schemeClr val="bg2">
-                    <a:lumMod val="50000"/>
-                  </a:schemeClr>
-                </a:solidFill>
-              </a:rPr>
-              <a:t>, </a:t>
-            </a:r>
-            <a:r>
-              <a:rPr lang="ru-RU" sz="1500" b="0" dirty="0">
-                <a:solidFill>
-                  <a:schemeClr val="bg2">
-                    <a:lumMod val="50000"/>
-                  </a:schemeClr>
-                </a:solidFill>
-              </a:rPr>
-              <a:t>Поддержка видеозвонков и передачи данных в реальном времени</a:t>
-            </a:r>
-            <a:r>
-              <a:rPr lang="en-US" sz="1500" b="0" dirty="0">
-                <a:solidFill>
-                  <a:schemeClr val="bg2">
-                    <a:lumMod val="50000"/>
-                  </a:schemeClr>
-                </a:solidFill>
-              </a:rPr>
-              <a:t>, </a:t>
-            </a:r>
-            <a:r>
-              <a:rPr lang="ru-RU" sz="1500" b="0" dirty="0">
-                <a:solidFill>
-                  <a:schemeClr val="bg2">
-                    <a:lumMod val="50000"/>
-                  </a:schemeClr>
-                </a:solidFill>
-              </a:rPr>
-              <a:t>Высокая производительность</a:t>
-            </a:r>
-            <a:r>
-              <a:rPr lang="en-US" sz="1500" b="0" dirty="0">
-                <a:solidFill>
-                  <a:schemeClr val="bg2">
-                    <a:lumMod val="50000"/>
-                  </a:schemeClr>
-                </a:solidFill>
-              </a:rPr>
-              <a:t>.</a:t>
-            </a:r>
-          </a:p>
-          <a:p>
-            <a:pPr algn="l"/>
-            <a:endParaRPr lang="en-US" sz="1500" b="0" dirty="0">
-              <a:solidFill>
-                <a:schemeClr val="bg2">
-                  <a:lumMod val="50000"/>
-                </a:schemeClr>
-              </a:solidFill>
-            </a:endParaRPr>
-          </a:p>
-          <a:p>
-            <a:pPr algn="l"/>
-            <a:r>
-              <a:rPr lang="ru-RU" sz="1500" b="0" dirty="0">
-                <a:solidFill>
-                  <a:schemeClr val="bg2">
-                    <a:lumMod val="50000"/>
-                  </a:schemeClr>
-                </a:solidFill>
-              </a:rPr>
-              <a:t>Технические параметры</a:t>
-            </a:r>
-            <a:r>
-              <a:rPr lang="en-US" sz="1500" b="0" dirty="0">
-                <a:solidFill>
-                  <a:schemeClr val="bg2">
-                    <a:lumMod val="50000"/>
-                  </a:schemeClr>
-                </a:solidFill>
-              </a:rPr>
-              <a:t>:</a:t>
-            </a:r>
-          </a:p>
-          <a:p>
-            <a:pPr marL="285750" indent="-196850" algn="l">
-              <a:buFont typeface="Poppins" panose="00000500000000000000" pitchFamily="2" charset="0"/>
-              <a:buChar char="∙"/>
-            </a:pPr>
-            <a:r>
-              <a:rPr lang="ru-RU" sz="1500" b="0" dirty="0">
-                <a:solidFill>
-                  <a:schemeClr val="bg2">
-                    <a:lumMod val="50000"/>
-                  </a:schemeClr>
-                </a:solidFill>
-              </a:rPr>
-              <a:t>Скорость загрузки</a:t>
-            </a:r>
-            <a:r>
-              <a:rPr lang="en-US" sz="1500" b="0" dirty="0">
-                <a:solidFill>
-                  <a:schemeClr val="bg2">
-                    <a:lumMod val="50000"/>
-                  </a:schemeClr>
-                </a:solidFill>
-              </a:rPr>
-              <a:t>;</a:t>
-            </a:r>
-          </a:p>
-          <a:p>
-            <a:pPr marL="285750" indent="-196850" algn="l">
-              <a:buFont typeface="Poppins" panose="00000500000000000000" pitchFamily="2" charset="0"/>
-              <a:buChar char="∙"/>
-            </a:pPr>
-            <a:r>
-              <a:rPr lang="ru-RU" sz="1500" b="0" dirty="0">
-                <a:solidFill>
-                  <a:schemeClr val="bg2">
-                    <a:lumMod val="50000"/>
-                  </a:schemeClr>
-                </a:solidFill>
-              </a:rPr>
-              <a:t>Производительность (среднее время отклика)</a:t>
-            </a:r>
-            <a:r>
-              <a:rPr lang="en-US" sz="1500" b="0" dirty="0">
-                <a:solidFill>
-                  <a:schemeClr val="bg2">
-                    <a:lumMod val="50000"/>
-                  </a:schemeClr>
-                </a:solidFill>
-              </a:rPr>
-              <a:t>;</a:t>
-            </a:r>
-          </a:p>
-          <a:p>
-            <a:pPr marL="285750" indent="-196850" algn="l">
-              <a:buFont typeface="Poppins" panose="00000500000000000000" pitchFamily="2" charset="0"/>
-              <a:buChar char="∙"/>
-            </a:pPr>
-            <a:r>
-              <a:rPr lang="ru-RU" sz="1500" b="0" dirty="0">
-                <a:solidFill>
-                  <a:schemeClr val="bg2">
-                    <a:lumMod val="50000"/>
-                  </a:schemeClr>
-                </a:solidFill>
-              </a:rPr>
-              <a:t>Оффлайн-доступ</a:t>
-            </a:r>
-            <a:r>
-              <a:rPr lang="en-US" sz="1500" b="0" dirty="0">
-                <a:solidFill>
-                  <a:schemeClr val="bg2">
-                    <a:lumMod val="50000"/>
-                  </a:schemeClr>
-                </a:solidFill>
-              </a:rPr>
-              <a:t>;</a:t>
-            </a:r>
-          </a:p>
-          <a:p>
-            <a:pPr marL="285750" indent="-196850" algn="l">
-              <a:buFont typeface="Poppins" panose="00000500000000000000" pitchFamily="2" charset="0"/>
-              <a:buChar char="∙"/>
-            </a:pPr>
-            <a:r>
-              <a:rPr lang="ru-RU" sz="1500" b="0" dirty="0">
-                <a:solidFill>
-                  <a:schemeClr val="bg2">
-                    <a:lumMod val="50000"/>
-                  </a:schemeClr>
-                </a:solidFill>
-              </a:rPr>
-              <a:t>Поддержка устройств</a:t>
-            </a:r>
-            <a:r>
-              <a:rPr lang="en-US" sz="1500" b="0" dirty="0">
-                <a:solidFill>
-                  <a:schemeClr val="bg2">
-                    <a:lumMod val="50000"/>
-                  </a:schemeClr>
-                </a:solidFill>
-              </a:rPr>
-              <a:t>;</a:t>
-            </a:r>
-          </a:p>
-          <a:p>
-            <a:pPr marL="285750" indent="-196850" algn="l">
-              <a:buFont typeface="Poppins" panose="00000500000000000000" pitchFamily="2" charset="0"/>
-              <a:buChar char="∙"/>
-            </a:pPr>
-            <a:r>
-              <a:rPr lang="ru-RU" sz="1500" b="0" dirty="0">
-                <a:solidFill>
-                  <a:schemeClr val="bg2">
-                    <a:lumMod val="50000"/>
-                  </a:schemeClr>
-                </a:solidFill>
-              </a:rPr>
-              <a:t>Видеосвязь и обмен данными</a:t>
-            </a:r>
-            <a:r>
-              <a:rPr lang="en-US" sz="1500" b="0" dirty="0">
-                <a:solidFill>
-                  <a:schemeClr val="bg2">
-                    <a:lumMod val="50000"/>
-                  </a:schemeClr>
-                </a:solidFill>
-              </a:rPr>
-              <a:t>.</a:t>
-            </a:r>
-          </a:p>
-          <a:p>
-            <a:pPr algn="l"/>
-            <a:endParaRPr lang="en-US" sz="1500" b="0" dirty="0">
-              <a:solidFill>
-                <a:schemeClr val="bg2">
-                  <a:lumMod val="50000"/>
-                </a:schemeClr>
-              </a:solidFill>
-            </a:endParaRPr>
-          </a:p>
-          <a:p>
-            <a:pPr algn="l"/>
-            <a:r>
-              <a:rPr lang="ru-RU" sz="1500" b="0" dirty="0">
-                <a:solidFill>
-                  <a:schemeClr val="bg2">
-                    <a:lumMod val="50000"/>
-                  </a:schemeClr>
-                </a:solidFill>
-              </a:rPr>
-              <a:t>Качественные характеристики</a:t>
-            </a:r>
-            <a:r>
-              <a:rPr lang="en-US" sz="1500" b="0" dirty="0">
-                <a:solidFill>
-                  <a:schemeClr val="bg2">
-                    <a:lumMod val="50000"/>
-                  </a:schemeClr>
-                </a:solidFill>
-              </a:rPr>
-              <a:t>: </a:t>
-            </a:r>
-            <a:r>
-              <a:rPr lang="ru-RU" sz="1500" b="0" dirty="0">
-                <a:solidFill>
-                  <a:schemeClr val="bg2">
-                    <a:lumMod val="50000"/>
-                  </a:schemeClr>
-                </a:solidFill>
-              </a:rPr>
-              <a:t>Кросс-</a:t>
-            </a:r>
-            <a:r>
-              <a:rPr lang="ru-RU" sz="1500" b="0" dirty="0" err="1">
-                <a:solidFill>
-                  <a:schemeClr val="bg2">
-                    <a:lumMod val="50000"/>
-                  </a:schemeClr>
-                </a:solidFill>
-              </a:rPr>
-              <a:t>платформенность</a:t>
-            </a:r>
-            <a:r>
-              <a:rPr lang="en-US" sz="1500" b="0" dirty="0">
-                <a:solidFill>
-                  <a:schemeClr val="bg2">
-                    <a:lumMod val="50000"/>
-                  </a:schemeClr>
-                </a:solidFill>
-              </a:rPr>
-              <a:t>, </a:t>
-            </a:r>
-            <a:r>
-              <a:rPr lang="ru-RU" sz="1500" b="0" dirty="0">
-                <a:solidFill>
-                  <a:schemeClr val="bg2">
-                    <a:lumMod val="50000"/>
-                  </a:schemeClr>
-                </a:solidFill>
-              </a:rPr>
-              <a:t>Безопасность</a:t>
-            </a:r>
-            <a:r>
-              <a:rPr lang="en-US" sz="1500" b="0" dirty="0">
-                <a:solidFill>
-                  <a:schemeClr val="bg2">
-                    <a:lumMod val="50000"/>
-                  </a:schemeClr>
-                </a:solidFill>
-              </a:rPr>
-              <a:t>, </a:t>
-            </a:r>
-            <a:r>
-              <a:rPr lang="ru-RU" sz="1500" b="0" dirty="0">
-                <a:solidFill>
-                  <a:schemeClr val="bg2">
-                    <a:lumMod val="50000"/>
-                  </a:schemeClr>
-                </a:solidFill>
-              </a:rPr>
-              <a:t>Доступность</a:t>
-            </a:r>
-            <a:r>
-              <a:rPr lang="en-US" sz="1500" b="0" dirty="0">
-                <a:solidFill>
-                  <a:schemeClr val="bg2">
-                    <a:lumMod val="50000"/>
-                  </a:schemeClr>
-                </a:solidFill>
-              </a:rPr>
-              <a:t>.</a:t>
-            </a:r>
-            <a:endParaRPr lang="ru-RU" sz="1500" b="0" dirty="0">
-              <a:solidFill>
-                <a:schemeClr val="bg2">
-                  <a:lumMod val="50000"/>
-                </a:schemeClr>
-              </a:solidFill>
-            </a:endParaRPr>
-          </a:p>
-          <a:p>
-            <a:pPr algn="l"/>
-            <a:endParaRPr lang="en-US" sz="1500" b="0" dirty="0">
+            <a:pPr algn="just"/>
+            <a:endParaRPr lang="ru-RU" sz="1600" b="0" dirty="0">
               <a:solidFill>
                 <a:schemeClr val="bg2">
                   <a:lumMod val="50000"/>
@@ -23427,38 +23278,512 @@
           <a:p>
             <a:pPr indent="541338" algn="just"/>
             <a:r>
-              <a:rPr lang="ru-RU" sz="1500" b="0" dirty="0">
+              <a:rPr lang="ru-RU" sz="1600" b="0" dirty="0">
                 <a:solidFill>
                   <a:schemeClr val="bg2">
                     <a:lumMod val="50000"/>
                   </a:schemeClr>
                 </a:solidFill>
               </a:rPr>
-              <a:t>Стоимостные характеристики</a:t>
-            </a:r>
-            <a:r>
-              <a:rPr lang="en-US" sz="1500" b="0" dirty="0">
+              <a:t>Ключевые функции: Работа оффлайн</a:t>
+            </a:r>
+            <a:r>
+              <a:rPr lang="en-US" sz="1600" b="0" dirty="0">
                 <a:solidFill>
                   <a:schemeClr val="bg2">
                     <a:lumMod val="50000"/>
                   </a:schemeClr>
                 </a:solidFill>
               </a:rPr>
-              <a:t> </a:t>
-            </a:r>
-            <a:r>
-              <a:rPr lang="ru-RU" sz="1500" b="0" dirty="0">
+              <a:t>, Push-</a:t>
+            </a:r>
+            <a:r>
+              <a:rPr lang="ru-RU" sz="1600" b="0" dirty="0">
                 <a:solidFill>
                   <a:schemeClr val="bg2">
                     <a:lumMod val="50000"/>
                   </a:schemeClr>
                 </a:solidFill>
               </a:rPr>
+              <a:t>уведомления</a:t>
+            </a:r>
+            <a:r>
+              <a:rPr lang="en-US" sz="1600" b="0" dirty="0">
+                <a:solidFill>
+                  <a:schemeClr val="bg2">
+                    <a:lumMod val="50000"/>
+                  </a:schemeClr>
+                </a:solidFill>
+              </a:rPr>
+              <a:t>, </a:t>
+            </a:r>
+            <a:r>
+              <a:rPr lang="ru-RU" sz="1600" b="0" dirty="0">
+                <a:solidFill>
+                  <a:schemeClr val="bg2">
+                    <a:lumMod val="50000"/>
+                  </a:schemeClr>
+                </a:solidFill>
+              </a:rPr>
+              <a:t>Поддержка видеозвонков и передачи данных в реальном времени</a:t>
+            </a:r>
+            <a:r>
+              <a:rPr lang="en-US" sz="1600" b="0" dirty="0">
+                <a:solidFill>
+                  <a:schemeClr val="bg2">
+                    <a:lumMod val="50000"/>
+                  </a:schemeClr>
+                </a:solidFill>
+              </a:rPr>
+              <a:t>, </a:t>
+            </a:r>
+            <a:r>
+              <a:rPr lang="ru-RU" sz="1600" b="0" dirty="0">
+                <a:solidFill>
+                  <a:schemeClr val="bg2">
+                    <a:lumMod val="50000"/>
+                  </a:schemeClr>
+                </a:solidFill>
+              </a:rPr>
+              <a:t>Высокая производительность</a:t>
+            </a:r>
+            <a:r>
+              <a:rPr lang="en-US" sz="1600" b="0" dirty="0">
+                <a:solidFill>
+                  <a:schemeClr val="bg2">
+                    <a:lumMod val="50000"/>
+                  </a:schemeClr>
+                </a:solidFill>
+              </a:rPr>
+              <a:t>.</a:t>
+            </a:r>
+          </a:p>
+          <a:p>
+            <a:pPr algn="just"/>
+            <a:endParaRPr lang="en-US" sz="1600" b="0" dirty="0">
+              <a:solidFill>
+                <a:schemeClr val="bg2">
+                  <a:lumMod val="50000"/>
+                </a:schemeClr>
+              </a:solidFill>
+            </a:endParaRPr>
+          </a:p>
+          <a:p>
+            <a:pPr algn="just"/>
+            <a:r>
+              <a:rPr lang="ru-RU" sz="1600" b="0" dirty="0">
+                <a:solidFill>
+                  <a:schemeClr val="bg2">
+                    <a:lumMod val="50000"/>
+                  </a:schemeClr>
+                </a:solidFill>
+              </a:rPr>
+              <a:t>Технические параметры</a:t>
+            </a:r>
+            <a:r>
+              <a:rPr lang="en-US" sz="1600" b="0" dirty="0">
+                <a:solidFill>
+                  <a:schemeClr val="bg2">
+                    <a:lumMod val="50000"/>
+                  </a:schemeClr>
+                </a:solidFill>
+              </a:rPr>
+              <a:t>:</a:t>
+            </a:r>
+          </a:p>
+          <a:p>
+            <a:pPr marL="285750" indent="-196850" algn="just">
+              <a:buFont typeface="Poppins" panose="00000500000000000000" pitchFamily="2" charset="0"/>
+              <a:buChar char="∙"/>
+            </a:pPr>
+            <a:r>
+              <a:rPr lang="ru-RU" sz="1600" b="0" dirty="0">
+                <a:solidFill>
+                  <a:schemeClr val="bg2">
+                    <a:lumMod val="50000"/>
+                  </a:schemeClr>
+                </a:solidFill>
+              </a:rPr>
+              <a:t>Скорость загрузки</a:t>
+            </a:r>
+            <a:r>
+              <a:rPr lang="en-US" sz="1600" b="0" dirty="0">
+                <a:solidFill>
+                  <a:schemeClr val="bg2">
+                    <a:lumMod val="50000"/>
+                  </a:schemeClr>
+                </a:solidFill>
+              </a:rPr>
+              <a:t>;</a:t>
+            </a:r>
+          </a:p>
+          <a:p>
+            <a:pPr marL="285750" indent="-196850" algn="just">
+              <a:buFont typeface="Poppins" panose="00000500000000000000" pitchFamily="2" charset="0"/>
+              <a:buChar char="∙"/>
+            </a:pPr>
+            <a:r>
+              <a:rPr lang="ru-RU" sz="1600" b="0" dirty="0">
+                <a:solidFill>
+                  <a:schemeClr val="bg2">
+                    <a:lumMod val="50000"/>
+                  </a:schemeClr>
+                </a:solidFill>
+              </a:rPr>
+              <a:t>Производительность (среднее время отклика)</a:t>
+            </a:r>
+            <a:r>
+              <a:rPr lang="en-US" sz="1600" b="0" dirty="0">
+                <a:solidFill>
+                  <a:schemeClr val="bg2">
+                    <a:lumMod val="50000"/>
+                  </a:schemeClr>
+                </a:solidFill>
+              </a:rPr>
+              <a:t>;</a:t>
+            </a:r>
+          </a:p>
+          <a:p>
+            <a:pPr marL="285750" indent="-196850" algn="just">
+              <a:buFont typeface="Poppins" panose="00000500000000000000" pitchFamily="2" charset="0"/>
+              <a:buChar char="∙"/>
+            </a:pPr>
+            <a:r>
+              <a:rPr lang="ru-RU" sz="1600" b="0" dirty="0">
+                <a:solidFill>
+                  <a:schemeClr val="bg2">
+                    <a:lumMod val="50000"/>
+                  </a:schemeClr>
+                </a:solidFill>
+              </a:rPr>
+              <a:t>Оффлайн-доступ</a:t>
+            </a:r>
+            <a:r>
+              <a:rPr lang="en-US" sz="1600" b="0" dirty="0">
+                <a:solidFill>
+                  <a:schemeClr val="bg2">
+                    <a:lumMod val="50000"/>
+                  </a:schemeClr>
+                </a:solidFill>
+              </a:rPr>
+              <a:t>;</a:t>
+            </a:r>
+          </a:p>
+          <a:p>
+            <a:pPr marL="285750" indent="-196850" algn="just">
+              <a:buFont typeface="Poppins" panose="00000500000000000000" pitchFamily="2" charset="0"/>
+              <a:buChar char="∙"/>
+            </a:pPr>
+            <a:r>
+              <a:rPr lang="ru-RU" sz="1600" b="0" dirty="0">
+                <a:solidFill>
+                  <a:schemeClr val="bg2">
+                    <a:lumMod val="50000"/>
+                  </a:schemeClr>
+                </a:solidFill>
+              </a:rPr>
+              <a:t>Поддержка устройств</a:t>
+            </a:r>
+            <a:r>
+              <a:rPr lang="en-US" sz="1600" b="0" dirty="0">
+                <a:solidFill>
+                  <a:schemeClr val="bg2">
+                    <a:lumMod val="50000"/>
+                  </a:schemeClr>
+                </a:solidFill>
+              </a:rPr>
+              <a:t>;</a:t>
+            </a:r>
+          </a:p>
+          <a:p>
+            <a:pPr marL="285750" indent="-196850" algn="just">
+              <a:buFont typeface="Poppins" panose="00000500000000000000" pitchFamily="2" charset="0"/>
+              <a:buChar char="∙"/>
+            </a:pPr>
+            <a:r>
+              <a:rPr lang="ru-RU" sz="1600" b="0" dirty="0">
+                <a:solidFill>
+                  <a:schemeClr val="bg2">
+                    <a:lumMod val="50000"/>
+                  </a:schemeClr>
+                </a:solidFill>
+              </a:rPr>
+              <a:t>Видеосвязь и обмен данными</a:t>
+            </a:r>
+            <a:r>
+              <a:rPr lang="en-US" sz="1600" b="0" dirty="0">
+                <a:solidFill>
+                  <a:schemeClr val="bg2">
+                    <a:lumMod val="50000"/>
+                  </a:schemeClr>
+                </a:solidFill>
+              </a:rPr>
+              <a:t>.</a:t>
+            </a:r>
+          </a:p>
+          <a:p>
+            <a:pPr algn="just"/>
+            <a:endParaRPr lang="en-US" sz="1600" b="0" dirty="0">
+              <a:solidFill>
+                <a:schemeClr val="bg2">
+                  <a:lumMod val="50000"/>
+                </a:schemeClr>
+              </a:solidFill>
+            </a:endParaRPr>
+          </a:p>
+          <a:p>
+            <a:pPr algn="just"/>
+            <a:r>
+              <a:rPr lang="ru-RU" sz="1600" b="0" dirty="0">
+                <a:solidFill>
+                  <a:schemeClr val="bg2">
+                    <a:lumMod val="50000"/>
+                  </a:schemeClr>
+                </a:solidFill>
+              </a:rPr>
+              <a:t>Качественные характеристики</a:t>
+            </a:r>
+            <a:r>
+              <a:rPr lang="en-US" sz="1600" b="0" dirty="0">
+                <a:solidFill>
+                  <a:schemeClr val="bg2">
+                    <a:lumMod val="50000"/>
+                  </a:schemeClr>
+                </a:solidFill>
+              </a:rPr>
+              <a:t>: </a:t>
+            </a:r>
+            <a:r>
+              <a:rPr lang="ru-RU" sz="1600" b="0" dirty="0">
+                <a:solidFill>
+                  <a:schemeClr val="bg2">
+                    <a:lumMod val="50000"/>
+                  </a:schemeClr>
+                </a:solidFill>
+              </a:rPr>
+              <a:t>Кросс-</a:t>
+            </a:r>
+            <a:r>
+              <a:rPr lang="ru-RU" sz="1600" b="0" dirty="0" err="1">
+                <a:solidFill>
+                  <a:schemeClr val="bg2">
+                    <a:lumMod val="50000"/>
+                  </a:schemeClr>
+                </a:solidFill>
+              </a:rPr>
+              <a:t>платформенность</a:t>
+            </a:r>
+            <a:r>
+              <a:rPr lang="en-US" sz="1600" b="0" dirty="0">
+                <a:solidFill>
+                  <a:schemeClr val="bg2">
+                    <a:lumMod val="50000"/>
+                  </a:schemeClr>
+                </a:solidFill>
+              </a:rPr>
+              <a:t>, </a:t>
+            </a:r>
+            <a:r>
+              <a:rPr lang="ru-RU" sz="1600" b="0" dirty="0">
+                <a:solidFill>
+                  <a:schemeClr val="bg2">
+                    <a:lumMod val="50000"/>
+                  </a:schemeClr>
+                </a:solidFill>
+              </a:rPr>
+              <a:t>Безопасность</a:t>
+            </a:r>
+            <a:r>
+              <a:rPr lang="en-US" sz="1600" b="0" dirty="0">
+                <a:solidFill>
+                  <a:schemeClr val="bg2">
+                    <a:lumMod val="50000"/>
+                  </a:schemeClr>
+                </a:solidFill>
+              </a:rPr>
+              <a:t>, </a:t>
+            </a:r>
+            <a:r>
+              <a:rPr lang="ru-RU" sz="1600" b="0" dirty="0">
+                <a:solidFill>
+                  <a:schemeClr val="bg2">
+                    <a:lumMod val="50000"/>
+                  </a:schemeClr>
+                </a:solidFill>
+              </a:rPr>
+              <a:t>Доступность</a:t>
+            </a:r>
+            <a:r>
+              <a:rPr lang="en-US" sz="1600" b="0" dirty="0">
+                <a:solidFill>
+                  <a:schemeClr val="bg2">
+                    <a:lumMod val="50000"/>
+                  </a:schemeClr>
+                </a:solidFill>
+              </a:rPr>
+              <a:t>.</a:t>
+            </a:r>
+            <a:endParaRPr lang="ru-RU" sz="1600" b="0" dirty="0">
+              <a:solidFill>
+                <a:schemeClr val="bg2">
+                  <a:lumMod val="50000"/>
+                </a:schemeClr>
+              </a:solidFill>
+            </a:endParaRPr>
+          </a:p>
+          <a:p>
+            <a:pPr algn="just"/>
+            <a:endParaRPr lang="en-US" sz="1600" b="0" dirty="0">
+              <a:solidFill>
+                <a:schemeClr val="bg2">
+                  <a:lumMod val="50000"/>
+                </a:schemeClr>
+              </a:solidFill>
+            </a:endParaRPr>
+          </a:p>
+          <a:p>
+            <a:pPr indent="541338" algn="just"/>
+            <a:r>
+              <a:rPr lang="ru-RU" sz="1600" b="0" dirty="0">
+                <a:solidFill>
+                  <a:schemeClr val="bg2">
+                    <a:lumMod val="50000"/>
+                  </a:schemeClr>
+                </a:solidFill>
+              </a:rPr>
+              <a:t>Стоимостные характеристики</a:t>
+            </a:r>
+            <a:r>
+              <a:rPr lang="en-US" sz="1600" b="0" dirty="0">
+                <a:solidFill>
+                  <a:schemeClr val="bg2">
+                    <a:lumMod val="50000"/>
+                  </a:schemeClr>
+                </a:solidFill>
+              </a:rPr>
+              <a:t> </a:t>
+            </a:r>
+            <a:r>
+              <a:rPr lang="ru-RU" sz="1600" b="0" dirty="0">
+                <a:solidFill>
+                  <a:schemeClr val="bg2">
+                    <a:lumMod val="50000"/>
+                  </a:schemeClr>
+                </a:solidFill>
+              </a:rPr>
               <a:t>средняя, благодаря использованию единой кодовой базы для всех платформ (экономия на разработке отдельных мобильных приложений). Поддержка и обновление приложения обходится дешевле, так как все изменения вносятся в одно веб-приложение, доступное на всех устройствах.</a:t>
             </a:r>
           </a:p>
         </p:txBody>
       </p:sp>
+      <p:pic>
+        <p:nvPicPr>
+          <p:cNvPr id="3" name="Рисунок 2" descr="Изображение выглядит как текст, Графика, логотип, Шрифт&#10;&#10;Автоматически созданное описание">
+            <a:extLst>
+              <a:ext uri="{FF2B5EF4-FFF2-40B4-BE49-F238E27FC236}">
+                <a16:creationId xmlns:a16="http://schemas.microsoft.com/office/drawing/2014/main" id="{0F0FA87C-268B-4127-6664-71A0362F767B}"/>
+              </a:ext>
+            </a:extLst>
+          </p:cNvPr>
+          <p:cNvPicPr>
+            <a:picLocks noChangeAspect="1"/>
+          </p:cNvPicPr>
+          <p:nvPr/>
+        </p:nvPicPr>
+        <p:blipFill>
+          <a:blip r:embed="rId2">
+            <a:extLst>
+              <a:ext uri="{28A0092B-C50C-407E-A947-70E740481C1C}">
+                <a14:useLocalDpi xmlns:a14="http://schemas.microsoft.com/office/drawing/2010/main" val="0"/>
+              </a:ext>
+            </a:extLst>
+          </a:blip>
+          <a:stretch>
+            <a:fillRect/>
+          </a:stretch>
+        </p:blipFill>
+        <p:spPr>
+          <a:xfrm>
+            <a:off x="11478185" y="6207370"/>
+            <a:ext cx="615553" cy="565058"/>
+          </a:xfrm>
+          <a:prstGeom prst="rect">
+            <a:avLst/>
+          </a:prstGeom>
+        </p:spPr>
+      </p:pic>
+      <p:pic>
+        <p:nvPicPr>
+          <p:cNvPr id="4" name="Рисунок 3" descr="Изображение выглядит как текст, Шрифт, снимок экрана, Графика&#10;&#10;Автоматически созданное описание">
+            <a:extLst>
+              <a:ext uri="{FF2B5EF4-FFF2-40B4-BE49-F238E27FC236}">
+                <a16:creationId xmlns:a16="http://schemas.microsoft.com/office/drawing/2014/main" id="{07842727-F1EA-3B54-47E6-25F3B609B1A0}"/>
+              </a:ext>
+            </a:extLst>
+          </p:cNvPr>
+          <p:cNvPicPr>
+            <a:picLocks noChangeAspect="1"/>
+          </p:cNvPicPr>
+          <p:nvPr/>
+        </p:nvPicPr>
+        <p:blipFill>
+          <a:blip r:embed="rId3">
+            <a:extLst>
+              <a:ext uri="{28A0092B-C50C-407E-A947-70E740481C1C}">
+                <a14:useLocalDpi xmlns:a14="http://schemas.microsoft.com/office/drawing/2010/main" val="0"/>
+              </a:ext>
+            </a:extLst>
+          </a:blip>
+          <a:stretch>
+            <a:fillRect/>
+          </a:stretch>
+        </p:blipFill>
+        <p:spPr>
+          <a:xfrm>
+            <a:off x="10335927" y="6268128"/>
+            <a:ext cx="1019165" cy="443542"/>
+          </a:xfrm>
+          <a:prstGeom prst="rect">
+            <a:avLst/>
+          </a:prstGeom>
+        </p:spPr>
+      </p:pic>
+      <p:pic>
+        <p:nvPicPr>
+          <p:cNvPr id="6" name="Рисунок 5" descr="Изображение выглядит как фиолетовый, снимок экрана, Фиолетовый, Красочность&#10;&#10;Автоматически созданное описание">
+            <a:extLst>
+              <a:ext uri="{FF2B5EF4-FFF2-40B4-BE49-F238E27FC236}">
+                <a16:creationId xmlns:a16="http://schemas.microsoft.com/office/drawing/2014/main" id="{21B0886C-04FF-7A43-BCE2-9BF5E104EBC4}"/>
+              </a:ext>
+            </a:extLst>
+          </p:cNvPr>
+          <p:cNvPicPr>
+            <a:picLocks noChangeAspect="1"/>
+          </p:cNvPicPr>
+          <p:nvPr/>
+        </p:nvPicPr>
+        <p:blipFill>
+          <a:blip r:embed="rId4">
+            <a:extLst>
+              <a:ext uri="{28A0092B-C50C-407E-A947-70E740481C1C}">
+                <a14:useLocalDpi xmlns:a14="http://schemas.microsoft.com/office/drawing/2010/main" val="0"/>
+              </a:ext>
+            </a:extLst>
+          </a:blip>
+          <a:stretch>
+            <a:fillRect/>
+          </a:stretch>
+        </p:blipFill>
+        <p:spPr>
+          <a:xfrm>
+            <a:off x="9122873" y="6346627"/>
+            <a:ext cx="1089961" cy="286543"/>
+          </a:xfrm>
+          <a:prstGeom prst="rect">
+            <a:avLst/>
+          </a:prstGeom>
+        </p:spPr>
+      </p:pic>
     </p:spTree>
     <p:extLst>
       <p:ext uri="{BB962C8B-B14F-4D97-AF65-F5344CB8AC3E}">
@@ -23801,9 +24126,9 @@
             </a:lvl9pPr>
           </a:lstStyle>
           <a:p>
-            <a:pPr indent="541338" algn="l"/>
-            <a:r>
-              <a:rPr lang="ru-RU" sz="1400" b="0" dirty="0">
+            <a:pPr indent="541338" algn="just"/>
+            <a:r>
+              <a:rPr lang="ru-RU" sz="1500" b="0" dirty="0">
                 <a:solidFill>
                   <a:schemeClr val="bg2">
                     <a:lumMod val="50000"/>
@@ -23812,7 +24137,7 @@
               </a:rPr>
               <a:t>Продукт на основе прогрессивных веб-технологий имеет широкий спектр применений и может быть востребован в различных отраслях:</a:t>
             </a:r>
-            <a:endParaRPr lang="en-US" sz="1400" b="0" dirty="0">
+            <a:endParaRPr lang="en-US" sz="1500" b="0" dirty="0">
               <a:solidFill>
                 <a:schemeClr val="bg2">
                   <a:lumMod val="50000"/>
@@ -23821,12 +24146,12 @@
             </a:endParaRPr>
           </a:p>
           <a:p>
-            <a:pPr marL="285750" indent="-196850" algn="l">
+            <a:pPr marL="285750" indent="-196850" algn="just">
               <a:buFont typeface="Poppins" panose="00000500000000000000" pitchFamily="2" charset="0"/>
               <a:buChar char="∙"/>
             </a:pPr>
             <a:r>
-              <a:rPr lang="ru-RU" sz="1400" b="0" dirty="0">
+              <a:rPr lang="ru-RU" sz="1500" b="0" dirty="0">
                 <a:solidFill>
                   <a:schemeClr val="bg2">
                     <a:lumMod val="50000"/>
@@ -23836,7 +24161,7 @@
               <a:t>Электронная коммерция (</a:t>
             </a:r>
             <a:r>
-              <a:rPr lang="en-US" sz="1400" b="0" dirty="0">
+              <a:rPr lang="en-US" sz="1500" b="0" dirty="0">
                 <a:solidFill>
                   <a:schemeClr val="bg2">
                     <a:lumMod val="50000"/>
@@ -23847,12 +24172,12 @@
             </a:r>
           </a:p>
           <a:p>
-            <a:pPr marL="285750" indent="-196850" algn="l">
+            <a:pPr marL="285750" indent="-196850" algn="just">
               <a:buFont typeface="Poppins" panose="00000500000000000000" pitchFamily="2" charset="0"/>
               <a:buChar char="∙"/>
             </a:pPr>
             <a:r>
-              <a:rPr lang="ru-RU" sz="1400" b="0" dirty="0">
+              <a:rPr lang="ru-RU" sz="1500" b="0" dirty="0">
                 <a:solidFill>
                   <a:schemeClr val="bg2">
                     <a:lumMod val="50000"/>
@@ -23862,7 +24187,7 @@
               <a:t>Образование (</a:t>
             </a:r>
             <a:r>
-              <a:rPr lang="en-US" sz="1400" b="0" dirty="0">
+              <a:rPr lang="en-US" sz="1500" b="0" dirty="0">
                 <a:solidFill>
                   <a:schemeClr val="bg2">
                     <a:lumMod val="50000"/>
@@ -23873,12 +24198,12 @@
             </a:r>
           </a:p>
           <a:p>
-            <a:pPr marL="285750" indent="-196850" algn="l">
+            <a:pPr marL="285750" indent="-196850" algn="just">
               <a:buFont typeface="Poppins" panose="00000500000000000000" pitchFamily="2" charset="0"/>
               <a:buChar char="∙"/>
             </a:pPr>
             <a:r>
-              <a:rPr lang="ru-RU" sz="1400" b="0" dirty="0">
+              <a:rPr lang="ru-RU" sz="1500" b="0" dirty="0">
                 <a:solidFill>
                   <a:schemeClr val="bg2">
                     <a:lumMod val="50000"/>
@@ -23888,7 +24213,7 @@
               <a:t>Медиа и новостные порталы</a:t>
             </a:r>
             <a:r>
-              <a:rPr lang="en-US" sz="1400" b="0" dirty="0">
+              <a:rPr lang="en-US" sz="1500" b="0" dirty="0">
                 <a:solidFill>
                   <a:schemeClr val="bg2">
                     <a:lumMod val="50000"/>
@@ -23899,12 +24224,12 @@
             </a:r>
           </a:p>
           <a:p>
-            <a:pPr marL="285750" indent="-196850" algn="l">
+            <a:pPr marL="285750" indent="-196850" algn="just">
               <a:buFont typeface="Poppins" panose="00000500000000000000" pitchFamily="2" charset="0"/>
               <a:buChar char="∙"/>
             </a:pPr>
             <a:r>
-              <a:rPr lang="ru-RU" sz="1400" b="0" dirty="0">
+              <a:rPr lang="ru-RU" sz="1500" b="0" dirty="0">
                 <a:solidFill>
                   <a:schemeClr val="bg2">
                     <a:lumMod val="50000"/>
@@ -23914,7 +24239,7 @@
               <a:t>Корпоративные порталы и бизнес-приложения</a:t>
             </a:r>
             <a:r>
-              <a:rPr lang="en-US" sz="1400" b="0" dirty="0">
+              <a:rPr lang="en-US" sz="1500" b="0" dirty="0">
                 <a:solidFill>
                   <a:schemeClr val="bg2">
                     <a:lumMod val="50000"/>
@@ -23925,11 +24250,11 @@
             </a:r>
           </a:p>
           <a:p>
-            <a:pPr marL="285750" indent="-196850" algn="l">
+            <a:pPr marL="285750" indent="-196850" algn="just">
               <a:buFont typeface="Poppins" panose="00000500000000000000" pitchFamily="2" charset="0"/>
               <a:buChar char="∙"/>
             </a:pPr>
-            <a:endParaRPr lang="en-US" sz="1400" b="0" dirty="0">
+            <a:endParaRPr lang="en-US" sz="1500" b="0" dirty="0">
               <a:solidFill>
                 <a:schemeClr val="bg2">
                   <a:lumMod val="50000"/>
@@ -23938,9 +24263,9 @@
             </a:endParaRPr>
           </a:p>
           <a:p>
-            <a:pPr algn="l"/>
-            <a:r>
-              <a:rPr lang="ru-RU" sz="1400" b="0" dirty="0">
+            <a:pPr algn="just"/>
+            <a:r>
+              <a:rPr lang="ru-RU" sz="1500" b="0" dirty="0">
                 <a:solidFill>
                   <a:schemeClr val="bg2">
                     <a:lumMod val="50000"/>
@@ -23949,7 +24274,7 @@
               </a:rPr>
               <a:t>Объем инвестиций:</a:t>
             </a:r>
-            <a:endParaRPr lang="en-US" sz="1400" b="0" dirty="0">
+            <a:endParaRPr lang="en-US" sz="1500" b="0" dirty="0">
               <a:solidFill>
                 <a:schemeClr val="bg2">
                   <a:lumMod val="50000"/>
@@ -23958,12 +24283,12 @@
             </a:endParaRPr>
           </a:p>
           <a:p>
-            <a:pPr marL="285750" indent="-196850" algn="l">
+            <a:pPr marL="285750" indent="-196850" algn="just">
               <a:buFont typeface="Poppins" panose="00000500000000000000" pitchFamily="2" charset="0"/>
               <a:buChar char="∙"/>
             </a:pPr>
             <a:r>
-              <a:rPr lang="ru-RU" sz="1400" b="0" dirty="0">
+              <a:rPr lang="ru-RU" sz="1500" b="0" dirty="0">
                 <a:solidFill>
                   <a:schemeClr val="bg2">
                     <a:lumMod val="50000"/>
@@ -23973,7 +24298,7 @@
               <a:t>Разработка и тестирование: $50,000–100,000</a:t>
             </a:r>
             <a:r>
-              <a:rPr lang="en-US" sz="1400" b="0" dirty="0">
+              <a:rPr lang="en-US" sz="1500" b="0" dirty="0">
                 <a:solidFill>
                   <a:schemeClr val="bg2">
                     <a:lumMod val="50000"/>
@@ -23984,12 +24309,12 @@
             </a:r>
           </a:p>
           <a:p>
-            <a:pPr marL="285750" indent="-196850" algn="l">
+            <a:pPr marL="285750" indent="-196850" algn="just">
               <a:buFont typeface="Poppins" panose="00000500000000000000" pitchFamily="2" charset="0"/>
               <a:buChar char="∙"/>
             </a:pPr>
             <a:r>
-              <a:rPr lang="ru-RU" sz="1400" b="0" dirty="0">
+              <a:rPr lang="ru-RU" sz="1500" b="0" dirty="0">
                 <a:solidFill>
                   <a:schemeClr val="bg2">
                     <a:lumMod val="50000"/>
@@ -23999,7 +24324,7 @@
               <a:t>Маркетинг и продвижение: $30,000–50,000</a:t>
             </a:r>
             <a:r>
-              <a:rPr lang="en-US" sz="1400" b="0" dirty="0">
+              <a:rPr lang="en-US" sz="1500" b="0" dirty="0">
                 <a:solidFill>
                   <a:schemeClr val="bg2">
                     <a:lumMod val="50000"/>
@@ -24010,12 +24335,12 @@
             </a:r>
           </a:p>
           <a:p>
-            <a:pPr marL="285750" indent="-196850" algn="l">
+            <a:pPr marL="285750" indent="-196850" algn="just">
               <a:buFont typeface="Poppins" panose="00000500000000000000" pitchFamily="2" charset="0"/>
               <a:buChar char="∙"/>
             </a:pPr>
             <a:r>
-              <a:rPr lang="ru-RU" sz="1400" b="0" dirty="0">
+              <a:rPr lang="ru-RU" sz="1500" b="0" dirty="0">
                 <a:solidFill>
                   <a:schemeClr val="bg2">
                     <a:lumMod val="50000"/>
@@ -24025,7 +24350,7 @@
               <a:t>Поддержка и обновления: $20,000</a:t>
             </a:r>
             <a:r>
-              <a:rPr lang="en-US" sz="1400" b="0" dirty="0">
+              <a:rPr lang="en-US" sz="1500" b="0" dirty="0">
                 <a:solidFill>
                   <a:schemeClr val="bg2">
                     <a:lumMod val="50000"/>
@@ -24036,12 +24361,12 @@
             </a:r>
           </a:p>
           <a:p>
-            <a:pPr marL="285750" indent="-196850" algn="l">
+            <a:pPr marL="285750" indent="-196850" algn="just">
               <a:buFont typeface="Poppins" panose="00000500000000000000" pitchFamily="2" charset="0"/>
               <a:buChar char="∙"/>
             </a:pPr>
             <a:r>
-              <a:rPr lang="ru-RU" sz="1400" b="0" dirty="0">
+              <a:rPr lang="ru-RU" sz="1500" b="0" dirty="0">
                 <a:solidFill>
                   <a:schemeClr val="bg2">
                     <a:lumMod val="50000"/>
@@ -24050,7 +24375,7 @@
               </a:rPr>
               <a:t>Итого стартовых инвестиций: $100,000–150,000.</a:t>
             </a:r>
-            <a:endParaRPr lang="en-US" sz="1400" b="0" dirty="0">
+            <a:endParaRPr lang="en-US" sz="1500" b="0" dirty="0">
               <a:solidFill>
                 <a:schemeClr val="bg2">
                   <a:lumMod val="50000"/>
@@ -24059,8 +24384,8 @@
             </a:endParaRPr>
           </a:p>
           <a:p>
-            <a:pPr algn="l"/>
-            <a:endParaRPr lang="en-US" sz="1400" b="0" dirty="0">
+            <a:pPr algn="just"/>
+            <a:endParaRPr lang="en-US" sz="1500" b="0" dirty="0">
               <a:solidFill>
                 <a:schemeClr val="bg2">
                   <a:lumMod val="50000"/>
@@ -24069,9 +24394,9 @@
             </a:endParaRPr>
           </a:p>
           <a:p>
-            <a:pPr algn="l"/>
-            <a:r>
-              <a:rPr lang="ru-RU" sz="1400" b="0" dirty="0">
+            <a:pPr algn="just"/>
+            <a:r>
+              <a:rPr lang="ru-RU" sz="1500" b="0" dirty="0">
                 <a:solidFill>
                   <a:schemeClr val="bg2">
                     <a:lumMod val="50000"/>
@@ -24080,7 +24405,7 @@
               </a:rPr>
               <a:t>Формы получения инвестиций:</a:t>
             </a:r>
-            <a:endParaRPr lang="en-US" sz="1400" b="0" dirty="0">
+            <a:endParaRPr lang="en-US" sz="1500" b="0" dirty="0">
               <a:solidFill>
                 <a:schemeClr val="bg2">
                   <a:lumMod val="50000"/>
@@ -24089,12 +24414,12 @@
             </a:endParaRPr>
           </a:p>
           <a:p>
-            <a:pPr marL="285750" indent="-196850" algn="l">
+            <a:pPr marL="285750" indent="-196850" algn="just">
               <a:buFont typeface="Poppins" panose="00000500000000000000" pitchFamily="2" charset="0"/>
               <a:buChar char="∙"/>
             </a:pPr>
             <a:r>
-              <a:rPr lang="ru-RU" sz="1400" b="0" dirty="0">
+              <a:rPr lang="ru-RU" sz="1500" b="0" dirty="0">
                 <a:solidFill>
                   <a:schemeClr val="bg2">
                     <a:lumMod val="50000"/>
@@ -24104,7 +24429,7 @@
               <a:t>Венчурное инвестирование</a:t>
             </a:r>
             <a:r>
-              <a:rPr lang="en-US" sz="1400" b="0" dirty="0">
+              <a:rPr lang="en-US" sz="1500" b="0" dirty="0">
                 <a:solidFill>
                   <a:schemeClr val="bg2">
                     <a:lumMod val="50000"/>
@@ -24115,12 +24440,12 @@
             </a:r>
           </a:p>
           <a:p>
-            <a:pPr marL="285750" indent="-196850" algn="l">
+            <a:pPr marL="285750" indent="-196850" algn="just">
               <a:buFont typeface="Poppins" panose="00000500000000000000" pitchFamily="2" charset="0"/>
               <a:buChar char="∙"/>
             </a:pPr>
             <a:r>
-              <a:rPr lang="ru-RU" sz="1400" b="0" dirty="0">
+              <a:rPr lang="ru-RU" sz="1500" b="0" dirty="0">
                 <a:solidFill>
                   <a:schemeClr val="bg2">
                     <a:lumMod val="50000"/>
@@ -24130,7 +24455,7 @@
               <a:t>Гранты и государственные субсидии</a:t>
             </a:r>
             <a:r>
-              <a:rPr lang="en-US" sz="1400" b="0" dirty="0">
+              <a:rPr lang="en-US" sz="1500" b="0" dirty="0">
                 <a:solidFill>
                   <a:schemeClr val="bg2">
                     <a:lumMod val="50000"/>
@@ -24141,12 +24466,12 @@
             </a:r>
           </a:p>
           <a:p>
-            <a:pPr marL="285750" indent="-196850" algn="l">
+            <a:pPr marL="285750" indent="-196850" algn="just">
               <a:buFont typeface="Poppins" panose="00000500000000000000" pitchFamily="2" charset="0"/>
               <a:buChar char="∙"/>
             </a:pPr>
             <a:r>
-              <a:rPr lang="ru-RU" sz="1400" b="0" dirty="0">
+              <a:rPr lang="ru-RU" sz="1500" b="0" dirty="0">
                 <a:solidFill>
                   <a:schemeClr val="bg2">
                     <a:lumMod val="50000"/>
@@ -24157,8 +24482,8 @@
             </a:r>
           </a:p>
           <a:p>
-            <a:pPr algn="l"/>
-            <a:endParaRPr lang="ru-RU" sz="1400" b="0" dirty="0">
+            <a:pPr algn="just"/>
+            <a:endParaRPr lang="ru-RU" sz="1500" b="0" dirty="0">
               <a:solidFill>
                 <a:schemeClr val="bg2">
                   <a:lumMod val="50000"/>
@@ -24167,9 +24492,9 @@
             </a:endParaRPr>
           </a:p>
           <a:p>
-            <a:pPr algn="l"/>
-            <a:r>
-              <a:rPr lang="ru-RU" sz="1400" b="0" dirty="0">
+            <a:pPr algn="just"/>
+            <a:r>
+              <a:rPr lang="ru-RU" sz="1500" b="0" dirty="0">
                 <a:solidFill>
                   <a:schemeClr val="bg2">
                     <a:lumMod val="50000"/>
@@ -24179,7 +24504,7 @@
               <a:t>Кому можно продать проект</a:t>
             </a:r>
             <a:r>
-              <a:rPr lang="en-US" sz="1400" b="0" dirty="0">
+              <a:rPr lang="en-US" sz="1500" b="0" dirty="0">
                 <a:solidFill>
                   <a:schemeClr val="bg2">
                     <a:lumMod val="50000"/>
@@ -24190,12 +24515,12 @@
             </a:r>
           </a:p>
           <a:p>
-            <a:pPr marL="285750" indent="-196850" algn="l">
+            <a:pPr marL="285750" indent="-196850" algn="just">
               <a:buFont typeface="Poppins" panose="00000500000000000000" pitchFamily="2" charset="0"/>
               <a:buChar char="∙"/>
             </a:pPr>
             <a:r>
-              <a:rPr lang="ru-RU" sz="1400" b="0" dirty="0">
+              <a:rPr lang="ru-RU" sz="1500" b="0" dirty="0">
                 <a:solidFill>
                   <a:schemeClr val="bg2">
                     <a:lumMod val="50000"/>
@@ -24205,7 +24530,7 @@
               <a:t>Средний и крупный бизнес в сфере e-</a:t>
             </a:r>
             <a:r>
-              <a:rPr lang="ru-RU" sz="1400" b="0" dirty="0" err="1">
+              <a:rPr lang="ru-RU" sz="1500" b="0" dirty="0" err="1">
                 <a:solidFill>
                   <a:schemeClr val="bg2">
                     <a:lumMod val="50000"/>
@@ -24215,7 +24540,7 @@
               <a:t>commerce</a:t>
             </a:r>
             <a:r>
-              <a:rPr lang="en-US" sz="1400" b="0" dirty="0">
+              <a:rPr lang="en-US" sz="1500" b="0" dirty="0">
                 <a:solidFill>
                   <a:schemeClr val="bg2">
                     <a:lumMod val="50000"/>
@@ -24226,12 +24551,12 @@
             </a:r>
           </a:p>
           <a:p>
-            <a:pPr marL="285750" indent="-196850" algn="l">
+            <a:pPr marL="285750" indent="-196850" algn="just">
               <a:buFont typeface="Poppins" panose="00000500000000000000" pitchFamily="2" charset="0"/>
               <a:buChar char="∙"/>
             </a:pPr>
             <a:r>
-              <a:rPr lang="ru-RU" sz="1400" b="0" dirty="0">
+              <a:rPr lang="ru-RU" sz="1500" b="0" dirty="0">
                 <a:solidFill>
                   <a:schemeClr val="bg2">
                     <a:lumMod val="50000"/>
@@ -24241,7 +24566,7 @@
               <a:t>Образовательные и социальные учреждения</a:t>
             </a:r>
             <a:r>
-              <a:rPr lang="en-US" sz="1400" b="0" dirty="0">
+              <a:rPr lang="en-US" sz="1500" b="0" dirty="0">
                 <a:solidFill>
                   <a:schemeClr val="bg2">
                     <a:lumMod val="50000"/>
@@ -24252,12 +24577,12 @@
             </a:r>
           </a:p>
           <a:p>
-            <a:pPr marL="285750" indent="-196850" algn="l">
+            <a:pPr marL="285750" indent="-196850" algn="just">
               <a:buFont typeface="Poppins" panose="00000500000000000000" pitchFamily="2" charset="0"/>
               <a:buChar char="∙"/>
             </a:pPr>
             <a:r>
-              <a:rPr lang="ru-RU" sz="1400" b="0" dirty="0">
+              <a:rPr lang="ru-RU" sz="1500" b="0" dirty="0">
                 <a:solidFill>
                   <a:schemeClr val="bg2">
                     <a:lumMod val="50000"/>
@@ -24267,7 +24592,7 @@
               <a:t>Технологические компании</a:t>
             </a:r>
             <a:r>
-              <a:rPr lang="en-US" sz="1400" b="0" dirty="0">
+              <a:rPr lang="en-US" sz="1500" b="0" dirty="0">
                 <a:solidFill>
                   <a:schemeClr val="bg2">
                     <a:lumMod val="50000"/>
@@ -24279,6 +24604,114 @@
           </a:p>
         </p:txBody>
       </p:sp>
+      <p:pic>
+        <p:nvPicPr>
+          <p:cNvPr id="3" name="Рисунок 2" descr="Изображение выглядит как текст, Графика, логотип, Шрифт&#10;&#10;Автоматически созданное описание">
+            <a:extLst>
+              <a:ext uri="{FF2B5EF4-FFF2-40B4-BE49-F238E27FC236}">
+                <a16:creationId xmlns:a16="http://schemas.microsoft.com/office/drawing/2014/main" id="{4FFC21DF-EF8A-4370-B02A-6A71109517C5}"/>
+              </a:ext>
+            </a:extLst>
+          </p:cNvPr>
+          <p:cNvPicPr>
+            <a:picLocks noChangeAspect="1"/>
+          </p:cNvPicPr>
+          <p:nvPr/>
+        </p:nvPicPr>
+        <p:blipFill>
+          <a:blip r:embed="rId2">
+            <a:extLst>
+              <a:ext uri="{28A0092B-C50C-407E-A947-70E740481C1C}">
+                <a14:useLocalDpi xmlns:a14="http://schemas.microsoft.com/office/drawing/2010/main" val="0"/>
+              </a:ext>
+            </a:extLst>
+          </a:blip>
+          <a:stretch>
+            <a:fillRect/>
+          </a:stretch>
+        </p:blipFill>
+        <p:spPr>
+          <a:xfrm>
+            <a:off x="11232000" y="5947281"/>
+            <a:ext cx="831837" cy="763600"/>
+          </a:xfrm>
+          <a:prstGeom prst="rect">
+            <a:avLst/>
+          </a:prstGeom>
+        </p:spPr>
+      </p:pic>
+      <p:pic>
+        <p:nvPicPr>
+          <p:cNvPr id="4" name="Рисунок 3" descr="Изображение выглядит как текст, Шрифт, снимок экрана, Графика&#10;&#10;Автоматически созданное описание">
+            <a:extLst>
+              <a:ext uri="{FF2B5EF4-FFF2-40B4-BE49-F238E27FC236}">
+                <a16:creationId xmlns:a16="http://schemas.microsoft.com/office/drawing/2014/main" id="{40007E07-D3EB-16CD-AFDF-14FA8683BF93}"/>
+              </a:ext>
+            </a:extLst>
+          </p:cNvPr>
+          <p:cNvPicPr>
+            <a:picLocks noChangeAspect="1"/>
+          </p:cNvPicPr>
+          <p:nvPr/>
+        </p:nvPicPr>
+        <p:blipFill>
+          <a:blip r:embed="rId3">
+            <a:extLst>
+              <a:ext uri="{28A0092B-C50C-407E-A947-70E740481C1C}">
+                <a14:useLocalDpi xmlns:a14="http://schemas.microsoft.com/office/drawing/2010/main" val="0"/>
+              </a:ext>
+            </a:extLst>
+          </a:blip>
+          <a:stretch>
+            <a:fillRect/>
+          </a:stretch>
+        </p:blipFill>
+        <p:spPr>
+          <a:xfrm>
+            <a:off x="9784125" y="6029387"/>
+            <a:ext cx="1377264" cy="599387"/>
+          </a:xfrm>
+          <a:prstGeom prst="rect">
+            <a:avLst/>
+          </a:prstGeom>
+        </p:spPr>
+      </p:pic>
+      <p:pic>
+        <p:nvPicPr>
+          <p:cNvPr id="6" name="Рисунок 5" descr="Изображение выглядит как фиолетовый, снимок экрана, Фиолетовый, Красочность&#10;&#10;Автоматически созданное описание">
+            <a:extLst>
+              <a:ext uri="{FF2B5EF4-FFF2-40B4-BE49-F238E27FC236}">
+                <a16:creationId xmlns:a16="http://schemas.microsoft.com/office/drawing/2014/main" id="{0CF33235-721C-4697-BB8F-48EEC5266BA9}"/>
+              </a:ext>
+            </a:extLst>
+          </p:cNvPr>
+          <p:cNvPicPr>
+            <a:picLocks noChangeAspect="1"/>
+          </p:cNvPicPr>
+          <p:nvPr/>
+        </p:nvPicPr>
+        <p:blipFill>
+          <a:blip r:embed="rId4">
+            <a:extLst>
+              <a:ext uri="{28A0092B-C50C-407E-A947-70E740481C1C}">
+                <a14:useLocalDpi xmlns:a14="http://schemas.microsoft.com/office/drawing/2010/main" val="0"/>
+              </a:ext>
+            </a:extLst>
+          </a:blip>
+          <a:stretch>
+            <a:fillRect/>
+          </a:stretch>
+        </p:blipFill>
+        <p:spPr>
+          <a:xfrm>
+            <a:off x="8275886" y="6132757"/>
+            <a:ext cx="1472934" cy="387224"/>
+          </a:xfrm>
+          <a:prstGeom prst="rect">
+            <a:avLst/>
+          </a:prstGeom>
+        </p:spPr>
+      </p:pic>
     </p:spTree>
     <p:extLst>
       <p:ext uri="{BB962C8B-B14F-4D97-AF65-F5344CB8AC3E}">
@@ -24617,9 +25050,9 @@
             </a:lvl9pPr>
           </a:lstStyle>
           <a:p>
-            <a:pPr indent="541338" algn="l"/>
-            <a:r>
-              <a:rPr lang="ru-RU" sz="1400" b="0" dirty="0">
+            <a:pPr indent="541338" algn="just"/>
+            <a:r>
+              <a:rPr lang="ru-RU" sz="1600" b="0" dirty="0">
                 <a:solidFill>
                   <a:schemeClr val="bg2">
                     <a:lumMod val="50000"/>
@@ -24629,7 +25062,7 @@
               <a:t>По итогу работы проект показал высокий потенциал применения прогрессивных веб-технологий в различных сферах, подтвердив их эффективность для создания легковесных и производительных приложений. Технологии PWA, </a:t>
             </a:r>
             <a:r>
-              <a:rPr lang="ru-RU" sz="1400" b="0" dirty="0" err="1">
+              <a:rPr lang="ru-RU" sz="1600" b="0" dirty="0" err="1">
                 <a:solidFill>
                   <a:schemeClr val="bg2">
                     <a:lumMod val="50000"/>
@@ -24639,7 +25072,7 @@
               <a:t>WebAssembly</a:t>
             </a:r>
             <a:r>
-              <a:rPr lang="ru-RU" sz="1400" b="0" dirty="0">
+              <a:rPr lang="ru-RU" sz="1600" b="0" dirty="0">
                 <a:solidFill>
                   <a:schemeClr val="bg2">
                     <a:lumMod val="50000"/>
@@ -24649,7 +25082,7 @@
               <a:t> и </a:t>
             </a:r>
             <a:r>
-              <a:rPr lang="ru-RU" sz="1400" b="0" dirty="0" err="1">
+              <a:rPr lang="ru-RU" sz="1600" b="0" dirty="0" err="1">
                 <a:solidFill>
                   <a:schemeClr val="bg2">
                     <a:lumMod val="50000"/>
@@ -24659,7 +25092,7 @@
               <a:t>WebRTC</a:t>
             </a:r>
             <a:r>
-              <a:rPr lang="ru-RU" sz="1400" b="0" dirty="0">
+              <a:rPr lang="ru-RU" sz="1600" b="0" dirty="0">
                 <a:solidFill>
                   <a:schemeClr val="bg2">
                     <a:lumMod val="50000"/>
@@ -24667,6 +25100,742 @@
                 </a:solidFill>
               </a:rPr>
               <a:t> доказали свою способность обеспечить стабильность и гибкость, которые важны для современного бизнеса и пользователей.</a:t>
+            </a:r>
+          </a:p>
+          <a:p>
+            <a:pPr algn="just"/>
+            <a:endParaRPr lang="ru-RU" sz="1600" b="0" dirty="0">
+              <a:solidFill>
+                <a:schemeClr val="bg2">
+                  <a:lumMod val="50000"/>
+                </a:schemeClr>
+              </a:solidFill>
+            </a:endParaRPr>
+          </a:p>
+          <a:p>
+            <a:pPr algn="just"/>
+            <a:r>
+              <a:rPr lang="ru-RU" sz="1600" b="0" dirty="0">
+                <a:solidFill>
+                  <a:schemeClr val="bg2">
+                    <a:lumMod val="50000"/>
+                  </a:schemeClr>
+                </a:solidFill>
+              </a:rPr>
+              <a:t>Планы на дальнейшее развитие:</a:t>
+            </a:r>
+          </a:p>
+          <a:p>
+            <a:pPr marL="285750" indent="-196850" algn="just">
+              <a:buFont typeface="Poppins" panose="00000500000000000000" pitchFamily="2" charset="0"/>
+              <a:buChar char="∙"/>
+            </a:pPr>
+            <a:r>
+              <a:rPr lang="ru-RU" sz="1600" b="0" dirty="0">
+                <a:solidFill>
+                  <a:schemeClr val="bg2">
+                    <a:lumMod val="50000"/>
+                  </a:schemeClr>
+                </a:solidFill>
+              </a:rPr>
+              <a:t>Расширение функций и интеграция с AI-технологиями для адаптации и персонализации контента</a:t>
+            </a:r>
+            <a:r>
+              <a:rPr lang="en-US" sz="1600" b="0" dirty="0">
+                <a:solidFill>
+                  <a:schemeClr val="bg2">
+                    <a:lumMod val="50000"/>
+                  </a:schemeClr>
+                </a:solidFill>
+              </a:rPr>
+              <a:t>;</a:t>
+            </a:r>
+          </a:p>
+          <a:p>
+            <a:pPr marL="285750" indent="-196850" algn="just">
+              <a:buFont typeface="Poppins" panose="00000500000000000000" pitchFamily="2" charset="0"/>
+              <a:buChar char="∙"/>
+            </a:pPr>
+            <a:r>
+              <a:rPr lang="ru-RU" sz="1600" b="0" dirty="0">
+                <a:solidFill>
+                  <a:schemeClr val="bg2">
+                    <a:lumMod val="50000"/>
+                  </a:schemeClr>
+                </a:solidFill>
+              </a:rPr>
+              <a:t>Повышение уровня безопасности за счет использования биометрической аутентификации и расширенного шифрования данных.</a:t>
+            </a:r>
+            <a:endParaRPr lang="en-US" sz="1600" b="0" dirty="0">
+              <a:solidFill>
+                <a:schemeClr val="bg2">
+                  <a:lumMod val="50000"/>
+                </a:schemeClr>
+              </a:solidFill>
+            </a:endParaRPr>
+          </a:p>
+          <a:p>
+            <a:pPr algn="just"/>
+            <a:endParaRPr lang="en-US" sz="1600" b="0" dirty="0">
+              <a:solidFill>
+                <a:schemeClr val="bg2">
+                  <a:lumMod val="50000"/>
+                </a:schemeClr>
+              </a:solidFill>
+            </a:endParaRPr>
+          </a:p>
+          <a:p>
+            <a:pPr algn="just"/>
+            <a:r>
+              <a:rPr lang="ru-RU" sz="1600" b="0" dirty="0">
+                <a:solidFill>
+                  <a:schemeClr val="bg2">
+                    <a:lumMod val="50000"/>
+                  </a:schemeClr>
+                </a:solidFill>
+              </a:rPr>
+              <a:t>Личный вклад и развитие навыков:</a:t>
+            </a:r>
+            <a:endParaRPr lang="en-US" sz="1600" b="0" dirty="0">
+              <a:solidFill>
+                <a:schemeClr val="bg2">
+                  <a:lumMod val="50000"/>
+                </a:schemeClr>
+              </a:solidFill>
+            </a:endParaRPr>
+          </a:p>
+          <a:p>
+            <a:pPr marL="285750" indent="-196850" algn="just">
+              <a:buFont typeface="Poppins" panose="00000500000000000000" pitchFamily="2" charset="0"/>
+              <a:buChar char="∙"/>
+            </a:pPr>
+            <a:r>
+              <a:rPr lang="ru-RU" sz="1600" b="0" dirty="0">
+                <a:solidFill>
+                  <a:schemeClr val="bg2">
+                    <a:lumMod val="50000"/>
+                  </a:schemeClr>
+                </a:solidFill>
+              </a:rPr>
+              <a:t>Работа над проектом позволила усовершенствовать навыки работы с современными веб-технологиями и улучшить опыт в построении архитектуры высокопроизводительных приложений</a:t>
+            </a:r>
+            <a:r>
+              <a:rPr lang="en-US" sz="1600" b="0" dirty="0">
+                <a:solidFill>
+                  <a:schemeClr val="bg2">
+                    <a:lumMod val="50000"/>
+                  </a:schemeClr>
+                </a:solidFill>
+              </a:rPr>
+              <a:t>;</a:t>
+            </a:r>
+          </a:p>
+          <a:p>
+            <a:pPr marL="285750" indent="-196850" algn="just">
+              <a:buFont typeface="Poppins" panose="00000500000000000000" pitchFamily="2" charset="0"/>
+              <a:buChar char="∙"/>
+            </a:pPr>
+            <a:r>
+              <a:rPr lang="ru-RU" sz="1600" b="0" dirty="0">
+                <a:solidFill>
+                  <a:schemeClr val="bg2">
+                    <a:lumMod val="50000"/>
+                  </a:schemeClr>
+                </a:solidFill>
+              </a:rPr>
+              <a:t>Получен ценный опыт взаимодействия с</a:t>
+            </a:r>
+            <a:r>
+              <a:rPr lang="en-US" sz="1600" b="0" dirty="0">
+                <a:solidFill>
+                  <a:schemeClr val="bg2">
+                    <a:lumMod val="50000"/>
+                  </a:schemeClr>
+                </a:solidFill>
+              </a:rPr>
+              <a:t> </a:t>
+            </a:r>
+            <a:r>
+              <a:rPr lang="ru-RU" sz="1600" b="0" dirty="0">
+                <a:solidFill>
+                  <a:schemeClr val="bg2">
+                    <a:lumMod val="50000"/>
+                  </a:schemeClr>
+                </a:solidFill>
+              </a:rPr>
+              <a:t>процессами разработки.</a:t>
+            </a:r>
+            <a:endParaRPr lang="en-US" sz="1600" b="0" dirty="0">
+              <a:solidFill>
+                <a:schemeClr val="bg2">
+                  <a:lumMod val="50000"/>
+                </a:schemeClr>
+              </a:solidFill>
+            </a:endParaRPr>
+          </a:p>
+          <a:p>
+            <a:pPr algn="just"/>
+            <a:endParaRPr lang="en-US" sz="1600" b="0" dirty="0">
+              <a:solidFill>
+                <a:schemeClr val="bg2">
+                  <a:lumMod val="50000"/>
+                </a:schemeClr>
+              </a:solidFill>
+            </a:endParaRPr>
+          </a:p>
+          <a:p>
+            <a:pPr algn="just"/>
+            <a:r>
+              <a:rPr lang="ru-RU" sz="1600" b="0" dirty="0">
+                <a:solidFill>
+                  <a:schemeClr val="bg2">
+                    <a:lumMod val="50000"/>
+                  </a:schemeClr>
+                </a:solidFill>
+              </a:rPr>
+              <a:t>Дополнительные возможности области расширения</a:t>
+            </a:r>
+            <a:r>
+              <a:rPr lang="en-US" sz="1600" b="0" dirty="0">
+                <a:solidFill>
+                  <a:schemeClr val="bg2">
+                    <a:lumMod val="50000"/>
+                  </a:schemeClr>
+                </a:solidFill>
+              </a:rPr>
+              <a:t>:</a:t>
+            </a:r>
+          </a:p>
+          <a:p>
+            <a:pPr marL="285750" indent="-196850" algn="just">
+              <a:buFont typeface="Poppins" panose="00000500000000000000" pitchFamily="2" charset="0"/>
+              <a:buChar char="∙"/>
+            </a:pPr>
+            <a:r>
+              <a:rPr lang="ru-RU" sz="1600" b="0" dirty="0">
+                <a:solidFill>
+                  <a:schemeClr val="bg2">
+                    <a:lumMod val="50000"/>
+                  </a:schemeClr>
+                </a:solidFill>
+              </a:rPr>
+              <a:t>Интеграция с облачными сервисами для дополнительного хранилища данных и улучшения масштабируемости</a:t>
+            </a:r>
+            <a:r>
+              <a:rPr lang="en-US" sz="1600" b="0" dirty="0">
+                <a:solidFill>
+                  <a:schemeClr val="bg2">
+                    <a:lumMod val="50000"/>
+                  </a:schemeClr>
+                </a:solidFill>
+              </a:rPr>
+              <a:t>;</a:t>
+            </a:r>
+          </a:p>
+          <a:p>
+            <a:pPr marL="285750" indent="-196850" algn="just">
+              <a:buFont typeface="Poppins" panose="00000500000000000000" pitchFamily="2" charset="0"/>
+              <a:buChar char="∙"/>
+            </a:pPr>
+            <a:r>
+              <a:rPr lang="ru-RU" sz="1600" b="0" dirty="0">
+                <a:solidFill>
+                  <a:schemeClr val="bg2">
+                    <a:lumMod val="50000"/>
+                  </a:schemeClr>
+                </a:solidFill>
+              </a:rPr>
+              <a:t>Внедрение функции аналитики для отслеживания активности пользователей и улучшения пользовательского опыта.</a:t>
+            </a:r>
+            <a:endParaRPr lang="en-US" sz="1600" b="0" dirty="0">
+              <a:solidFill>
+                <a:schemeClr val="bg2">
+                  <a:lumMod val="50000"/>
+                </a:schemeClr>
+              </a:solidFill>
+            </a:endParaRPr>
+          </a:p>
+          <a:p>
+            <a:pPr algn="just"/>
+            <a:endParaRPr lang="en-US" sz="1600" b="0" dirty="0">
+              <a:solidFill>
+                <a:schemeClr val="bg2">
+                  <a:lumMod val="50000"/>
+                </a:schemeClr>
+              </a:solidFill>
+            </a:endParaRPr>
+          </a:p>
+        </p:txBody>
+      </p:sp>
+      <p:pic>
+        <p:nvPicPr>
+          <p:cNvPr id="3" name="Рисунок 2" descr="Изображение выглядит как текст, Графика, логотип, Шрифт&#10;&#10;Автоматически созданное описание">
+            <a:extLst>
+              <a:ext uri="{FF2B5EF4-FFF2-40B4-BE49-F238E27FC236}">
+                <a16:creationId xmlns:a16="http://schemas.microsoft.com/office/drawing/2014/main" id="{CE10A63A-341E-E86E-D61D-CD4392098969}"/>
+              </a:ext>
+            </a:extLst>
+          </p:cNvPr>
+          <p:cNvPicPr>
+            <a:picLocks noChangeAspect="1"/>
+          </p:cNvPicPr>
+          <p:nvPr/>
+        </p:nvPicPr>
+        <p:blipFill>
+          <a:blip r:embed="rId2">
+            <a:extLst>
+              <a:ext uri="{28A0092B-C50C-407E-A947-70E740481C1C}">
+                <a14:useLocalDpi xmlns:a14="http://schemas.microsoft.com/office/drawing/2010/main" val="0"/>
+              </a:ext>
+            </a:extLst>
+          </a:blip>
+          <a:stretch>
+            <a:fillRect/>
+          </a:stretch>
+        </p:blipFill>
+        <p:spPr>
+          <a:xfrm>
+            <a:off x="11407847" y="6146079"/>
+            <a:ext cx="672784" cy="617595"/>
+          </a:xfrm>
+          <a:prstGeom prst="rect">
+            <a:avLst/>
+          </a:prstGeom>
+        </p:spPr>
+      </p:pic>
+      <p:pic>
+        <p:nvPicPr>
+          <p:cNvPr id="4" name="Рисунок 3" descr="Изображение выглядит как текст, Шрифт, снимок экрана, Графика&#10;&#10;Автоматически созданное описание">
+            <a:extLst>
+              <a:ext uri="{FF2B5EF4-FFF2-40B4-BE49-F238E27FC236}">
+                <a16:creationId xmlns:a16="http://schemas.microsoft.com/office/drawing/2014/main" id="{C21F72D4-ED0D-DBEA-5528-57C04E8C657D}"/>
+              </a:ext>
+            </a:extLst>
+          </p:cNvPr>
+          <p:cNvPicPr>
+            <a:picLocks noChangeAspect="1"/>
+          </p:cNvPicPr>
+          <p:nvPr/>
+        </p:nvPicPr>
+        <p:blipFill>
+          <a:blip r:embed="rId3">
+            <a:extLst>
+              <a:ext uri="{28A0092B-C50C-407E-A947-70E740481C1C}">
+                <a14:useLocalDpi xmlns:a14="http://schemas.microsoft.com/office/drawing/2010/main" val="0"/>
+              </a:ext>
+            </a:extLst>
+          </a:blip>
+          <a:stretch>
+            <a:fillRect/>
+          </a:stretch>
+        </p:blipFill>
+        <p:spPr>
+          <a:xfrm>
+            <a:off x="10118077" y="6212485"/>
+            <a:ext cx="1113923" cy="484781"/>
+          </a:xfrm>
+          <a:prstGeom prst="rect">
+            <a:avLst/>
+          </a:prstGeom>
+        </p:spPr>
+      </p:pic>
+      <p:pic>
+        <p:nvPicPr>
+          <p:cNvPr id="6" name="Рисунок 5" descr="Изображение выглядит как фиолетовый, снимок экрана, Фиолетовый, Красочность&#10;&#10;Автоматически созданное описание">
+            <a:extLst>
+              <a:ext uri="{FF2B5EF4-FFF2-40B4-BE49-F238E27FC236}">
+                <a16:creationId xmlns:a16="http://schemas.microsoft.com/office/drawing/2014/main" id="{42753F09-F720-4092-EBCB-B4EE497AAEBB}"/>
+              </a:ext>
+            </a:extLst>
+          </p:cNvPr>
+          <p:cNvPicPr>
+            <a:picLocks noChangeAspect="1"/>
+          </p:cNvPicPr>
+          <p:nvPr/>
+        </p:nvPicPr>
+        <p:blipFill>
+          <a:blip r:embed="rId4">
+            <a:extLst>
+              <a:ext uri="{28A0092B-C50C-407E-A947-70E740481C1C}">
+                <a14:useLocalDpi xmlns:a14="http://schemas.microsoft.com/office/drawing/2010/main" val="0"/>
+              </a:ext>
+            </a:extLst>
+          </a:blip>
+          <a:stretch>
+            <a:fillRect/>
+          </a:stretch>
+        </p:blipFill>
+        <p:spPr>
+          <a:xfrm>
+            <a:off x="8750928" y="6298282"/>
+            <a:ext cx="1191302" cy="313185"/>
+          </a:xfrm>
+          <a:prstGeom prst="rect">
+            <a:avLst/>
+          </a:prstGeom>
+        </p:spPr>
+      </p:pic>
+    </p:spTree>
+    <p:extLst>
+      <p:ext uri="{BB962C8B-B14F-4D97-AF65-F5344CB8AC3E}">
+        <p14:creationId xmlns:p14="http://schemas.microsoft.com/office/powerpoint/2010/main" val="1151269742"/>
+      </p:ext>
+    </p:extLst>
+  </p:cSld>
+  <p:clrMapOvr>
+    <a:masterClrMapping/>
+  </p:clrMapOvr>
+</p:sld>
+</file>
+
+<file path=ppt/slides/slide14.xml><?xml version="1.0" encoding="utf-8"?>
+<p:sld xmlns:a="http://schemas.openxmlformats.org/drawingml/2006/main" xmlns:r="http://schemas.openxmlformats.org/officeDocument/2006/relationships" xmlns:p="http://schemas.openxmlformats.org/presentationml/2006/main">
+  <p:cSld>
+    <p:spTree>
+      <p:nvGrpSpPr>
+        <p:cNvPr id="1" name=""/>
+        <p:cNvGrpSpPr/>
+        <p:nvPr/>
+      </p:nvGrpSpPr>
+      <p:grpSpPr>
+        <a:xfrm>
+          <a:off x="0" y="0"/>
+          <a:ext cx="0" cy="0"/>
+          <a:chOff x="0" y="0"/>
+          <a:chExt cx="0" cy="0"/>
+        </a:xfrm>
+      </p:grpSpPr>
+      <p:sp>
+        <p:nvSpPr>
+          <p:cNvPr id="2" name="Заголовок 1">
+            <a:extLst>
+              <a:ext uri="{FF2B5EF4-FFF2-40B4-BE49-F238E27FC236}">
+                <a16:creationId xmlns:a16="http://schemas.microsoft.com/office/drawing/2014/main" id="{5609757C-64E6-2644-C31F-3E7D328E8474}"/>
+              </a:ext>
+            </a:extLst>
+          </p:cNvPr>
+          <p:cNvSpPr>
+            <a:spLocks noGrp="1"/>
+          </p:cNvSpPr>
+          <p:nvPr>
+            <p:ph type="title"/>
+          </p:nvPr>
+        </p:nvSpPr>
+        <p:spPr/>
+        <p:txBody>
+          <a:bodyPr/>
+          <a:lstStyle/>
+          <a:p>
+            <a:pPr algn="l"/>
+            <a:r>
+              <a:rPr lang="ru-RU" sz="4000" dirty="0"/>
+              <a:t>Заключение</a:t>
+            </a:r>
+          </a:p>
+        </p:txBody>
+      </p:sp>
+      <p:sp>
+        <p:nvSpPr>
+          <p:cNvPr id="5" name="Заголовок 1">
+            <a:extLst>
+              <a:ext uri="{FF2B5EF4-FFF2-40B4-BE49-F238E27FC236}">
+                <a16:creationId xmlns:a16="http://schemas.microsoft.com/office/drawing/2014/main" id="{7552CD65-83C8-FA12-52ED-10E60C4FA99E}"/>
+              </a:ext>
+            </a:extLst>
+          </p:cNvPr>
+          <p:cNvSpPr txBox="1">
+            <a:spLocks/>
+          </p:cNvSpPr>
+          <p:nvPr/>
+        </p:nvSpPr>
+        <p:spPr>
+          <a:xfrm>
+            <a:off x="960000" y="1482932"/>
+            <a:ext cx="10272000" cy="4846149"/>
+          </a:xfrm>
+          <a:prstGeom prst="rect">
+            <a:avLst/>
+          </a:prstGeom>
+          <a:noFill/>
+          <a:ln>
+            <a:noFill/>
+          </a:ln>
+        </p:spPr>
+        <p:txBody>
+          <a:bodyPr spcFirstLastPara="1" wrap="square" lIns="91425" tIns="91425" rIns="91425" bIns="91425" anchor="t" anchorCtr="0">
+            <a:noAutofit/>
+          </a:bodyPr>
+          <a:lstStyle>
+            <a:defPPr marR="0" lvl="0" algn="l" rtl="0">
+              <a:lnSpc>
+                <a:spcPct val="100000"/>
+              </a:lnSpc>
+              <a:spcBef>
+                <a:spcPts val="0"/>
+              </a:spcBef>
+              <a:spcAft>
+                <a:spcPts val="0"/>
+              </a:spcAft>
+            </a:defPPr>
+            <a:lvl1pPr marR="0" lvl="0" algn="ctr" rtl="0" eaLnBrk="1" hangingPunct="1">
+              <a:lnSpc>
+                <a:spcPct val="100000"/>
+              </a:lnSpc>
+              <a:spcBef>
+                <a:spcPts val="0"/>
+              </a:spcBef>
+              <a:spcAft>
+                <a:spcPts val="0"/>
+              </a:spcAft>
+              <a:buClr>
+                <a:schemeClr val="dk1"/>
+              </a:buClr>
+              <a:buSzPts val="3000"/>
+              <a:buFont typeface="Poppins"/>
+              <a:buNone/>
+              <a:defRPr sz="3000" b="1" i="0" u="none" strike="noStrike" cap="none">
+                <a:solidFill>
+                  <a:schemeClr val="dk1"/>
+                </a:solidFill>
+                <a:latin typeface="Poppins"/>
+                <a:ea typeface="Poppins"/>
+                <a:cs typeface="Poppins"/>
+                <a:sym typeface="Poppins"/>
+              </a:defRPr>
+            </a:lvl1pPr>
+            <a:lvl2pPr marR="0" lvl="1" algn="l" rtl="0" eaLnBrk="1" hangingPunct="1">
+              <a:lnSpc>
+                <a:spcPct val="100000"/>
+              </a:lnSpc>
+              <a:spcBef>
+                <a:spcPts val="0"/>
+              </a:spcBef>
+              <a:spcAft>
+                <a:spcPts val="0"/>
+              </a:spcAft>
+              <a:buClr>
+                <a:schemeClr val="dk1"/>
+              </a:buClr>
+              <a:buSzPts val="3000"/>
+              <a:buFont typeface="Poppins"/>
+              <a:buNone/>
+              <a:defRPr sz="3000" b="1" i="0" u="none" strike="noStrike" cap="none">
+                <a:solidFill>
+                  <a:schemeClr val="dk1"/>
+                </a:solidFill>
+                <a:latin typeface="Poppins"/>
+                <a:ea typeface="Poppins"/>
+                <a:cs typeface="Poppins"/>
+                <a:sym typeface="Poppins"/>
+              </a:defRPr>
+            </a:lvl2pPr>
+            <a:lvl3pPr marR="0" lvl="2" algn="l" rtl="0" eaLnBrk="1" hangingPunct="1">
+              <a:lnSpc>
+                <a:spcPct val="100000"/>
+              </a:lnSpc>
+              <a:spcBef>
+                <a:spcPts val="0"/>
+              </a:spcBef>
+              <a:spcAft>
+                <a:spcPts val="0"/>
+              </a:spcAft>
+              <a:buClr>
+                <a:schemeClr val="dk1"/>
+              </a:buClr>
+              <a:buSzPts val="3000"/>
+              <a:buFont typeface="Poppins"/>
+              <a:buNone/>
+              <a:defRPr sz="3000" b="1" i="0" u="none" strike="noStrike" cap="none">
+                <a:solidFill>
+                  <a:schemeClr val="dk1"/>
+                </a:solidFill>
+                <a:latin typeface="Poppins"/>
+                <a:ea typeface="Poppins"/>
+                <a:cs typeface="Poppins"/>
+                <a:sym typeface="Poppins"/>
+              </a:defRPr>
+            </a:lvl3pPr>
+            <a:lvl4pPr marR="0" lvl="3" algn="l" rtl="0" eaLnBrk="1" hangingPunct="1">
+              <a:lnSpc>
+                <a:spcPct val="100000"/>
+              </a:lnSpc>
+              <a:spcBef>
+                <a:spcPts val="0"/>
+              </a:spcBef>
+              <a:spcAft>
+                <a:spcPts val="0"/>
+              </a:spcAft>
+              <a:buClr>
+                <a:schemeClr val="dk1"/>
+              </a:buClr>
+              <a:buSzPts val="3000"/>
+              <a:buFont typeface="Poppins"/>
+              <a:buNone/>
+              <a:defRPr sz="3000" b="1" i="0" u="none" strike="noStrike" cap="none">
+                <a:solidFill>
+                  <a:schemeClr val="dk1"/>
+                </a:solidFill>
+                <a:latin typeface="Poppins"/>
+                <a:ea typeface="Poppins"/>
+                <a:cs typeface="Poppins"/>
+                <a:sym typeface="Poppins"/>
+              </a:defRPr>
+            </a:lvl4pPr>
+            <a:lvl5pPr marR="0" lvl="4" algn="l" rtl="0" eaLnBrk="1" hangingPunct="1">
+              <a:lnSpc>
+                <a:spcPct val="100000"/>
+              </a:lnSpc>
+              <a:spcBef>
+                <a:spcPts val="0"/>
+              </a:spcBef>
+              <a:spcAft>
+                <a:spcPts val="0"/>
+              </a:spcAft>
+              <a:buClr>
+                <a:schemeClr val="dk1"/>
+              </a:buClr>
+              <a:buSzPts val="3000"/>
+              <a:buFont typeface="Poppins"/>
+              <a:buNone/>
+              <a:defRPr sz="3000" b="1" i="0" u="none" strike="noStrike" cap="none">
+                <a:solidFill>
+                  <a:schemeClr val="dk1"/>
+                </a:solidFill>
+                <a:latin typeface="Poppins"/>
+                <a:ea typeface="Poppins"/>
+                <a:cs typeface="Poppins"/>
+                <a:sym typeface="Poppins"/>
+              </a:defRPr>
+            </a:lvl5pPr>
+            <a:lvl6pPr marR="0" lvl="5" algn="l" rtl="0" eaLnBrk="1" hangingPunct="1">
+              <a:lnSpc>
+                <a:spcPct val="100000"/>
+              </a:lnSpc>
+              <a:spcBef>
+                <a:spcPts val="0"/>
+              </a:spcBef>
+              <a:spcAft>
+                <a:spcPts val="0"/>
+              </a:spcAft>
+              <a:buClr>
+                <a:schemeClr val="dk1"/>
+              </a:buClr>
+              <a:buSzPts val="3000"/>
+              <a:buFont typeface="Poppins"/>
+              <a:buNone/>
+              <a:defRPr sz="3000" b="1" i="0" u="none" strike="noStrike" cap="none">
+                <a:solidFill>
+                  <a:schemeClr val="dk1"/>
+                </a:solidFill>
+                <a:latin typeface="Poppins"/>
+                <a:ea typeface="Poppins"/>
+                <a:cs typeface="Poppins"/>
+                <a:sym typeface="Poppins"/>
+              </a:defRPr>
+            </a:lvl6pPr>
+            <a:lvl7pPr marR="0" lvl="6" algn="l" rtl="0" eaLnBrk="1" hangingPunct="1">
+              <a:lnSpc>
+                <a:spcPct val="100000"/>
+              </a:lnSpc>
+              <a:spcBef>
+                <a:spcPts val="0"/>
+              </a:spcBef>
+              <a:spcAft>
+                <a:spcPts val="0"/>
+              </a:spcAft>
+              <a:buClr>
+                <a:schemeClr val="dk1"/>
+              </a:buClr>
+              <a:buSzPts val="3000"/>
+              <a:buFont typeface="Poppins"/>
+              <a:buNone/>
+              <a:defRPr sz="3000" b="1" i="0" u="none" strike="noStrike" cap="none">
+                <a:solidFill>
+                  <a:schemeClr val="dk1"/>
+                </a:solidFill>
+                <a:latin typeface="Poppins"/>
+                <a:ea typeface="Poppins"/>
+                <a:cs typeface="Poppins"/>
+                <a:sym typeface="Poppins"/>
+              </a:defRPr>
+            </a:lvl7pPr>
+            <a:lvl8pPr marR="0" lvl="7" algn="l" rtl="0" eaLnBrk="1" hangingPunct="1">
+              <a:lnSpc>
+                <a:spcPct val="100000"/>
+              </a:lnSpc>
+              <a:spcBef>
+                <a:spcPts val="0"/>
+              </a:spcBef>
+              <a:spcAft>
+                <a:spcPts val="0"/>
+              </a:spcAft>
+              <a:buClr>
+                <a:schemeClr val="dk1"/>
+              </a:buClr>
+              <a:buSzPts val="3000"/>
+              <a:buFont typeface="Poppins"/>
+              <a:buNone/>
+              <a:defRPr sz="3000" b="1" i="0" u="none" strike="noStrike" cap="none">
+                <a:solidFill>
+                  <a:schemeClr val="dk1"/>
+                </a:solidFill>
+                <a:latin typeface="Poppins"/>
+                <a:ea typeface="Poppins"/>
+                <a:cs typeface="Poppins"/>
+                <a:sym typeface="Poppins"/>
+              </a:defRPr>
+            </a:lvl8pPr>
+            <a:lvl9pPr marR="0" lvl="8" algn="l" rtl="0" eaLnBrk="1" hangingPunct="1">
+              <a:lnSpc>
+                <a:spcPct val="100000"/>
+              </a:lnSpc>
+              <a:spcBef>
+                <a:spcPts val="0"/>
+              </a:spcBef>
+              <a:spcAft>
+                <a:spcPts val="0"/>
+              </a:spcAft>
+              <a:buClr>
+                <a:schemeClr val="dk1"/>
+              </a:buClr>
+              <a:buSzPts val="3000"/>
+              <a:buFont typeface="Poppins"/>
+              <a:buNone/>
+              <a:defRPr sz="3000" b="1" i="0" u="none" strike="noStrike" cap="none">
+                <a:solidFill>
+                  <a:schemeClr val="dk1"/>
+                </a:solidFill>
+                <a:latin typeface="Poppins"/>
+                <a:ea typeface="Poppins"/>
+                <a:cs typeface="Poppins"/>
+                <a:sym typeface="Poppins"/>
+              </a:defRPr>
+            </a:lvl9pPr>
+          </a:lstStyle>
+          <a:p>
+            <a:pPr algn="l"/>
+            <a:r>
+              <a:rPr lang="ru-RU" sz="1800" b="0" dirty="0">
+                <a:solidFill>
+                  <a:schemeClr val="bg2">
+                    <a:lumMod val="50000"/>
+                  </a:schemeClr>
+                </a:solidFill>
+              </a:rPr>
+              <a:t>Презентация спроектирована\разработана студентом </a:t>
+            </a:r>
+          </a:p>
+          <a:p>
+            <a:pPr algn="l"/>
+            <a:r>
+              <a:rPr lang="ru-RU" sz="1800" b="0" dirty="0">
+                <a:solidFill>
+                  <a:schemeClr val="bg2">
+                    <a:lumMod val="50000"/>
+                  </a:schemeClr>
+                </a:solidFill>
+              </a:rPr>
+              <a:t>1 курса, Бакалавр, Ларионовым Михаил Юрьевичем.</a:t>
             </a:r>
           </a:p>
           <a:p>
@@ -24681,59 +25850,7 @@
           </a:p>
           <a:p>
             <a:pPr algn="l"/>
-            <a:r>
-              <a:rPr lang="ru-RU" sz="1400" b="0" dirty="0">
-                <a:solidFill>
-                  <a:schemeClr val="bg2">
-                    <a:lumMod val="50000"/>
-                  </a:schemeClr>
-                </a:solidFill>
-              </a:rPr>
-              <a:t>Планы на дальнейшее развитие:</a:t>
-            </a:r>
-          </a:p>
-          <a:p>
-            <a:pPr marL="285750" indent="-196850" algn="l">
-              <a:buFont typeface="Poppins" panose="00000500000000000000" pitchFamily="2" charset="0"/>
-              <a:buChar char="∙"/>
-            </a:pPr>
-            <a:r>
-              <a:rPr lang="ru-RU" sz="1400" b="0" dirty="0">
-                <a:solidFill>
-                  <a:schemeClr val="bg2">
-                    <a:lumMod val="50000"/>
-                  </a:schemeClr>
-                </a:solidFill>
-              </a:rPr>
-              <a:t>Расширение функций и интеграция с AI-технологиями для адаптации и персонализации контента</a:t>
-            </a:r>
-            <a:r>
-              <a:rPr lang="en-US" sz="1400" b="0" dirty="0">
-                <a:solidFill>
-                  <a:schemeClr val="bg2">
-                    <a:lumMod val="50000"/>
-                  </a:schemeClr>
-                </a:solidFill>
-              </a:rPr>
-              <a:t>;</a:t>
-            </a:r>
-          </a:p>
-          <a:p>
-            <a:pPr marL="285750" indent="-196850" algn="l">
-              <a:buFont typeface="Poppins" panose="00000500000000000000" pitchFamily="2" charset="0"/>
-              <a:buChar char="∙"/>
-            </a:pPr>
-            <a:r>
-              <a:rPr lang="ru-RU" sz="1400" b="0" dirty="0">
-                <a:solidFill>
-                  <a:schemeClr val="bg2">
-                    <a:lumMod val="50000"/>
-                  </a:schemeClr>
-                </a:solidFill>
-              </a:rPr>
-              <a:t>Повышение уровня безопасности за счет использования биометрической аутентификации и расширенного шифрования данных.</a:t>
-            </a:r>
-            <a:endParaRPr lang="en-US" sz="1400" b="0" dirty="0">
+            <a:endParaRPr lang="ru-RU" sz="1400" b="0" dirty="0">
               <a:solidFill>
                 <a:schemeClr val="bg2">
                   <a:lumMod val="50000"/>
@@ -24743,7 +25860,7 @@
           </a:p>
           <a:p>
             <a:pPr algn="l"/>
-            <a:endParaRPr lang="en-US" sz="1400" b="0" dirty="0">
+            <a:endParaRPr lang="ru-RU" sz="1400" b="0" dirty="0">
               <a:solidFill>
                 <a:schemeClr val="bg2">
                   <a:lumMod val="50000"/>
@@ -24753,86 +25870,7 @@
           </a:p>
           <a:p>
             <a:pPr algn="l"/>
-            <a:r>
-              <a:rPr lang="ru-RU" sz="1400" b="0" dirty="0">
-                <a:solidFill>
-                  <a:schemeClr val="bg2">
-                    <a:lumMod val="50000"/>
-                  </a:schemeClr>
-                </a:solidFill>
-              </a:rPr>
-              <a:t>Личный вклад и развитие навыков:</a:t>
-            </a:r>
-            <a:endParaRPr lang="en-US" sz="1400" b="0" dirty="0">
-              <a:solidFill>
-                <a:schemeClr val="bg2">
-                  <a:lumMod val="50000"/>
-                </a:schemeClr>
-              </a:solidFill>
-            </a:endParaRPr>
-          </a:p>
-          <a:p>
-            <a:pPr marL="285750" indent="-196850" algn="l">
-              <a:buFont typeface="Poppins" panose="00000500000000000000" pitchFamily="2" charset="0"/>
-              <a:buChar char="∙"/>
-            </a:pPr>
-            <a:r>
-              <a:rPr lang="ru-RU" sz="1400" b="0" dirty="0">
-                <a:solidFill>
-                  <a:schemeClr val="bg2">
-                    <a:lumMod val="50000"/>
-                  </a:schemeClr>
-                </a:solidFill>
-              </a:rPr>
-              <a:t>Работа над проектом позволила усовершенствовать навыки работы с современными веб-технологиями и улучшить опыт в построении архитектуры высокопроизводительных приложений</a:t>
-            </a:r>
-            <a:r>
-              <a:rPr lang="en-US" sz="1400" b="0" dirty="0">
-                <a:solidFill>
-                  <a:schemeClr val="bg2">
-                    <a:lumMod val="50000"/>
-                  </a:schemeClr>
-                </a:solidFill>
-              </a:rPr>
-              <a:t>;</a:t>
-            </a:r>
-          </a:p>
-          <a:p>
-            <a:pPr marL="285750" indent="-196850" algn="l">
-              <a:buFont typeface="Poppins" panose="00000500000000000000" pitchFamily="2" charset="0"/>
-              <a:buChar char="∙"/>
-            </a:pPr>
-            <a:r>
-              <a:rPr lang="ru-RU" sz="1400" b="0" dirty="0">
-                <a:solidFill>
-                  <a:schemeClr val="bg2">
-                    <a:lumMod val="50000"/>
-                  </a:schemeClr>
-                </a:solidFill>
-              </a:rPr>
-              <a:t>Получен ценный опыт взаимодействия с</a:t>
-            </a:r>
-            <a:r>
-              <a:rPr lang="en-US" sz="1400" b="0" dirty="0">
-                <a:solidFill>
-                  <a:schemeClr val="bg2">
-                    <a:lumMod val="50000"/>
-                  </a:schemeClr>
-                </a:solidFill>
-              </a:rPr>
-              <a:t> </a:t>
-            </a:r>
-            <a:r>
-              <a:rPr lang="ru-RU" sz="1400" b="0" dirty="0">
-                <a:solidFill>
-                  <a:schemeClr val="bg2">
-                    <a:lumMod val="50000"/>
-                  </a:schemeClr>
-                </a:solidFill>
-              </a:rPr>
-              <a:t>процессами разработки.</a:t>
-            </a:r>
-            <a:endParaRPr lang="en-US" sz="1400" b="0" dirty="0">
+            <a:endParaRPr lang="ru-RU" sz="1400" b="0" dirty="0">
               <a:solidFill>
                 <a:schemeClr val="bg2">
                   <a:lumMod val="50000"/>
@@ -24842,7 +25880,7 @@
           </a:p>
           <a:p>
             <a:pPr algn="l"/>
-            <a:endParaRPr lang="en-US" sz="1400" b="0" dirty="0">
+            <a:endParaRPr lang="ru-RU" sz="1400" b="0" dirty="0">
               <a:solidFill>
                 <a:schemeClr val="bg2">
                   <a:lumMod val="50000"/>
@@ -24852,69 +25890,7 @@
           </a:p>
           <a:p>
             <a:pPr algn="l"/>
-            <a:r>
-              <a:rPr lang="ru-RU" sz="1400" b="0" dirty="0">
-                <a:solidFill>
-                  <a:schemeClr val="bg2">
-                    <a:lumMod val="50000"/>
-                  </a:schemeClr>
-                </a:solidFill>
-              </a:rPr>
-              <a:t>Дополнительные возможности области расширения</a:t>
-            </a:r>
-            <a:r>
-              <a:rPr lang="en-US" sz="1400" b="0" dirty="0">
-                <a:solidFill>
-                  <a:schemeClr val="bg2">
-                    <a:lumMod val="50000"/>
-                  </a:schemeClr>
-                </a:solidFill>
-              </a:rPr>
-              <a:t>:</a:t>
-            </a:r>
-          </a:p>
-          <a:p>
-            <a:pPr marL="285750" indent="-196850" algn="l">
-              <a:buFont typeface="Poppins" panose="00000500000000000000" pitchFamily="2" charset="0"/>
-              <a:buChar char="∙"/>
-            </a:pPr>
-            <a:r>
-              <a:rPr lang="ru-RU" sz="1400" b="0" dirty="0">
-                <a:solidFill>
-                  <a:schemeClr val="bg2">
-                    <a:lumMod val="50000"/>
-                  </a:schemeClr>
-                </a:solidFill>
-              </a:rPr>
-              <a:t>Интеграция с облачными сервисами для дополнительного хранилища данных и улучшения масштабируемости</a:t>
-            </a:r>
-            <a:r>
-              <a:rPr lang="en-US" sz="1400" b="0" dirty="0">
-                <a:solidFill>
-                  <a:schemeClr val="bg2">
-                    <a:lumMod val="50000"/>
-                  </a:schemeClr>
-                </a:solidFill>
-              </a:rPr>
-              <a:t>;</a:t>
-            </a:r>
-          </a:p>
-          <a:p>
-            <a:pPr marL="285750" indent="-196850" algn="l">
-              <a:buFont typeface="Poppins" panose="00000500000000000000" pitchFamily="2" charset="0"/>
-              <a:buChar char="∙"/>
-            </a:pPr>
-            <a:r>
-              <a:rPr lang="ru-RU" sz="1400" b="0" dirty="0">
-                <a:solidFill>
-                  <a:schemeClr val="bg2">
-                    <a:lumMod val="50000"/>
-                  </a:schemeClr>
-                </a:solidFill>
-              </a:rPr>
-              <a:t>Внедрение функции аналитики для отслеживания активности пользователей и улучшения пользовательского опыта.</a:t>
-            </a:r>
-            <a:endParaRPr lang="en-US" sz="1400" b="0" dirty="0">
+            <a:endParaRPr lang="ru-RU" sz="1400" b="0" dirty="0">
               <a:solidFill>
                 <a:schemeClr val="bg2">
                   <a:lumMod val="50000"/>
@@ -24924,7 +25900,7 @@
           </a:p>
           <a:p>
             <a:pPr algn="l"/>
-            <a:endParaRPr lang="en-US" sz="1400" b="0" dirty="0">
+            <a:endParaRPr lang="ru-RU" sz="1400" b="0" dirty="0">
               <a:solidFill>
                 <a:schemeClr val="bg2">
                   <a:lumMod val="50000"/>
@@ -24932,12 +25908,412 @@
               </a:solidFill>
             </a:endParaRPr>
           </a:p>
+          <a:p>
+            <a:pPr algn="l"/>
+            <a:endParaRPr lang="ru-RU" sz="1400" b="0" dirty="0">
+              <a:solidFill>
+                <a:schemeClr val="bg2">
+                  <a:lumMod val="50000"/>
+                </a:schemeClr>
+              </a:solidFill>
+            </a:endParaRPr>
+          </a:p>
+          <a:p>
+            <a:pPr algn="l"/>
+            <a:endParaRPr lang="ru-RU" sz="1400" b="0" dirty="0">
+              <a:solidFill>
+                <a:schemeClr val="bg2">
+                  <a:lumMod val="50000"/>
+                </a:schemeClr>
+              </a:solidFill>
+            </a:endParaRPr>
+          </a:p>
+          <a:p>
+            <a:pPr algn="l"/>
+            <a:endParaRPr lang="ru-RU" sz="1400" b="0" dirty="0">
+              <a:solidFill>
+                <a:schemeClr val="bg2">
+                  <a:lumMod val="50000"/>
+                </a:schemeClr>
+              </a:solidFill>
+            </a:endParaRPr>
+          </a:p>
+          <a:p>
+            <a:pPr algn="l"/>
+            <a:endParaRPr lang="ru-RU" sz="1400" b="0" dirty="0">
+              <a:solidFill>
+                <a:schemeClr val="bg2">
+                  <a:lumMod val="50000"/>
+                </a:schemeClr>
+              </a:solidFill>
+            </a:endParaRPr>
+          </a:p>
+          <a:p>
+            <a:pPr algn="l"/>
+            <a:endParaRPr lang="ru-RU" sz="1400" b="0" dirty="0">
+              <a:solidFill>
+                <a:schemeClr val="bg2">
+                  <a:lumMod val="50000"/>
+                </a:schemeClr>
+              </a:solidFill>
+            </a:endParaRPr>
+          </a:p>
+          <a:p>
+            <a:pPr algn="l"/>
+            <a:endParaRPr lang="ru-RU" sz="1400" b="0" dirty="0">
+              <a:solidFill>
+                <a:schemeClr val="bg2">
+                  <a:lumMod val="50000"/>
+                </a:schemeClr>
+              </a:solidFill>
+            </a:endParaRPr>
+          </a:p>
+          <a:p>
+            <a:pPr algn="l"/>
+            <a:endParaRPr lang="ru-RU" sz="1400" b="0" dirty="0">
+              <a:solidFill>
+                <a:schemeClr val="bg2">
+                  <a:lumMod val="50000"/>
+                </a:schemeClr>
+              </a:solidFill>
+            </a:endParaRPr>
+          </a:p>
+          <a:p>
+            <a:pPr algn="l"/>
+            <a:endParaRPr lang="ru-RU" sz="1400" b="0" dirty="0">
+              <a:solidFill>
+                <a:schemeClr val="bg2">
+                  <a:lumMod val="50000"/>
+                </a:schemeClr>
+              </a:solidFill>
+            </a:endParaRPr>
+          </a:p>
+          <a:p>
+            <a:pPr algn="l"/>
+            <a:r>
+              <a:rPr lang="ru-RU" sz="1400" b="0" dirty="0">
+                <a:solidFill>
+                  <a:schemeClr val="bg2">
+                    <a:lumMod val="50000"/>
+                  </a:schemeClr>
+                </a:solidFill>
+              </a:rPr>
+              <a:t>Контакты для связи</a:t>
+            </a:r>
+            <a:r>
+              <a:rPr lang="en-US" sz="1400" b="0" dirty="0">
+                <a:solidFill>
+                  <a:schemeClr val="bg2">
+                    <a:lumMod val="50000"/>
+                  </a:schemeClr>
+                </a:solidFill>
+              </a:rPr>
+              <a:t>:</a:t>
+            </a:r>
+          </a:p>
+          <a:p>
+            <a:pPr algn="l"/>
+            <a:r>
+              <a:rPr lang="ru-RU" sz="1400" b="0" dirty="0">
+                <a:solidFill>
+                  <a:schemeClr val="bg2">
+                    <a:lumMod val="50000"/>
+                  </a:schemeClr>
+                </a:solidFill>
+              </a:rPr>
+              <a:t>Телефон</a:t>
+            </a:r>
+            <a:r>
+              <a:rPr lang="en-US" sz="1400" b="0" dirty="0">
+                <a:solidFill>
+                  <a:schemeClr val="bg2">
+                    <a:lumMod val="50000"/>
+                  </a:schemeClr>
+                </a:solidFill>
+              </a:rPr>
+              <a:t>:</a:t>
+            </a:r>
+            <a:r>
+              <a:rPr lang="ru-RU" sz="1400" b="0" dirty="0">
+                <a:solidFill>
+                  <a:schemeClr val="bg2">
+                    <a:lumMod val="50000"/>
+                  </a:schemeClr>
+                </a:solidFill>
+              </a:rPr>
+              <a:t> </a:t>
+            </a:r>
+            <a:r>
+              <a:rPr lang="en-US" sz="1400" b="0" dirty="0">
+                <a:solidFill>
+                  <a:schemeClr val="bg2">
+                    <a:lumMod val="50000"/>
+                  </a:schemeClr>
+                </a:solidFill>
+              </a:rPr>
+              <a:t>+7 (932) 113-19-16;</a:t>
+            </a:r>
+          </a:p>
+          <a:p>
+            <a:pPr algn="l"/>
+            <a:r>
+              <a:rPr lang="en-US" sz="1400" b="0" dirty="0">
+                <a:solidFill>
+                  <a:schemeClr val="bg2">
+                    <a:lumMod val="50000"/>
+                  </a:schemeClr>
+                </a:solidFill>
+              </a:rPr>
+              <a:t>TG: @mk_larionov;</a:t>
+            </a:r>
+          </a:p>
+          <a:p>
+            <a:pPr algn="l"/>
+            <a:r>
+              <a:rPr lang="ru-RU" sz="1400" b="0" dirty="0">
+                <a:solidFill>
+                  <a:schemeClr val="bg2">
+                    <a:lumMod val="50000"/>
+                  </a:schemeClr>
+                </a:solidFill>
+              </a:rPr>
+              <a:t>Почта</a:t>
+            </a:r>
+            <a:r>
+              <a:rPr lang="en-US" sz="1400" b="0" dirty="0">
+                <a:solidFill>
+                  <a:schemeClr val="bg2">
+                    <a:lumMod val="50000"/>
+                  </a:schemeClr>
+                </a:solidFill>
+              </a:rPr>
+              <a:t>: </a:t>
+            </a:r>
+            <a:r>
+              <a:rPr lang="en-US" sz="1400" b="0" dirty="0">
+                <a:solidFill>
+                  <a:schemeClr val="bg2">
+                    <a:lumMod val="50000"/>
+                  </a:schemeClr>
+                </a:solidFill>
+                <a:hlinkClick r:id="rId2"/>
+              </a:rPr>
+              <a:t>larionov_mu@mail.ru</a:t>
+            </a:r>
+            <a:r>
+              <a:rPr lang="en-US" sz="1400" b="0" dirty="0">
+                <a:solidFill>
+                  <a:schemeClr val="bg2">
+                    <a:lumMod val="50000"/>
+                  </a:schemeClr>
+                </a:solidFill>
+              </a:rPr>
+              <a:t> \ </a:t>
+            </a:r>
+            <a:r>
+              <a:rPr lang="en-US" sz="1400" b="0" dirty="0">
+                <a:solidFill>
+                  <a:schemeClr val="bg2">
+                    <a:lumMod val="50000"/>
+                  </a:schemeClr>
+                </a:solidFill>
+                <a:hlinkClick r:id="rId3"/>
+              </a:rPr>
+              <a:t>larionov404.mu@gmail.com</a:t>
+            </a:r>
+            <a:r>
+              <a:rPr lang="en-US" sz="1400" b="0" dirty="0">
+                <a:solidFill>
+                  <a:schemeClr val="bg2">
+                    <a:lumMod val="50000"/>
+                  </a:schemeClr>
+                </a:solidFill>
+              </a:rPr>
+              <a:t> \ </a:t>
+            </a:r>
+          </a:p>
         </p:txBody>
       </p:sp>
+      <p:pic>
+        <p:nvPicPr>
+          <p:cNvPr id="7" name="Рисунок 6" descr="Изображение выглядит как человек, Человеческое лицо, цветок, удержание&#10;&#10;Автоматически созданное описание">
+            <a:extLst>
+              <a:ext uri="{FF2B5EF4-FFF2-40B4-BE49-F238E27FC236}">
+                <a16:creationId xmlns:a16="http://schemas.microsoft.com/office/drawing/2014/main" id="{48ACB77E-6EF8-D8AF-3EE4-88E227147E94}"/>
+              </a:ext>
+            </a:extLst>
+          </p:cNvPr>
+          <p:cNvPicPr>
+            <a:picLocks noChangeAspect="1"/>
+          </p:cNvPicPr>
+          <p:nvPr/>
+        </p:nvPicPr>
+        <p:blipFill>
+          <a:blip r:embed="rId4">
+            <a:extLst>
+              <a:ext uri="{28A0092B-C50C-407E-A947-70E740481C1C}">
+                <a14:useLocalDpi xmlns:a14="http://schemas.microsoft.com/office/drawing/2010/main" val="0"/>
+              </a:ext>
+            </a:extLst>
+          </a:blip>
+          <a:stretch>
+            <a:fillRect/>
+          </a:stretch>
+        </p:blipFill>
+        <p:spPr>
+          <a:xfrm>
+            <a:off x="7601059" y="1756013"/>
+            <a:ext cx="2860448" cy="3819236"/>
+          </a:xfrm>
+          <a:prstGeom prst="rect">
+            <a:avLst/>
+          </a:prstGeom>
+          <a:solidFill>
+            <a:srgbClr val="FFFFFF">
+              <a:shade val="85000"/>
+            </a:srgbClr>
+          </a:solidFill>
+          <a:ln w="190500" cap="sq">
+            <a:solidFill>
+              <a:srgbClr val="FFFFFF"/>
+            </a:solidFill>
+            <a:miter lim="800000"/>
+          </a:ln>
+          <a:effectLst>
+            <a:outerShdw blurRad="65000" dist="50800" dir="12900000" kx="195000" ky="145000" algn="tl" rotWithShape="0">
+              <a:srgbClr val="000000">
+                <a:alpha val="30000"/>
+              </a:srgbClr>
+            </a:outerShdw>
+          </a:effectLst>
+          <a:scene3d>
+            <a:camera prst="orthographicFront">
+              <a:rot lat="0" lon="0" rev="360000"/>
+            </a:camera>
+            <a:lightRig rig="twoPt" dir="t">
+              <a:rot lat="0" lon="0" rev="7200000"/>
+            </a:lightRig>
+          </a:scene3d>
+          <a:sp3d contourW="12700">
+            <a:bevelT w="25400" h="19050"/>
+            <a:contourClr>
+              <a:srgbClr val="969696"/>
+            </a:contourClr>
+          </a:sp3d>
+        </p:spPr>
+      </p:pic>
+      <p:pic>
+        <p:nvPicPr>
+          <p:cNvPr id="3" name="Рисунок 2" descr="Изображение выглядит как текст, Графика, логотип, Шрифт&#10;&#10;Автоматически созданное описание">
+            <a:extLst>
+              <a:ext uri="{FF2B5EF4-FFF2-40B4-BE49-F238E27FC236}">
+                <a16:creationId xmlns:a16="http://schemas.microsoft.com/office/drawing/2014/main" id="{B887D72F-E184-9740-F2E0-9FA082B36605}"/>
+              </a:ext>
+            </a:extLst>
+          </p:cNvPr>
+          <p:cNvPicPr>
+            <a:picLocks noChangeAspect="1"/>
+          </p:cNvPicPr>
+          <p:nvPr/>
+        </p:nvPicPr>
+        <p:blipFill>
+          <a:blip r:embed="rId5">
+            <a:extLst>
+              <a:ext uri="{28A0092B-C50C-407E-A947-70E740481C1C}">
+                <a14:useLocalDpi xmlns:a14="http://schemas.microsoft.com/office/drawing/2010/main" val="0"/>
+              </a:ext>
+            </a:extLst>
+          </a:blip>
+          <a:stretch>
+            <a:fillRect/>
+          </a:stretch>
+        </p:blipFill>
+        <p:spPr>
+          <a:xfrm>
+            <a:off x="11232000" y="5947281"/>
+            <a:ext cx="831837" cy="763600"/>
+          </a:xfrm>
+          <a:prstGeom prst="rect">
+            <a:avLst/>
+          </a:prstGeom>
+        </p:spPr>
+      </p:pic>
+      <p:pic>
+        <p:nvPicPr>
+          <p:cNvPr id="4" name="Рисунок 3" descr="Изображение выглядит как текст, Шрифт, снимок экрана, Графика&#10;&#10;Автоматически созданное описание">
+            <a:extLst>
+              <a:ext uri="{FF2B5EF4-FFF2-40B4-BE49-F238E27FC236}">
+                <a16:creationId xmlns:a16="http://schemas.microsoft.com/office/drawing/2014/main" id="{4C0E7054-2F86-45A5-0C70-DAB23DBD989C}"/>
+              </a:ext>
+            </a:extLst>
+          </p:cNvPr>
+          <p:cNvPicPr>
+            <a:picLocks noChangeAspect="1"/>
+          </p:cNvPicPr>
+          <p:nvPr/>
+        </p:nvPicPr>
+        <p:blipFill>
+          <a:blip r:embed="rId6">
+            <a:extLst>
+              <a:ext uri="{28A0092B-C50C-407E-A947-70E740481C1C}">
+                <a14:useLocalDpi xmlns:a14="http://schemas.microsoft.com/office/drawing/2010/main" val="0"/>
+              </a:ext>
+            </a:extLst>
+          </a:blip>
+          <a:stretch>
+            <a:fillRect/>
+          </a:stretch>
+        </p:blipFill>
+        <p:spPr>
+          <a:xfrm>
+            <a:off x="9784125" y="6029387"/>
+            <a:ext cx="1377264" cy="599387"/>
+          </a:xfrm>
+          <a:prstGeom prst="rect">
+            <a:avLst/>
+          </a:prstGeom>
+        </p:spPr>
+      </p:pic>
+      <p:pic>
+        <p:nvPicPr>
+          <p:cNvPr id="6" name="Рисунок 5" descr="Изображение выглядит как фиолетовый, снимок экрана, Фиолетовый, Красочность&#10;&#10;Автоматически созданное описание">
+            <a:extLst>
+              <a:ext uri="{FF2B5EF4-FFF2-40B4-BE49-F238E27FC236}">
+                <a16:creationId xmlns:a16="http://schemas.microsoft.com/office/drawing/2014/main" id="{FA94CF43-0825-45C8-C48C-19BEAE12F679}"/>
+              </a:ext>
+            </a:extLst>
+          </p:cNvPr>
+          <p:cNvPicPr>
+            <a:picLocks noChangeAspect="1"/>
+          </p:cNvPicPr>
+          <p:nvPr/>
+        </p:nvPicPr>
+        <p:blipFill>
+          <a:blip r:embed="rId7">
+            <a:extLst>
+              <a:ext uri="{28A0092B-C50C-407E-A947-70E740481C1C}">
+                <a14:useLocalDpi xmlns:a14="http://schemas.microsoft.com/office/drawing/2010/main" val="0"/>
+              </a:ext>
+            </a:extLst>
+          </a:blip>
+          <a:stretch>
+            <a:fillRect/>
+          </a:stretch>
+        </p:blipFill>
+        <p:spPr>
+          <a:xfrm>
+            <a:off x="8275886" y="6132757"/>
+            <a:ext cx="1472934" cy="387224"/>
+          </a:xfrm>
+          <a:prstGeom prst="rect">
+            <a:avLst/>
+          </a:prstGeom>
+        </p:spPr>
+      </p:pic>
     </p:spTree>
     <p:extLst>
       <p:ext uri="{BB962C8B-B14F-4D97-AF65-F5344CB8AC3E}">
-        <p14:creationId xmlns:p14="http://schemas.microsoft.com/office/powerpoint/2010/main" val="1151269742"/>
+        <p14:creationId xmlns:p14="http://schemas.microsoft.com/office/powerpoint/2010/main" val="1075494626"/>
       </p:ext>
     </p:extLst>
   </p:cSld>
@@ -25272,7 +26648,7 @@
             </a:lvl9pPr>
           </a:lstStyle>
           <a:p>
-            <a:pPr algn="l"/>
+            <a:pPr indent="536575" algn="just"/>
             <a:r>
               <a:rPr lang="ru-RU" b="0" u="sng" dirty="0">
                 <a:solidFill>
@@ -25322,7 +26698,7 @@
             </a:endParaRPr>
           </a:p>
           <a:p>
-            <a:pPr algn="l"/>
+            <a:pPr algn="just"/>
             <a:endParaRPr lang="en-US" b="0" dirty="0">
               <a:solidFill>
                 <a:schemeClr val="bg2">
@@ -25332,7 +26708,7 @@
             </a:endParaRPr>
           </a:p>
           <a:p>
-            <a:pPr algn="l"/>
+            <a:pPr indent="536575" algn="just"/>
             <a:r>
               <a:rPr lang="ru-RU" b="0" u="sng" dirty="0">
                 <a:solidFill>
@@ -25416,6 +26792,114 @@
           </a:p>
         </p:txBody>
       </p:sp>
+      <p:pic>
+        <p:nvPicPr>
+          <p:cNvPr id="7" name="Рисунок 6" descr="Изображение выглядит как текст, Графика, логотип, Шрифт&#10;&#10;Автоматически созданное описание">
+            <a:extLst>
+              <a:ext uri="{FF2B5EF4-FFF2-40B4-BE49-F238E27FC236}">
+                <a16:creationId xmlns:a16="http://schemas.microsoft.com/office/drawing/2014/main" id="{CD9F56DF-AAC3-4DCE-ED58-3575EB292944}"/>
+              </a:ext>
+            </a:extLst>
+          </p:cNvPr>
+          <p:cNvPicPr>
+            <a:picLocks noChangeAspect="1"/>
+          </p:cNvPicPr>
+          <p:nvPr/>
+        </p:nvPicPr>
+        <p:blipFill>
+          <a:blip r:embed="rId2">
+            <a:extLst>
+              <a:ext uri="{28A0092B-C50C-407E-A947-70E740481C1C}">
+                <a14:useLocalDpi xmlns:a14="http://schemas.microsoft.com/office/drawing/2010/main" val="0"/>
+              </a:ext>
+            </a:extLst>
+          </a:blip>
+          <a:stretch>
+            <a:fillRect/>
+          </a:stretch>
+        </p:blipFill>
+        <p:spPr>
+          <a:xfrm>
+            <a:off x="11232000" y="5947281"/>
+            <a:ext cx="831837" cy="763600"/>
+          </a:xfrm>
+          <a:prstGeom prst="rect">
+            <a:avLst/>
+          </a:prstGeom>
+        </p:spPr>
+      </p:pic>
+      <p:pic>
+        <p:nvPicPr>
+          <p:cNvPr id="8" name="Рисунок 7" descr="Изображение выглядит как текст, Шрифт, снимок экрана, Графика&#10;&#10;Автоматически созданное описание">
+            <a:extLst>
+              <a:ext uri="{FF2B5EF4-FFF2-40B4-BE49-F238E27FC236}">
+                <a16:creationId xmlns:a16="http://schemas.microsoft.com/office/drawing/2014/main" id="{A3C50E08-B05D-54D1-E0B8-D538C8990882}"/>
+              </a:ext>
+            </a:extLst>
+          </p:cNvPr>
+          <p:cNvPicPr>
+            <a:picLocks noChangeAspect="1"/>
+          </p:cNvPicPr>
+          <p:nvPr/>
+        </p:nvPicPr>
+        <p:blipFill>
+          <a:blip r:embed="rId3">
+            <a:extLst>
+              <a:ext uri="{28A0092B-C50C-407E-A947-70E740481C1C}">
+                <a14:useLocalDpi xmlns:a14="http://schemas.microsoft.com/office/drawing/2010/main" val="0"/>
+              </a:ext>
+            </a:extLst>
+          </a:blip>
+          <a:stretch>
+            <a:fillRect/>
+          </a:stretch>
+        </p:blipFill>
+        <p:spPr>
+          <a:xfrm>
+            <a:off x="9784125" y="6029387"/>
+            <a:ext cx="1377264" cy="599387"/>
+          </a:xfrm>
+          <a:prstGeom prst="rect">
+            <a:avLst/>
+          </a:prstGeom>
+        </p:spPr>
+      </p:pic>
+      <p:pic>
+        <p:nvPicPr>
+          <p:cNvPr id="9" name="Рисунок 8" descr="Изображение выглядит как фиолетовый, снимок экрана, Фиолетовый, Красочность&#10;&#10;Автоматически созданное описание">
+            <a:extLst>
+              <a:ext uri="{FF2B5EF4-FFF2-40B4-BE49-F238E27FC236}">
+                <a16:creationId xmlns:a16="http://schemas.microsoft.com/office/drawing/2014/main" id="{B3546C20-6507-A578-A0F7-F1565C1AD8C8}"/>
+              </a:ext>
+            </a:extLst>
+          </p:cNvPr>
+          <p:cNvPicPr>
+            <a:picLocks noChangeAspect="1"/>
+          </p:cNvPicPr>
+          <p:nvPr/>
+        </p:nvPicPr>
+        <p:blipFill>
+          <a:blip r:embed="rId4">
+            <a:extLst>
+              <a:ext uri="{28A0092B-C50C-407E-A947-70E740481C1C}">
+                <a14:useLocalDpi xmlns:a14="http://schemas.microsoft.com/office/drawing/2010/main" val="0"/>
+              </a:ext>
+            </a:extLst>
+          </a:blip>
+          <a:stretch>
+            <a:fillRect/>
+          </a:stretch>
+        </p:blipFill>
+        <p:spPr>
+          <a:xfrm>
+            <a:off x="8275886" y="6132757"/>
+            <a:ext cx="1472934" cy="387224"/>
+          </a:xfrm>
+          <a:prstGeom prst="rect">
+            <a:avLst/>
+          </a:prstGeom>
+        </p:spPr>
+      </p:pic>
     </p:spTree>
     <p:extLst>
       <p:ext uri="{BB962C8B-B14F-4D97-AF65-F5344CB8AC3E}">
@@ -25754,7 +27238,7 @@
             </a:lvl9pPr>
           </a:lstStyle>
           <a:p>
-            <a:pPr algn="l"/>
+            <a:pPr algn="just"/>
             <a:r>
               <a:rPr lang="ru-RU" b="0" dirty="0">
                 <a:solidFill>
@@ -25777,7 +27261,7 @@
             </a:r>
           </a:p>
           <a:p>
-            <a:pPr marL="457200" indent="-457200" algn="l">
+            <a:pPr marL="457200" indent="-457200" algn="just">
               <a:buFont typeface="Arial" panose="020B0604020202020204" pitchFamily="34" charset="0"/>
               <a:buChar char="•"/>
             </a:pPr>
@@ -25803,7 +27287,7 @@
             </a:r>
           </a:p>
           <a:p>
-            <a:pPr marL="457200" indent="-457200" algn="l">
+            <a:pPr marL="457200" indent="-457200" algn="just">
               <a:buFont typeface="Arial" panose="020B0604020202020204" pitchFamily="34" charset="0"/>
               <a:buChar char="•"/>
             </a:pPr>
@@ -25829,7 +27313,7 @@
             </a:r>
           </a:p>
           <a:p>
-            <a:pPr marL="457200" indent="-457200" algn="l">
+            <a:pPr marL="457200" indent="-457200" algn="just">
               <a:buFont typeface="Arial" panose="020B0604020202020204" pitchFamily="34" charset="0"/>
               <a:buChar char="•"/>
             </a:pPr>
@@ -25855,7 +27339,7 @@
             </a:r>
           </a:p>
           <a:p>
-            <a:pPr marL="457200" indent="-457200" algn="l">
+            <a:pPr marL="457200" indent="-457200" algn="just">
               <a:buFont typeface="Arial" panose="020B0604020202020204" pitchFamily="34" charset="0"/>
               <a:buChar char="•"/>
             </a:pPr>
@@ -25931,7 +27415,7 @@
             </a:r>
           </a:p>
           <a:p>
-            <a:pPr marL="457200" indent="-457200" algn="l">
+            <a:pPr marL="457200" indent="-457200" algn="just">
               <a:buFont typeface="Arial" panose="020B0604020202020204" pitchFamily="34" charset="0"/>
               <a:buChar char="•"/>
             </a:pPr>
@@ -25948,6 +27432,114 @@
           </a:p>
         </p:txBody>
       </p:sp>
+      <p:pic>
+        <p:nvPicPr>
+          <p:cNvPr id="7" name="Рисунок 6" descr="Изображение выглядит как текст, Графика, логотип, Шрифт&#10;&#10;Автоматически созданное описание">
+            <a:extLst>
+              <a:ext uri="{FF2B5EF4-FFF2-40B4-BE49-F238E27FC236}">
+                <a16:creationId xmlns:a16="http://schemas.microsoft.com/office/drawing/2014/main" id="{E24564B4-A352-4375-5FE2-B34F605DEE41}"/>
+              </a:ext>
+            </a:extLst>
+          </p:cNvPr>
+          <p:cNvPicPr>
+            <a:picLocks noChangeAspect="1"/>
+          </p:cNvPicPr>
+          <p:nvPr/>
+        </p:nvPicPr>
+        <p:blipFill>
+          <a:blip r:embed="rId2">
+            <a:extLst>
+              <a:ext uri="{28A0092B-C50C-407E-A947-70E740481C1C}">
+                <a14:useLocalDpi xmlns:a14="http://schemas.microsoft.com/office/drawing/2010/main" val="0"/>
+              </a:ext>
+            </a:extLst>
+          </a:blip>
+          <a:stretch>
+            <a:fillRect/>
+          </a:stretch>
+        </p:blipFill>
+        <p:spPr>
+          <a:xfrm>
+            <a:off x="11232000" y="5947281"/>
+            <a:ext cx="831837" cy="763600"/>
+          </a:xfrm>
+          <a:prstGeom prst="rect">
+            <a:avLst/>
+          </a:prstGeom>
+        </p:spPr>
+      </p:pic>
+      <p:pic>
+        <p:nvPicPr>
+          <p:cNvPr id="8" name="Рисунок 7" descr="Изображение выглядит как текст, Шрифт, снимок экрана, Графика&#10;&#10;Автоматически созданное описание">
+            <a:extLst>
+              <a:ext uri="{FF2B5EF4-FFF2-40B4-BE49-F238E27FC236}">
+                <a16:creationId xmlns:a16="http://schemas.microsoft.com/office/drawing/2014/main" id="{850DE458-43B5-DE14-4793-10AC9D89D510}"/>
+              </a:ext>
+            </a:extLst>
+          </p:cNvPr>
+          <p:cNvPicPr>
+            <a:picLocks noChangeAspect="1"/>
+          </p:cNvPicPr>
+          <p:nvPr/>
+        </p:nvPicPr>
+        <p:blipFill>
+          <a:blip r:embed="rId3">
+            <a:extLst>
+              <a:ext uri="{28A0092B-C50C-407E-A947-70E740481C1C}">
+                <a14:useLocalDpi xmlns:a14="http://schemas.microsoft.com/office/drawing/2010/main" val="0"/>
+              </a:ext>
+            </a:extLst>
+          </a:blip>
+          <a:stretch>
+            <a:fillRect/>
+          </a:stretch>
+        </p:blipFill>
+        <p:spPr>
+          <a:xfrm>
+            <a:off x="9784125" y="6029387"/>
+            <a:ext cx="1377264" cy="599387"/>
+          </a:xfrm>
+          <a:prstGeom prst="rect">
+            <a:avLst/>
+          </a:prstGeom>
+        </p:spPr>
+      </p:pic>
+      <p:pic>
+        <p:nvPicPr>
+          <p:cNvPr id="9" name="Рисунок 8" descr="Изображение выглядит как фиолетовый, снимок экрана, Фиолетовый, Красочность&#10;&#10;Автоматически созданное описание">
+            <a:extLst>
+              <a:ext uri="{FF2B5EF4-FFF2-40B4-BE49-F238E27FC236}">
+                <a16:creationId xmlns:a16="http://schemas.microsoft.com/office/drawing/2014/main" id="{8205EE56-81F2-DB22-02A3-3B2C23A28B9E}"/>
+              </a:ext>
+            </a:extLst>
+          </p:cNvPr>
+          <p:cNvPicPr>
+            <a:picLocks noChangeAspect="1"/>
+          </p:cNvPicPr>
+          <p:nvPr/>
+        </p:nvPicPr>
+        <p:blipFill>
+          <a:blip r:embed="rId4">
+            <a:extLst>
+              <a:ext uri="{28A0092B-C50C-407E-A947-70E740481C1C}">
+                <a14:useLocalDpi xmlns:a14="http://schemas.microsoft.com/office/drawing/2010/main" val="0"/>
+              </a:ext>
+            </a:extLst>
+          </a:blip>
+          <a:stretch>
+            <a:fillRect/>
+          </a:stretch>
+        </p:blipFill>
+        <p:spPr>
+          <a:xfrm>
+            <a:off x="8275886" y="6132757"/>
+            <a:ext cx="1472934" cy="387224"/>
+          </a:xfrm>
+          <a:prstGeom prst="rect">
+            <a:avLst/>
+          </a:prstGeom>
+        </p:spPr>
+      </p:pic>
     </p:spTree>
     <p:extLst>
       <p:ext uri="{BB962C8B-B14F-4D97-AF65-F5344CB8AC3E}">
@@ -25996,7 +27588,7 @@
         </p:nvSpPr>
         <p:spPr>
           <a:xfrm>
-            <a:off x="950967" y="825911"/>
+            <a:off x="492369" y="691150"/>
             <a:ext cx="5726400" cy="759976"/>
           </a:xfrm>
         </p:spPr>
@@ -26029,19 +27621,19 @@
         </p:nvSpPr>
         <p:spPr>
           <a:xfrm>
-            <a:off x="950967" y="1585886"/>
-            <a:ext cx="5726400" cy="4580964"/>
+            <a:off x="492369" y="1451126"/>
+            <a:ext cx="7385538" cy="4580964"/>
           </a:xfrm>
         </p:spPr>
         <p:txBody>
           <a:bodyPr/>
           <a:lstStyle/>
           <a:p>
-            <a:pPr marL="152400" indent="0">
+            <a:pPr marL="152400" indent="0" algn="just">
               <a:buNone/>
             </a:pPr>
             <a:r>
-              <a:rPr lang="ru-RU" dirty="0">
+              <a:rPr lang="ru-RU" sz="1400" dirty="0">
                 <a:solidFill>
                   <a:schemeClr val="bg2">
                     <a:lumMod val="50000"/>
@@ -26052,9 +27644,9 @@
             </a:r>
           </a:p>
           <a:p>
-            <a:pPr marL="354013" indent="-176213"/>
-            <a:r>
-              <a:rPr lang="ru-RU" dirty="0">
+            <a:pPr marL="354013" indent="-176213" algn="just"/>
+            <a:r>
+              <a:rPr lang="ru-RU" sz="1400" dirty="0">
                 <a:solidFill>
                   <a:schemeClr val="bg2">
                     <a:lumMod val="50000"/>
@@ -26064,7 +27656,7 @@
               <a:t>Средний и малый бизнес (35%)</a:t>
             </a:r>
             <a:r>
-              <a:rPr lang="en-US" dirty="0">
+              <a:rPr lang="en-US" sz="1400" dirty="0">
                 <a:solidFill>
                   <a:schemeClr val="bg2">
                     <a:lumMod val="50000"/>
@@ -26075,12 +27667,12 @@
             </a:r>
           </a:p>
           <a:p>
-            <a:pPr marL="541338" indent="-93663">
+            <a:pPr marL="541338" indent="-93663" algn="just">
               <a:buFont typeface="Arial" panose="020B0604020202020204" pitchFamily="34" charset="0"/>
               <a:buChar char="•"/>
             </a:pPr>
             <a:r>
-              <a:rPr lang="ru-RU" dirty="0">
+              <a:rPr lang="ru-RU" sz="1400" dirty="0">
                 <a:solidFill>
                   <a:schemeClr val="bg2">
                     <a:lumMod val="50000"/>
@@ -26090,7 +27682,7 @@
               <a:t>Ищут способы сократить расходы на разработку и улучшить клиентский опыт</a:t>
             </a:r>
             <a:r>
-              <a:rPr lang="en-US" dirty="0">
+              <a:rPr lang="en-US" sz="1400" dirty="0">
                 <a:solidFill>
                   <a:schemeClr val="bg2">
                     <a:lumMod val="50000"/>
@@ -26101,12 +27693,12 @@
             </a:r>
           </a:p>
           <a:p>
-            <a:pPr marL="541338" indent="-93663">
+            <a:pPr marL="541338" indent="-93663" algn="just">
               <a:buFont typeface="Arial" panose="020B0604020202020204" pitchFamily="34" charset="0"/>
               <a:buChar char="•"/>
             </a:pPr>
             <a:r>
-              <a:rPr lang="ru-RU" dirty="0">
+              <a:rPr lang="ru-RU" sz="1400" dirty="0">
                 <a:solidFill>
                   <a:schemeClr val="bg2">
                     <a:lumMod val="50000"/>
@@ -26115,7 +27707,7 @@
               </a:rPr>
               <a:t>Примеры: онлайн-магазины, сервисы доставки, локальные компании.</a:t>
             </a:r>
-            <a:endParaRPr lang="en-US" dirty="0">
+            <a:endParaRPr lang="en-US" sz="1400" dirty="0">
               <a:solidFill>
                 <a:schemeClr val="bg2">
                   <a:lumMod val="50000"/>
@@ -26124,12 +27716,12 @@
             </a:endParaRPr>
           </a:p>
           <a:p>
-            <a:pPr marL="354013" indent="-176213">
+            <a:pPr marL="354013" indent="-176213" algn="just">
               <a:buFont typeface="+mj-lt"/>
               <a:buAutoNum type="arabicPeriod" startAt="2"/>
             </a:pPr>
             <a:r>
-              <a:rPr lang="ru-RU" dirty="0">
+              <a:rPr lang="ru-RU" sz="1400" dirty="0">
                 <a:solidFill>
                   <a:schemeClr val="bg2">
                     <a:lumMod val="50000"/>
@@ -26139,7 +27731,7 @@
               <a:t>Крупные корпорации и IT-компании (25%)</a:t>
             </a:r>
             <a:r>
-              <a:rPr lang="en-US" dirty="0">
+              <a:rPr lang="en-US" sz="1400" dirty="0">
                 <a:solidFill>
                   <a:schemeClr val="bg2">
                     <a:lumMod val="50000"/>
@@ -26150,12 +27742,12 @@
             </a:r>
           </a:p>
           <a:p>
-            <a:pPr marL="541338" indent="-93663">
+            <a:pPr marL="541338" indent="-93663" algn="just">
               <a:buFont typeface="Arial" panose="020B0604020202020204" pitchFamily="34" charset="0"/>
               <a:buChar char="•"/>
             </a:pPr>
             <a:r>
-              <a:rPr lang="ru-RU" dirty="0">
+              <a:rPr lang="ru-RU" sz="1400" dirty="0">
                 <a:solidFill>
                   <a:schemeClr val="bg2">
                     <a:lumMod val="50000"/>
@@ -26165,7 +27757,7 @@
               <a:t>Стремятся к улучшению производительности своих веб-приложений и внедрению новых решений для клиентов</a:t>
             </a:r>
             <a:r>
-              <a:rPr lang="en-US" dirty="0">
+              <a:rPr lang="en-US" sz="1400" dirty="0">
                 <a:solidFill>
                   <a:schemeClr val="bg2">
                     <a:lumMod val="50000"/>
@@ -26176,12 +27768,12 @@
             </a:r>
           </a:p>
           <a:p>
-            <a:pPr marL="541338" indent="-93663">
+            <a:pPr marL="541338" indent="-93663" algn="just">
               <a:buFont typeface="Arial" panose="020B0604020202020204" pitchFamily="34" charset="0"/>
               <a:buChar char="•"/>
             </a:pPr>
             <a:r>
-              <a:rPr lang="ru-RU" dirty="0">
+              <a:rPr lang="ru-RU" sz="1400" dirty="0">
                 <a:solidFill>
                   <a:schemeClr val="bg2">
                     <a:lumMod val="50000"/>
@@ -26191,7 +27783,7 @@
               <a:t>Примеры: финансовые и медицинские сервисы, образовательные платформы, e-</a:t>
             </a:r>
             <a:r>
-              <a:rPr lang="ru-RU" dirty="0" err="1">
+              <a:rPr lang="ru-RU" sz="1400" dirty="0" err="1">
                 <a:solidFill>
                   <a:schemeClr val="bg2">
                     <a:lumMod val="50000"/>
@@ -26201,7 +27793,7 @@
               <a:t>commerce</a:t>
             </a:r>
             <a:r>
-              <a:rPr lang="en-US" dirty="0">
+              <a:rPr lang="en-US" sz="1400" dirty="0">
                 <a:solidFill>
                   <a:schemeClr val="bg2">
                     <a:lumMod val="50000"/>
@@ -26212,12 +27804,12 @@
             </a:r>
           </a:p>
           <a:p>
-            <a:pPr marL="354013" indent="-176213">
+            <a:pPr marL="354013" indent="-176213" algn="just">
               <a:buFont typeface="+mj-lt"/>
               <a:buAutoNum type="arabicPeriod" startAt="3"/>
             </a:pPr>
             <a:r>
-              <a:rPr lang="ru-RU" dirty="0">
+              <a:rPr lang="ru-RU" sz="1400" dirty="0">
                 <a:solidFill>
                   <a:schemeClr val="bg2">
                     <a:lumMod val="50000"/>
@@ -26227,7 +27819,7 @@
               <a:t>Образовательные учреждения и </a:t>
             </a:r>
             <a:r>
-              <a:rPr lang="ru-RU" dirty="0" err="1">
+              <a:rPr lang="ru-RU" sz="1400" dirty="0" err="1">
                 <a:solidFill>
                   <a:schemeClr val="bg2">
                     <a:lumMod val="50000"/>
@@ -26237,7 +27829,7 @@
               <a:t>EdTech</a:t>
             </a:r>
             <a:r>
-              <a:rPr lang="ru-RU" dirty="0">
+              <a:rPr lang="ru-RU" sz="1400" dirty="0">
                 <a:solidFill>
                   <a:schemeClr val="bg2">
                     <a:lumMod val="50000"/>
@@ -26247,7 +27839,7 @@
               <a:t> (15%)</a:t>
             </a:r>
             <a:r>
-              <a:rPr lang="en-US" dirty="0">
+              <a:rPr lang="en-US" sz="1400" dirty="0">
                 <a:solidFill>
                   <a:schemeClr val="bg2">
                     <a:lumMod val="50000"/>
@@ -26258,12 +27850,12 @@
             </a:r>
           </a:p>
           <a:p>
-            <a:pPr marL="541338" indent="-93663">
+            <a:pPr marL="541338" indent="-93663" algn="just">
               <a:buFont typeface="Arial" panose="020B0604020202020204" pitchFamily="34" charset="0"/>
               <a:buChar char="•"/>
             </a:pPr>
             <a:r>
-              <a:rPr lang="ru-RU" dirty="0">
+              <a:rPr lang="ru-RU" sz="1400" dirty="0">
                 <a:solidFill>
                   <a:schemeClr val="bg2">
                     <a:lumMod val="50000"/>
@@ -26273,7 +27865,7 @@
               <a:t>Интересуются внедрением </a:t>
             </a:r>
             <a:r>
-              <a:rPr lang="ru-RU" dirty="0" err="1">
+              <a:rPr lang="ru-RU" sz="1400" dirty="0" err="1">
                 <a:solidFill>
                   <a:schemeClr val="bg2">
                     <a:lumMod val="50000"/>
@@ -26283,7 +27875,7 @@
               <a:t>WebRTC</a:t>
             </a:r>
             <a:r>
-              <a:rPr lang="ru-RU" dirty="0">
+              <a:rPr lang="ru-RU" sz="1400" dirty="0">
                 <a:solidFill>
                   <a:schemeClr val="bg2">
                     <a:lumMod val="50000"/>
@@ -26293,7 +27885,7 @@
               <a:t> для организации дистанционного обучения, а также PWA для доступа к обучающим материалам</a:t>
             </a:r>
             <a:r>
-              <a:rPr lang="en-US" dirty="0">
+              <a:rPr lang="en-US" sz="1400" dirty="0">
                 <a:solidFill>
                   <a:schemeClr val="bg2">
                     <a:lumMod val="50000"/>
@@ -26304,12 +27896,12 @@
             </a:r>
           </a:p>
           <a:p>
-            <a:pPr marL="541338" indent="-93663">
+            <a:pPr marL="541338" indent="-93663" algn="just">
               <a:buFont typeface="Arial" panose="020B0604020202020204" pitchFamily="34" charset="0"/>
               <a:buChar char="•"/>
             </a:pPr>
             <a:r>
-              <a:rPr lang="ru-RU" dirty="0">
+              <a:rPr lang="ru-RU" sz="1400" dirty="0">
                 <a:solidFill>
                   <a:schemeClr val="bg2">
                     <a:lumMod val="50000"/>
@@ -26318,7 +27910,7 @@
               </a:rPr>
               <a:t>Примеры: университеты, школы, онлайн-курсы.</a:t>
             </a:r>
-            <a:endParaRPr lang="en-US" dirty="0">
+            <a:endParaRPr lang="en-US" sz="1400" dirty="0">
               <a:solidFill>
                 <a:schemeClr val="bg2">
                   <a:lumMod val="50000"/>
@@ -26327,12 +27919,12 @@
             </a:endParaRPr>
           </a:p>
           <a:p>
-            <a:pPr marL="354013" indent="-176213">
+            <a:pPr marL="354013" indent="-176213" algn="just">
               <a:buFont typeface="+mj-lt"/>
               <a:buAutoNum type="arabicPeriod" startAt="4"/>
             </a:pPr>
             <a:r>
-              <a:rPr lang="ru-RU" dirty="0">
+              <a:rPr lang="ru-RU" sz="1400" dirty="0">
                 <a:solidFill>
                   <a:schemeClr val="bg2">
                     <a:lumMod val="50000"/>
@@ -26342,7 +27934,7 @@
               <a:t>Разработчики и </a:t>
             </a:r>
             <a:r>
-              <a:rPr lang="en-US" dirty="0">
+              <a:rPr lang="en-US" sz="1400" dirty="0">
                 <a:solidFill>
                   <a:schemeClr val="bg2">
                     <a:lumMod val="50000"/>
@@ -26352,7 +27944,7 @@
               <a:t>IT-</a:t>
             </a:r>
             <a:r>
-              <a:rPr lang="ru-RU" dirty="0">
+              <a:rPr lang="ru-RU" sz="1400" dirty="0">
                 <a:solidFill>
                   <a:schemeClr val="bg2">
                     <a:lumMod val="50000"/>
@@ -26362,7 +27954,7 @@
               <a:t>специалисты (15%)</a:t>
             </a:r>
             <a:r>
-              <a:rPr lang="en-US" dirty="0">
+              <a:rPr lang="en-US" sz="1400" dirty="0">
                 <a:solidFill>
                   <a:schemeClr val="bg2">
                     <a:lumMod val="50000"/>
@@ -26373,12 +27965,12 @@
             </a:r>
           </a:p>
           <a:p>
-            <a:pPr marL="541338" indent="-93663">
+            <a:pPr marL="541338" indent="-93663" algn="just">
               <a:buFont typeface="Arial" panose="020B0604020202020204" pitchFamily="34" charset="0"/>
               <a:buChar char="•"/>
             </a:pPr>
             <a:r>
-              <a:rPr lang="ru-RU" dirty="0">
+              <a:rPr lang="ru-RU" sz="1400" dirty="0">
                 <a:solidFill>
                   <a:schemeClr val="bg2">
                     <a:lumMod val="50000"/>
@@ -26388,7 +27980,7 @@
               <a:t>Заинтересованы в новых технологиях для повышения квалификации и создания инновационных приложений</a:t>
             </a:r>
             <a:r>
-              <a:rPr lang="en-US" dirty="0">
+              <a:rPr lang="en-US" sz="1400" dirty="0">
                 <a:solidFill>
                   <a:schemeClr val="bg2">
                     <a:lumMod val="50000"/>
@@ -26399,12 +27991,12 @@
             </a:r>
           </a:p>
           <a:p>
-            <a:pPr marL="541338" indent="-93663">
+            <a:pPr marL="541338" indent="-93663" algn="just">
               <a:buFont typeface="Arial" panose="020B0604020202020204" pitchFamily="34" charset="0"/>
               <a:buChar char="•"/>
             </a:pPr>
             <a:r>
-              <a:rPr lang="ru-RU" dirty="0">
+              <a:rPr lang="ru-RU" sz="1400" dirty="0">
                 <a:solidFill>
                   <a:schemeClr val="bg2">
                     <a:lumMod val="50000"/>
@@ -26414,7 +28006,7 @@
               <a:t>Примеры: разработчики PWA, frontend и </a:t>
             </a:r>
             <a:r>
-              <a:rPr lang="ru-RU" dirty="0" err="1">
+              <a:rPr lang="ru-RU" sz="1400" dirty="0" err="1">
                 <a:solidFill>
                   <a:schemeClr val="bg2">
                     <a:lumMod val="50000"/>
@@ -26424,7 +28016,7 @@
               <a:t>backend</a:t>
             </a:r>
             <a:r>
-              <a:rPr lang="ru-RU" dirty="0">
+              <a:rPr lang="ru-RU" sz="1400" dirty="0">
                 <a:solidFill>
                   <a:schemeClr val="bg2">
                     <a:lumMod val="50000"/>
@@ -26433,7 +28025,7 @@
               </a:rPr>
               <a:t> специалисты, компании-разработчики.</a:t>
             </a:r>
-            <a:endParaRPr lang="en-US" dirty="0">
+            <a:endParaRPr lang="en-US" sz="1400" dirty="0">
               <a:solidFill>
                 <a:schemeClr val="bg2">
                   <a:lumMod val="50000"/>
@@ -26442,12 +28034,12 @@
             </a:endParaRPr>
           </a:p>
           <a:p>
-            <a:pPr marL="354013" indent="-176213">
+            <a:pPr marL="354013" indent="-176213" algn="just">
               <a:buFont typeface="+mj-lt"/>
               <a:buAutoNum type="arabicPeriod" startAt="5"/>
             </a:pPr>
             <a:r>
-              <a:rPr lang="ru-RU" dirty="0">
+              <a:rPr lang="ru-RU" sz="1400" dirty="0">
                 <a:solidFill>
                   <a:schemeClr val="bg2">
                     <a:lumMod val="50000"/>
@@ -26457,7 +28049,7 @@
               <a:t>Конечные пользователи (активные интернет-пользователи) (10%)</a:t>
             </a:r>
             <a:r>
-              <a:rPr lang="en-US" dirty="0">
+              <a:rPr lang="en-US" sz="1400" dirty="0">
                 <a:solidFill>
                   <a:schemeClr val="bg2">
                     <a:lumMod val="50000"/>
@@ -26468,12 +28060,12 @@
             </a:r>
           </a:p>
           <a:p>
-            <a:pPr marL="541338" indent="-93663">
+            <a:pPr marL="541338" indent="-93663" algn="just">
               <a:buFont typeface="Arial" panose="020B0604020202020204" pitchFamily="34" charset="0"/>
               <a:buChar char="•"/>
             </a:pPr>
             <a:r>
-              <a:rPr lang="ru-RU" dirty="0">
+              <a:rPr lang="ru-RU" sz="1400" dirty="0">
                 <a:solidFill>
                   <a:schemeClr val="bg2">
                     <a:lumMod val="50000"/>
@@ -26483,7 +28075,7 @@
               <a:t>Стремятся к удобству использования, доступу к приложениям оффлайн и повышенной безопасности</a:t>
             </a:r>
             <a:r>
-              <a:rPr lang="en-US" dirty="0">
+              <a:rPr lang="en-US" sz="1400" dirty="0">
                 <a:solidFill>
                   <a:schemeClr val="bg2">
                     <a:lumMod val="50000"/>
@@ -26494,12 +28086,12 @@
             </a:r>
           </a:p>
           <a:p>
-            <a:pPr marL="541338" indent="-93663">
+            <a:pPr marL="541338" indent="-93663" algn="just">
               <a:buFont typeface="Arial" panose="020B0604020202020204" pitchFamily="34" charset="0"/>
               <a:buChar char="•"/>
             </a:pPr>
             <a:r>
-              <a:rPr lang="ru-RU" dirty="0">
+              <a:rPr lang="ru-RU" sz="1400" dirty="0">
                 <a:solidFill>
                   <a:schemeClr val="bg2">
                     <a:lumMod val="50000"/>
@@ -26524,13 +28116,13 @@
           <p:nvPr>
             <p:extLst>
               <p:ext uri="{D42A27DB-BD31-4B8C-83A1-F6EECF244321}">
-                <p14:modId xmlns:p14="http://schemas.microsoft.com/office/powerpoint/2010/main" val="439833620"/>
+                <p14:modId xmlns:p14="http://schemas.microsoft.com/office/powerpoint/2010/main" val="1639505117"/>
               </p:ext>
             </p:extLst>
           </p:nvPr>
         </p:nvGraphicFramePr>
         <p:xfrm>
-          <a:off x="7059561" y="86740"/>
+          <a:off x="7128387" y="0"/>
           <a:ext cx="5063613" cy="4104260"/>
         </p:xfrm>
         <a:graphic>
@@ -26539,6 +28131,114 @@
           </a:graphicData>
         </a:graphic>
       </p:graphicFrame>
+      <p:pic>
+        <p:nvPicPr>
+          <p:cNvPr id="7" name="Рисунок 6" descr="Изображение выглядит как текст, Графика, логотип, Шрифт&#10;&#10;Автоматически созданное описание">
+            <a:extLst>
+              <a:ext uri="{FF2B5EF4-FFF2-40B4-BE49-F238E27FC236}">
+                <a16:creationId xmlns:a16="http://schemas.microsoft.com/office/drawing/2014/main" id="{B1C8ADDC-D4FA-B85D-46B3-A5AFD4308A97}"/>
+              </a:ext>
+            </a:extLst>
+          </p:cNvPr>
+          <p:cNvPicPr>
+            <a:picLocks noChangeAspect="1"/>
+          </p:cNvPicPr>
+          <p:nvPr/>
+        </p:nvPicPr>
+        <p:blipFill>
+          <a:blip r:embed="rId3">
+            <a:extLst>
+              <a:ext uri="{28A0092B-C50C-407E-A947-70E740481C1C}">
+                <a14:useLocalDpi xmlns:a14="http://schemas.microsoft.com/office/drawing/2010/main" val="0"/>
+              </a:ext>
+            </a:extLst>
+          </a:blip>
+          <a:stretch>
+            <a:fillRect/>
+          </a:stretch>
+        </p:blipFill>
+        <p:spPr>
+          <a:xfrm>
+            <a:off x="11232000" y="5947281"/>
+            <a:ext cx="831837" cy="763600"/>
+          </a:xfrm>
+          <a:prstGeom prst="rect">
+            <a:avLst/>
+          </a:prstGeom>
+        </p:spPr>
+      </p:pic>
+      <p:pic>
+        <p:nvPicPr>
+          <p:cNvPr id="9" name="Рисунок 8" descr="Изображение выглядит как текст, Шрифт, снимок экрана, Графика&#10;&#10;Автоматически созданное описание">
+            <a:extLst>
+              <a:ext uri="{FF2B5EF4-FFF2-40B4-BE49-F238E27FC236}">
+                <a16:creationId xmlns:a16="http://schemas.microsoft.com/office/drawing/2014/main" id="{BBEA6FB6-26EA-AEC5-A5CE-12D047BFC735}"/>
+              </a:ext>
+            </a:extLst>
+          </p:cNvPr>
+          <p:cNvPicPr>
+            <a:picLocks noChangeAspect="1"/>
+          </p:cNvPicPr>
+          <p:nvPr/>
+        </p:nvPicPr>
+        <p:blipFill>
+          <a:blip r:embed="rId4">
+            <a:extLst>
+              <a:ext uri="{28A0092B-C50C-407E-A947-70E740481C1C}">
+                <a14:useLocalDpi xmlns:a14="http://schemas.microsoft.com/office/drawing/2010/main" val="0"/>
+              </a:ext>
+            </a:extLst>
+          </a:blip>
+          <a:stretch>
+            <a:fillRect/>
+          </a:stretch>
+        </p:blipFill>
+        <p:spPr>
+          <a:xfrm>
+            <a:off x="9784125" y="6029387"/>
+            <a:ext cx="1377264" cy="599387"/>
+          </a:xfrm>
+          <a:prstGeom prst="rect">
+            <a:avLst/>
+          </a:prstGeom>
+        </p:spPr>
+      </p:pic>
+      <p:pic>
+        <p:nvPicPr>
+          <p:cNvPr id="10" name="Рисунок 9" descr="Изображение выглядит как фиолетовый, снимок экрана, Фиолетовый, Красочность&#10;&#10;Автоматически созданное описание">
+            <a:extLst>
+              <a:ext uri="{FF2B5EF4-FFF2-40B4-BE49-F238E27FC236}">
+                <a16:creationId xmlns:a16="http://schemas.microsoft.com/office/drawing/2014/main" id="{F651B058-1543-0D90-1ABD-1531B1A8A5A6}"/>
+              </a:ext>
+            </a:extLst>
+          </p:cNvPr>
+          <p:cNvPicPr>
+            <a:picLocks noChangeAspect="1"/>
+          </p:cNvPicPr>
+          <p:nvPr/>
+        </p:nvPicPr>
+        <p:blipFill>
+          <a:blip r:embed="rId5">
+            <a:extLst>
+              <a:ext uri="{28A0092B-C50C-407E-A947-70E740481C1C}">
+                <a14:useLocalDpi xmlns:a14="http://schemas.microsoft.com/office/drawing/2010/main" val="0"/>
+              </a:ext>
+            </a:extLst>
+          </a:blip>
+          <a:stretch>
+            <a:fillRect/>
+          </a:stretch>
+        </p:blipFill>
+        <p:spPr>
+          <a:xfrm>
+            <a:off x="8275886" y="6132757"/>
+            <a:ext cx="1472934" cy="387224"/>
+          </a:xfrm>
+          <a:prstGeom prst="rect">
+            <a:avLst/>
+          </a:prstGeom>
+        </p:spPr>
+      </p:pic>
     </p:spTree>
     <p:extLst>
       <p:ext uri="{BB962C8B-B14F-4D97-AF65-F5344CB8AC3E}">
@@ -26877,9 +28577,9 @@
             </a:lvl9pPr>
           </a:lstStyle>
           <a:p>
-            <a:pPr algn="l"/>
-            <a:r>
-              <a:rPr lang="en-US" sz="1600" dirty="0">
+            <a:pPr algn="just"/>
+            <a:r>
+              <a:rPr lang="en-US" sz="1770" dirty="0">
                 <a:solidFill>
                   <a:schemeClr val="bg2">
                     <a:lumMod val="50000"/>
@@ -26890,9 +28590,9 @@
             </a:r>
           </a:p>
           <a:p>
-            <a:pPr algn="l"/>
-            <a:r>
-              <a:rPr lang="ru-RU" sz="1600" b="0" u="sng" dirty="0">
+            <a:pPr algn="just"/>
+            <a:r>
+              <a:rPr lang="ru-RU" sz="1770" b="0" u="sng" dirty="0">
                 <a:solidFill>
                   <a:schemeClr val="bg2">
                     <a:lumMod val="50000"/>
@@ -26902,7 +28602,7 @@
               <a:t>Характеристики:</a:t>
             </a:r>
             <a:r>
-              <a:rPr lang="ru-RU" sz="1600" b="0" dirty="0">
+              <a:rPr lang="ru-RU" sz="1770" b="0" dirty="0">
                 <a:solidFill>
                   <a:schemeClr val="bg2">
                     <a:lumMod val="50000"/>
@@ -26912,7 +28612,7 @@
               <a:t> Возможность установки на рабочий стол или мобильное устройство. Поддержка работы оффлайн за счет кеширования данных. </a:t>
             </a:r>
             <a:r>
-              <a:rPr lang="ru-RU" sz="1600" b="0" dirty="0" err="1">
+              <a:rPr lang="ru-RU" sz="1770" b="0" dirty="0" err="1">
                 <a:solidFill>
                   <a:schemeClr val="bg2">
                     <a:lumMod val="50000"/>
@@ -26922,7 +28622,7 @@
               <a:t>Push</a:t>
             </a:r>
             <a:r>
-              <a:rPr lang="ru-RU" sz="1600" b="0" dirty="0">
+              <a:rPr lang="ru-RU" sz="1770" b="0" dirty="0">
                 <a:solidFill>
                   <a:schemeClr val="bg2">
                     <a:lumMod val="50000"/>
@@ -26931,7 +28631,7 @@
               </a:rPr>
               <a:t>-уведомления для взаимодействия с пользователем. Обновление в реальном времени при подключении к интернету.</a:t>
             </a:r>
-            <a:endParaRPr lang="en-US" sz="1600" b="0" dirty="0">
+            <a:endParaRPr lang="en-US" sz="1770" b="0" dirty="0">
               <a:solidFill>
                 <a:schemeClr val="bg2">
                   <a:lumMod val="50000"/>
@@ -26940,8 +28640,8 @@
             </a:endParaRPr>
           </a:p>
           <a:p>
-            <a:pPr algn="l"/>
-            <a:endParaRPr lang="en-US" sz="1600" b="0" dirty="0">
+            <a:pPr algn="just"/>
+            <a:endParaRPr lang="en-US" sz="1700" b="0" dirty="0">
               <a:solidFill>
                 <a:schemeClr val="bg2">
                   <a:lumMod val="50000"/>
@@ -26950,9 +28650,9 @@
             </a:endParaRPr>
           </a:p>
           <a:p>
-            <a:pPr algn="l"/>
-            <a:r>
-              <a:rPr lang="ru-RU" sz="1600" b="0" u="sng" dirty="0">
+            <a:pPr algn="just"/>
+            <a:r>
+              <a:rPr lang="ru-RU" sz="1770" b="0" u="sng" dirty="0">
                 <a:solidFill>
                   <a:schemeClr val="bg2">
                     <a:lumMod val="50000"/>
@@ -26962,7 +28662,7 @@
               <a:t>Структурные/программные особенности:</a:t>
             </a:r>
             <a:r>
-              <a:rPr lang="ru-RU" sz="1600" b="0" dirty="0">
+              <a:rPr lang="ru-RU" sz="1770" b="0" dirty="0">
                 <a:solidFill>
                   <a:schemeClr val="bg2">
                     <a:lumMod val="50000"/>
@@ -26972,7 +28672,7 @@
               <a:t> Использование Service </a:t>
             </a:r>
             <a:r>
-              <a:rPr lang="ru-RU" sz="1600" b="0" dirty="0" err="1">
+              <a:rPr lang="ru-RU" sz="1770" b="0" dirty="0" err="1">
                 <a:solidFill>
                   <a:schemeClr val="bg2">
                     <a:lumMod val="50000"/>
@@ -26982,7 +28682,7 @@
               <a:t>Workers</a:t>
             </a:r>
             <a:r>
-              <a:rPr lang="ru-RU" sz="1600" b="0" dirty="0">
+              <a:rPr lang="ru-RU" sz="1770" b="0" dirty="0">
                 <a:solidFill>
                   <a:schemeClr val="bg2">
                     <a:lumMod val="50000"/>
@@ -26991,7 +28691,7 @@
               </a:rPr>
               <a:t> для работы оффлайн и кэширования. Применение манифеста для настройки значков и внешнего вида приложения.</a:t>
             </a:r>
-            <a:endParaRPr lang="en-US" sz="1600" b="0" dirty="0">
+            <a:endParaRPr lang="en-US" sz="1770" b="0" dirty="0">
               <a:solidFill>
                 <a:schemeClr val="bg2">
                   <a:lumMod val="50000"/>
@@ -27000,8 +28700,8 @@
             </a:endParaRPr>
           </a:p>
           <a:p>
-            <a:pPr algn="l"/>
-            <a:endParaRPr lang="en-US" sz="1600" b="0" dirty="0">
+            <a:pPr algn="just"/>
+            <a:endParaRPr lang="en-US" sz="1770" b="0" dirty="0">
               <a:solidFill>
                 <a:schemeClr val="bg2">
                   <a:lumMod val="50000"/>
@@ -27010,9 +28710,9 @@
             </a:endParaRPr>
           </a:p>
           <a:p>
-            <a:pPr algn="l"/>
-            <a:r>
-              <a:rPr lang="ru-RU" sz="1600" b="0" u="sng" dirty="0">
+            <a:pPr algn="just"/>
+            <a:r>
+              <a:rPr lang="ru-RU" sz="1770" b="0" u="sng" dirty="0">
                 <a:solidFill>
                   <a:schemeClr val="bg2">
                     <a:lumMod val="50000"/>
@@ -27022,7 +28722,7 @@
               <a:t>Сфера применения:</a:t>
             </a:r>
             <a:r>
-              <a:rPr lang="ru-RU" sz="1600" b="0" dirty="0">
+              <a:rPr lang="ru-RU" sz="1770" b="0" dirty="0">
                 <a:solidFill>
                   <a:schemeClr val="bg2">
                     <a:lumMod val="50000"/>
@@ -27032,7 +28732,7 @@
               <a:t> Подходит для e-</a:t>
             </a:r>
             <a:r>
-              <a:rPr lang="ru-RU" sz="1600" b="0" dirty="0" err="1">
+              <a:rPr lang="ru-RU" sz="1770" b="0" dirty="0" err="1">
                 <a:solidFill>
                   <a:schemeClr val="bg2">
                     <a:lumMod val="50000"/>
@@ -27042,7 +28742,7 @@
               <a:t>commerce</a:t>
             </a:r>
             <a:r>
-              <a:rPr lang="ru-RU" sz="1600" b="0" dirty="0">
+              <a:rPr lang="ru-RU" sz="1770" b="0" dirty="0">
                 <a:solidFill>
                   <a:schemeClr val="bg2">
                     <a:lumMod val="50000"/>
@@ -27051,7 +28751,7 @@
               </a:rPr>
               <a:t>, новостных порталов, соцсетей, а также любых веб-приложений с высоким трафиком и активным взаимодействием с пользователями. </a:t>
             </a:r>
-            <a:endParaRPr lang="en-US" sz="1600" b="0" dirty="0">
+            <a:endParaRPr lang="en-US" sz="1770" b="0" dirty="0">
               <a:solidFill>
                 <a:schemeClr val="bg2">
                   <a:lumMod val="50000"/>
@@ -27060,8 +28760,8 @@
             </a:endParaRPr>
           </a:p>
           <a:p>
-            <a:pPr algn="l"/>
-            <a:endParaRPr lang="en-US" sz="1600" b="0" u="sng" dirty="0">
+            <a:pPr algn="just"/>
+            <a:endParaRPr lang="en-US" sz="1770" b="0" u="sng" dirty="0">
               <a:solidFill>
                 <a:schemeClr val="bg2">
                   <a:lumMod val="50000"/>
@@ -27070,9 +28770,9 @@
             </a:endParaRPr>
           </a:p>
           <a:p>
-            <a:pPr algn="l"/>
-            <a:r>
-              <a:rPr lang="ru-RU" sz="1600" b="0" u="sng" dirty="0">
+            <a:pPr algn="just"/>
+            <a:r>
+              <a:rPr lang="ru-RU" sz="1770" b="0" u="sng" dirty="0">
                 <a:solidFill>
                   <a:schemeClr val="bg2">
                     <a:lumMod val="50000"/>
@@ -27082,7 +28782,7 @@
               <a:t>Стоимость разработки:</a:t>
             </a:r>
             <a:r>
-              <a:rPr lang="ru-RU" sz="1600" b="0" dirty="0">
+              <a:rPr lang="ru-RU" sz="1770" b="0" dirty="0">
                 <a:solidFill>
                   <a:schemeClr val="bg2">
                     <a:lumMod val="50000"/>
@@ -27091,7 +28791,7 @@
               </a:rPr>
               <a:t> Как правило, ниже, чем у нативных мобильных приложений, так как PWA поддерживается на всех платформах без создания отдельных версий. </a:t>
             </a:r>
-            <a:endParaRPr lang="en-US" sz="1600" b="0" dirty="0">
+            <a:endParaRPr lang="en-US" sz="1770" b="0" dirty="0">
               <a:solidFill>
                 <a:schemeClr val="bg2">
                   <a:lumMod val="50000"/>
@@ -27100,9 +28800,9 @@
             </a:endParaRPr>
           </a:p>
           <a:p>
-            <a:pPr algn="l"/>
-            <a:r>
-              <a:rPr lang="ru-RU" sz="1600" b="0" dirty="0">
+            <a:pPr algn="just"/>
+            <a:r>
+              <a:rPr lang="ru-RU" sz="1770" b="0" dirty="0">
                 <a:solidFill>
                   <a:schemeClr val="bg2">
                     <a:lumMod val="50000"/>
@@ -27111,7 +28811,7 @@
               </a:rPr>
               <a:t>Примеры: Twitter Lite: Пример быстрого и легковесного приложения для социальной сети. Starbucks: Поддержка оффлайн-доступа к меню и оформлению заказов.</a:t>
             </a:r>
-            <a:endParaRPr lang="en-US" sz="1600" b="0" dirty="0">
+            <a:endParaRPr lang="en-US" sz="1770" b="0" dirty="0">
               <a:solidFill>
                 <a:schemeClr val="bg2">
                   <a:lumMod val="50000"/>
@@ -27120,8 +28820,8 @@
             </a:endParaRPr>
           </a:p>
           <a:p>
-            <a:pPr algn="l"/>
-            <a:endParaRPr lang="en-US" sz="1600" b="0" dirty="0">
+            <a:pPr algn="just"/>
+            <a:endParaRPr lang="en-US" sz="1770" b="0" dirty="0">
               <a:solidFill>
                 <a:schemeClr val="bg2">
                   <a:lumMod val="50000"/>
@@ -27130,9 +28830,9 @@
             </a:endParaRPr>
           </a:p>
           <a:p>
-            <a:pPr algn="l"/>
-            <a:r>
-              <a:rPr lang="ru-RU" sz="1600" b="0" u="sng" dirty="0">
+            <a:pPr algn="just"/>
+            <a:r>
+              <a:rPr lang="ru-RU" sz="1770" b="0" u="sng" dirty="0">
                 <a:solidFill>
                   <a:schemeClr val="bg2">
                     <a:lumMod val="50000"/>
@@ -27142,7 +28842,7 @@
               <a:t>Примеры</a:t>
             </a:r>
             <a:r>
-              <a:rPr lang="en-US" sz="1600" b="0" u="sng" dirty="0">
+              <a:rPr lang="en-US" sz="1770" b="0" u="sng" dirty="0">
                 <a:solidFill>
                   <a:schemeClr val="bg2">
                     <a:lumMod val="50000"/>
@@ -27152,7 +28852,7 @@
               <a:t>:</a:t>
             </a:r>
             <a:r>
-              <a:rPr lang="en-US" sz="1600" b="0" dirty="0">
+              <a:rPr lang="en-US" sz="1770" b="0" dirty="0">
                 <a:solidFill>
                   <a:schemeClr val="bg2">
                     <a:lumMod val="50000"/>
@@ -27162,7 +28862,7 @@
               <a:t> </a:t>
             </a:r>
             <a:r>
-              <a:rPr lang="en-US" sz="1600" dirty="0">
+              <a:rPr lang="en-US" sz="1770" dirty="0">
                 <a:solidFill>
                   <a:schemeClr val="bg2">
                     <a:lumMod val="50000"/>
@@ -27171,7 +28871,7 @@
               </a:rPr>
               <a:t>Twitter Lite, Starbucks.</a:t>
             </a:r>
-            <a:endParaRPr lang="ru-RU" sz="1600" dirty="0">
+            <a:endParaRPr lang="ru-RU" sz="1770" dirty="0">
               <a:solidFill>
                 <a:schemeClr val="bg2">
                   <a:lumMod val="50000"/>
@@ -27181,6 +28881,114 @@
           </a:p>
         </p:txBody>
       </p:sp>
+      <p:pic>
+        <p:nvPicPr>
+          <p:cNvPr id="3" name="Рисунок 2" descr="Изображение выглядит как текст, Графика, логотип, Шрифт&#10;&#10;Автоматически созданное описание">
+            <a:extLst>
+              <a:ext uri="{FF2B5EF4-FFF2-40B4-BE49-F238E27FC236}">
+                <a16:creationId xmlns:a16="http://schemas.microsoft.com/office/drawing/2014/main" id="{A4FAFDF2-DF34-552C-1940-4698504F2A5A}"/>
+              </a:ext>
+            </a:extLst>
+          </p:cNvPr>
+          <p:cNvPicPr>
+            <a:picLocks noChangeAspect="1"/>
+          </p:cNvPicPr>
+          <p:nvPr/>
+        </p:nvPicPr>
+        <p:blipFill>
+          <a:blip r:embed="rId2">
+            <a:extLst>
+              <a:ext uri="{28A0092B-C50C-407E-A947-70E740481C1C}">
+                <a14:useLocalDpi xmlns:a14="http://schemas.microsoft.com/office/drawing/2010/main" val="0"/>
+              </a:ext>
+            </a:extLst>
+          </a:blip>
+          <a:stretch>
+            <a:fillRect/>
+          </a:stretch>
+        </p:blipFill>
+        <p:spPr>
+          <a:xfrm>
+            <a:off x="11232000" y="5947281"/>
+            <a:ext cx="831837" cy="763600"/>
+          </a:xfrm>
+          <a:prstGeom prst="rect">
+            <a:avLst/>
+          </a:prstGeom>
+        </p:spPr>
+      </p:pic>
+      <p:pic>
+        <p:nvPicPr>
+          <p:cNvPr id="4" name="Рисунок 3" descr="Изображение выглядит как текст, Шрифт, снимок экрана, Графика&#10;&#10;Автоматически созданное описание">
+            <a:extLst>
+              <a:ext uri="{FF2B5EF4-FFF2-40B4-BE49-F238E27FC236}">
+                <a16:creationId xmlns:a16="http://schemas.microsoft.com/office/drawing/2014/main" id="{CD7746CE-1F35-EB84-5331-98A1DD858035}"/>
+              </a:ext>
+            </a:extLst>
+          </p:cNvPr>
+          <p:cNvPicPr>
+            <a:picLocks noChangeAspect="1"/>
+          </p:cNvPicPr>
+          <p:nvPr/>
+        </p:nvPicPr>
+        <p:blipFill>
+          <a:blip r:embed="rId3">
+            <a:extLst>
+              <a:ext uri="{28A0092B-C50C-407E-A947-70E740481C1C}">
+                <a14:useLocalDpi xmlns:a14="http://schemas.microsoft.com/office/drawing/2010/main" val="0"/>
+              </a:ext>
+            </a:extLst>
+          </a:blip>
+          <a:stretch>
+            <a:fillRect/>
+          </a:stretch>
+        </p:blipFill>
+        <p:spPr>
+          <a:xfrm>
+            <a:off x="9784125" y="6029387"/>
+            <a:ext cx="1377264" cy="599387"/>
+          </a:xfrm>
+          <a:prstGeom prst="rect">
+            <a:avLst/>
+          </a:prstGeom>
+        </p:spPr>
+      </p:pic>
+      <p:pic>
+        <p:nvPicPr>
+          <p:cNvPr id="6" name="Рисунок 5" descr="Изображение выглядит как фиолетовый, снимок экрана, Фиолетовый, Красочность&#10;&#10;Автоматически созданное описание">
+            <a:extLst>
+              <a:ext uri="{FF2B5EF4-FFF2-40B4-BE49-F238E27FC236}">
+                <a16:creationId xmlns:a16="http://schemas.microsoft.com/office/drawing/2014/main" id="{D77ECF0F-52E5-6CEC-68AE-7EACB767A27C}"/>
+              </a:ext>
+            </a:extLst>
+          </p:cNvPr>
+          <p:cNvPicPr>
+            <a:picLocks noChangeAspect="1"/>
+          </p:cNvPicPr>
+          <p:nvPr/>
+        </p:nvPicPr>
+        <p:blipFill>
+          <a:blip r:embed="rId4">
+            <a:extLst>
+              <a:ext uri="{28A0092B-C50C-407E-A947-70E740481C1C}">
+                <a14:useLocalDpi xmlns:a14="http://schemas.microsoft.com/office/drawing/2010/main" val="0"/>
+              </a:ext>
+            </a:extLst>
+          </a:blip>
+          <a:stretch>
+            <a:fillRect/>
+          </a:stretch>
+        </p:blipFill>
+        <p:spPr>
+          <a:xfrm>
+            <a:off x="8275886" y="6132757"/>
+            <a:ext cx="1472934" cy="387224"/>
+          </a:xfrm>
+          <a:prstGeom prst="rect">
+            <a:avLst/>
+          </a:prstGeom>
+        </p:spPr>
+      </p:pic>
     </p:spTree>
     <p:extLst>
       <p:ext uri="{BB962C8B-B14F-4D97-AF65-F5344CB8AC3E}">
@@ -27519,9 +29327,9 @@
             </a:lvl9pPr>
           </a:lstStyle>
           <a:p>
-            <a:pPr algn="l"/>
-            <a:r>
-              <a:rPr lang="en-US" sz="1800" dirty="0" err="1">
+            <a:pPr algn="just"/>
+            <a:r>
+              <a:rPr lang="en-US" sz="1900" dirty="0" err="1">
                 <a:solidFill>
                   <a:schemeClr val="bg2">
                     <a:lumMod val="50000"/>
@@ -27531,7 +29339,7 @@
               <a:t>WebAssembly</a:t>
             </a:r>
             <a:r>
-              <a:rPr lang="en-US" sz="1800" dirty="0">
+              <a:rPr lang="en-US" sz="1900" dirty="0">
                 <a:solidFill>
                   <a:schemeClr val="bg2">
                     <a:lumMod val="50000"/>
@@ -27542,9 +29350,9 @@
             </a:r>
           </a:p>
           <a:p>
-            <a:pPr algn="l"/>
-            <a:r>
-              <a:rPr lang="ru-RU" sz="1800" b="0" u="sng" dirty="0">
+            <a:pPr algn="just"/>
+            <a:r>
+              <a:rPr lang="ru-RU" sz="1900" b="0" u="sng" dirty="0">
                 <a:solidFill>
                   <a:schemeClr val="bg2">
                     <a:lumMod val="50000"/>
@@ -27554,7 +29362,7 @@
               <a:t>Характеристики:</a:t>
             </a:r>
             <a:r>
-              <a:rPr lang="ru-RU" sz="1800" b="0" dirty="0">
+              <a:rPr lang="ru-RU" sz="1900" b="0" dirty="0">
                 <a:solidFill>
                   <a:schemeClr val="bg2">
                     <a:lumMod val="50000"/>
@@ -27564,7 +29372,7 @@
               <a:t> Байт-код, исполняемый в браузере, что значительно повышает производительность. Позволяет использовать C/C++ и </a:t>
             </a:r>
             <a:r>
-              <a:rPr lang="ru-RU" sz="1800" b="0" dirty="0" err="1">
+              <a:rPr lang="ru-RU" sz="1900" b="0" dirty="0" err="1">
                 <a:solidFill>
                   <a:schemeClr val="bg2">
                     <a:lumMod val="50000"/>
@@ -27574,7 +29382,7 @@
               <a:t>Rust</a:t>
             </a:r>
             <a:r>
-              <a:rPr lang="ru-RU" sz="1800" b="0" dirty="0">
+              <a:rPr lang="ru-RU" sz="1900" b="0" dirty="0">
                 <a:solidFill>
                   <a:schemeClr val="bg2">
                     <a:lumMod val="50000"/>
@@ -27583,7 +29391,7 @@
               </a:rPr>
               <a:t> для создания высокопроизводительных веб-приложений.</a:t>
             </a:r>
-            <a:endParaRPr lang="en-US" sz="1800" b="0" dirty="0">
+            <a:endParaRPr lang="en-US" sz="1900" b="0" dirty="0">
               <a:solidFill>
                 <a:schemeClr val="bg2">
                   <a:lumMod val="50000"/>
@@ -27592,8 +29400,8 @@
             </a:endParaRPr>
           </a:p>
           <a:p>
-            <a:pPr algn="l"/>
-            <a:endParaRPr lang="en-US" sz="1800" b="0" dirty="0">
+            <a:pPr algn="just"/>
+            <a:endParaRPr lang="en-US" sz="1900" b="0" dirty="0">
               <a:solidFill>
                 <a:schemeClr val="bg2">
                   <a:lumMod val="50000"/>
@@ -27602,9 +29410,9 @@
             </a:endParaRPr>
           </a:p>
           <a:p>
-            <a:pPr algn="l"/>
-            <a:r>
-              <a:rPr lang="ru-RU" sz="1800" b="0" u="sng" dirty="0">
+            <a:pPr algn="just"/>
+            <a:r>
+              <a:rPr lang="ru-RU" sz="1900" b="0" u="sng" dirty="0">
                 <a:solidFill>
                   <a:schemeClr val="bg2">
                     <a:lumMod val="50000"/>
@@ -27614,7 +29422,7 @@
               <a:t>Структурные/программные особенности:</a:t>
             </a:r>
             <a:r>
-              <a:rPr lang="ru-RU" sz="1800" b="0" dirty="0">
+              <a:rPr lang="ru-RU" sz="1900" b="0" dirty="0">
                 <a:solidFill>
                   <a:schemeClr val="bg2">
                     <a:lumMod val="50000"/>
@@ -27623,7 +29431,7 @@
               </a:rPr>
               <a:t> Работает внутри песочницы, обеспечивая безопасность. Поддержка многопоточности и работы с памятью.</a:t>
             </a:r>
-            <a:endParaRPr lang="en-US" sz="1800" b="0" dirty="0">
+            <a:endParaRPr lang="en-US" sz="1900" b="0" dirty="0">
               <a:solidFill>
                 <a:schemeClr val="bg2">
                   <a:lumMod val="50000"/>
@@ -27632,8 +29440,8 @@
             </a:endParaRPr>
           </a:p>
           <a:p>
-            <a:pPr algn="l"/>
-            <a:endParaRPr lang="en-US" sz="1800" b="0" dirty="0">
+            <a:pPr algn="just"/>
+            <a:endParaRPr lang="en-US" sz="1900" b="0" dirty="0">
               <a:solidFill>
                 <a:schemeClr val="bg2">
                   <a:lumMod val="50000"/>
@@ -27642,9 +29450,9 @@
             </a:endParaRPr>
           </a:p>
           <a:p>
-            <a:pPr algn="l"/>
-            <a:r>
-              <a:rPr lang="ru-RU" sz="1800" b="0" u="sng" dirty="0">
+            <a:pPr algn="just"/>
+            <a:r>
+              <a:rPr lang="ru-RU" sz="1900" b="0" u="sng" dirty="0">
                 <a:solidFill>
                   <a:schemeClr val="bg2">
                     <a:lumMod val="50000"/>
@@ -27654,7 +29462,7 @@
               <a:t>Сфера применения:</a:t>
             </a:r>
             <a:r>
-              <a:rPr lang="ru-RU" sz="1800" b="0" dirty="0">
+              <a:rPr lang="ru-RU" sz="1900" b="0" dirty="0">
                 <a:solidFill>
                   <a:schemeClr val="bg2">
                     <a:lumMod val="50000"/>
@@ -27663,7 +29471,7 @@
               </a:rPr>
               <a:t> Подходит для приложений, требующих высокой производительности, таких как игры, редакторы графики, системы проектирования (например, САПР).</a:t>
             </a:r>
-            <a:endParaRPr lang="en-US" sz="1800" b="0" dirty="0">
+            <a:endParaRPr lang="en-US" sz="1900" b="0" dirty="0">
               <a:solidFill>
                 <a:schemeClr val="bg2">
                   <a:lumMod val="50000"/>
@@ -27672,8 +29480,8 @@
             </a:endParaRPr>
           </a:p>
           <a:p>
-            <a:pPr algn="l"/>
-            <a:endParaRPr lang="en-US" sz="1800" b="0" u="sng" dirty="0">
+            <a:pPr algn="just"/>
+            <a:endParaRPr lang="en-US" sz="1900" b="0" u="sng" dirty="0">
               <a:solidFill>
                 <a:schemeClr val="bg2">
                   <a:lumMod val="50000"/>
@@ -27682,9 +29490,9 @@
             </a:endParaRPr>
           </a:p>
           <a:p>
-            <a:pPr algn="l"/>
-            <a:r>
-              <a:rPr lang="ru-RU" sz="1800" b="0" u="sng" dirty="0">
+            <a:pPr algn="just"/>
+            <a:r>
+              <a:rPr lang="ru-RU" sz="1900" b="0" u="sng" dirty="0">
                 <a:solidFill>
                   <a:schemeClr val="bg2">
                     <a:lumMod val="50000"/>
@@ -27694,7 +29502,7 @@
               <a:t>Стоимость разработки:</a:t>
             </a:r>
             <a:r>
-              <a:rPr lang="ru-RU" sz="1800" b="0" dirty="0">
+              <a:rPr lang="ru-RU" sz="1900" b="0" dirty="0">
                 <a:solidFill>
                   <a:schemeClr val="bg2">
                     <a:lumMod val="50000"/>
@@ -27704,7 +29512,7 @@
               <a:t> Может быть выше из-за необходимости разработки на C++/</a:t>
             </a:r>
             <a:r>
-              <a:rPr lang="ru-RU" sz="1800" b="0" dirty="0" err="1">
+              <a:rPr lang="ru-RU" sz="1900" b="0" dirty="0" err="1">
                 <a:solidFill>
                   <a:schemeClr val="bg2">
                     <a:lumMod val="50000"/>
@@ -27714,7 +29522,7 @@
               <a:t>Rust</a:t>
             </a:r>
             <a:r>
-              <a:rPr lang="ru-RU" sz="1800" b="0" dirty="0">
+              <a:rPr lang="ru-RU" sz="1900" b="0" dirty="0">
                 <a:solidFill>
                   <a:schemeClr val="bg2">
                     <a:lumMod val="50000"/>
@@ -27724,7 +29532,7 @@
               <a:t>, но часто окупается за счёт улучшенной производительности и возможности </a:t>
             </a:r>
             <a:r>
-              <a:rPr lang="ru-RU" sz="1800" b="0" dirty="0" err="1">
+              <a:rPr lang="ru-RU" sz="1900" b="0" dirty="0" err="1">
                 <a:solidFill>
                   <a:schemeClr val="bg2">
                     <a:lumMod val="50000"/>
@@ -27734,7 +29542,7 @@
               <a:t>переиспользования</a:t>
             </a:r>
             <a:r>
-              <a:rPr lang="ru-RU" sz="1800" b="0" dirty="0">
+              <a:rPr lang="ru-RU" sz="1900" b="0" dirty="0">
                 <a:solidFill>
                   <a:schemeClr val="bg2">
                     <a:lumMod val="50000"/>
@@ -27743,7 +29551,7 @@
               </a:rPr>
               <a:t> кода.</a:t>
             </a:r>
-            <a:endParaRPr lang="en-US" sz="1800" b="0" dirty="0">
+            <a:endParaRPr lang="en-US" sz="1900" b="0" dirty="0">
               <a:solidFill>
                 <a:schemeClr val="bg2">
                   <a:lumMod val="50000"/>
@@ -27752,8 +29560,8 @@
             </a:endParaRPr>
           </a:p>
           <a:p>
-            <a:pPr algn="l"/>
-            <a:endParaRPr lang="en-US" sz="1800" b="0" dirty="0">
+            <a:pPr algn="just"/>
+            <a:endParaRPr lang="en-US" sz="1900" b="0" dirty="0">
               <a:solidFill>
                 <a:schemeClr val="bg2">
                   <a:lumMod val="50000"/>
@@ -27762,9 +29570,9 @@
             </a:endParaRPr>
           </a:p>
           <a:p>
-            <a:pPr algn="l"/>
-            <a:r>
-              <a:rPr lang="ru-RU" sz="1800" b="0" u="sng" dirty="0">
+            <a:pPr algn="just"/>
+            <a:r>
+              <a:rPr lang="ru-RU" sz="1900" b="0" u="sng" dirty="0">
                 <a:solidFill>
                   <a:schemeClr val="bg2">
                     <a:lumMod val="50000"/>
@@ -27774,7 +29582,7 @@
               <a:t>Примеры</a:t>
             </a:r>
             <a:r>
-              <a:rPr lang="en-US" sz="1800" b="0" u="sng" dirty="0">
+              <a:rPr lang="en-US" sz="1900" b="0" u="sng" dirty="0">
                 <a:solidFill>
                   <a:schemeClr val="bg2">
                     <a:lumMod val="50000"/>
@@ -27784,7 +29592,7 @@
               <a:t>:</a:t>
             </a:r>
             <a:r>
-              <a:rPr lang="en-US" sz="1800" b="0" dirty="0">
+              <a:rPr lang="en-US" sz="1900" b="0" dirty="0">
                 <a:solidFill>
                   <a:schemeClr val="bg2">
                     <a:lumMod val="50000"/>
@@ -27794,7 +29602,7 @@
               <a:t> </a:t>
             </a:r>
             <a:r>
-              <a:rPr lang="en-US" sz="1800" dirty="0">
+              <a:rPr lang="en-US" sz="1900" dirty="0">
                 <a:solidFill>
                   <a:schemeClr val="bg2">
                     <a:lumMod val="50000"/>
@@ -27803,7 +29611,7 @@
               </a:rPr>
               <a:t>Figma, AutoCAD Web.</a:t>
             </a:r>
-            <a:endParaRPr lang="ru-RU" sz="1800" dirty="0">
+            <a:endParaRPr lang="ru-RU" sz="1900" dirty="0">
               <a:solidFill>
                 <a:schemeClr val="bg2">
                   <a:lumMod val="50000"/>
@@ -27813,6 +29621,114 @@
           </a:p>
         </p:txBody>
       </p:sp>
+      <p:pic>
+        <p:nvPicPr>
+          <p:cNvPr id="7" name="Рисунок 6" descr="Изображение выглядит как текст, Графика, логотип, Шрифт&#10;&#10;Автоматически созданное описание">
+            <a:extLst>
+              <a:ext uri="{FF2B5EF4-FFF2-40B4-BE49-F238E27FC236}">
+                <a16:creationId xmlns:a16="http://schemas.microsoft.com/office/drawing/2014/main" id="{D3AC0B03-9347-AFB6-A051-51487CEEB922}"/>
+              </a:ext>
+            </a:extLst>
+          </p:cNvPr>
+          <p:cNvPicPr>
+            <a:picLocks noChangeAspect="1"/>
+          </p:cNvPicPr>
+          <p:nvPr/>
+        </p:nvPicPr>
+        <p:blipFill>
+          <a:blip r:embed="rId2">
+            <a:extLst>
+              <a:ext uri="{28A0092B-C50C-407E-A947-70E740481C1C}">
+                <a14:useLocalDpi xmlns:a14="http://schemas.microsoft.com/office/drawing/2010/main" val="0"/>
+              </a:ext>
+            </a:extLst>
+          </a:blip>
+          <a:stretch>
+            <a:fillRect/>
+          </a:stretch>
+        </p:blipFill>
+        <p:spPr>
+          <a:xfrm>
+            <a:off x="11232000" y="5947282"/>
+            <a:ext cx="831837" cy="763600"/>
+          </a:xfrm>
+          <a:prstGeom prst="rect">
+            <a:avLst/>
+          </a:prstGeom>
+        </p:spPr>
+      </p:pic>
+      <p:pic>
+        <p:nvPicPr>
+          <p:cNvPr id="8" name="Рисунок 7" descr="Изображение выглядит как текст, Шрифт, снимок экрана, Графика&#10;&#10;Автоматически созданное описание">
+            <a:extLst>
+              <a:ext uri="{FF2B5EF4-FFF2-40B4-BE49-F238E27FC236}">
+                <a16:creationId xmlns:a16="http://schemas.microsoft.com/office/drawing/2014/main" id="{CA489E57-0845-DF32-DBDB-8263192555CE}"/>
+              </a:ext>
+            </a:extLst>
+          </p:cNvPr>
+          <p:cNvPicPr>
+            <a:picLocks noChangeAspect="1"/>
+          </p:cNvPicPr>
+          <p:nvPr/>
+        </p:nvPicPr>
+        <p:blipFill>
+          <a:blip r:embed="rId3">
+            <a:extLst>
+              <a:ext uri="{28A0092B-C50C-407E-A947-70E740481C1C}">
+                <a14:useLocalDpi xmlns:a14="http://schemas.microsoft.com/office/drawing/2010/main" val="0"/>
+              </a:ext>
+            </a:extLst>
+          </a:blip>
+          <a:stretch>
+            <a:fillRect/>
+          </a:stretch>
+        </p:blipFill>
+        <p:spPr>
+          <a:xfrm>
+            <a:off x="9784125" y="6029388"/>
+            <a:ext cx="1377264" cy="599387"/>
+          </a:xfrm>
+          <a:prstGeom prst="rect">
+            <a:avLst/>
+          </a:prstGeom>
+        </p:spPr>
+      </p:pic>
+      <p:pic>
+        <p:nvPicPr>
+          <p:cNvPr id="9" name="Рисунок 8" descr="Изображение выглядит как фиолетовый, снимок экрана, Фиолетовый, Красочность&#10;&#10;Автоматически созданное описание">
+            <a:extLst>
+              <a:ext uri="{FF2B5EF4-FFF2-40B4-BE49-F238E27FC236}">
+                <a16:creationId xmlns:a16="http://schemas.microsoft.com/office/drawing/2014/main" id="{600126C3-D33C-EA71-A8F9-72BA40BD6107}"/>
+              </a:ext>
+            </a:extLst>
+          </p:cNvPr>
+          <p:cNvPicPr>
+            <a:picLocks noChangeAspect="1"/>
+          </p:cNvPicPr>
+          <p:nvPr/>
+        </p:nvPicPr>
+        <p:blipFill>
+          <a:blip r:embed="rId4">
+            <a:extLst>
+              <a:ext uri="{28A0092B-C50C-407E-A947-70E740481C1C}">
+                <a14:useLocalDpi xmlns:a14="http://schemas.microsoft.com/office/drawing/2010/main" val="0"/>
+              </a:ext>
+            </a:extLst>
+          </a:blip>
+          <a:stretch>
+            <a:fillRect/>
+          </a:stretch>
+        </p:blipFill>
+        <p:spPr>
+          <a:xfrm>
+            <a:off x="8275886" y="6132758"/>
+            <a:ext cx="1472934" cy="387224"/>
+          </a:xfrm>
+          <a:prstGeom prst="rect">
+            <a:avLst/>
+          </a:prstGeom>
+        </p:spPr>
+      </p:pic>
     </p:spTree>
     <p:extLst>
       <p:ext uri="{BB962C8B-B14F-4D97-AF65-F5344CB8AC3E}">
@@ -28151,9 +30067,9 @@
             </a:lvl9pPr>
           </a:lstStyle>
           <a:p>
-            <a:pPr algn="l"/>
-            <a:r>
-              <a:rPr lang="en-US" sz="1800" dirty="0">
+            <a:pPr algn="just"/>
+            <a:r>
+              <a:rPr lang="en-US" sz="2100" dirty="0">
                 <a:solidFill>
                   <a:schemeClr val="bg2">
                     <a:lumMod val="50000"/>
@@ -28164,9 +30080,9 @@
             </a:r>
           </a:p>
           <a:p>
-            <a:pPr algn="l"/>
-            <a:r>
-              <a:rPr lang="ru-RU" sz="1800" b="0" u="sng" dirty="0">
+            <a:pPr algn="just"/>
+            <a:r>
+              <a:rPr lang="ru-RU" sz="2100" b="0" u="sng" dirty="0">
                 <a:solidFill>
                   <a:schemeClr val="bg2">
                     <a:lumMod val="50000"/>
@@ -28176,7 +30092,7 @@
               <a:t>Характеристики:</a:t>
             </a:r>
             <a:r>
-              <a:rPr lang="ru-RU" sz="1800" b="0" dirty="0">
+              <a:rPr lang="ru-RU" sz="2100" b="0" dirty="0">
                 <a:solidFill>
                   <a:schemeClr val="bg2">
                     <a:lumMod val="50000"/>
@@ -28185,7 +30101,7 @@
               </a:rPr>
               <a:t> Поддержка потоковой передачи видео, аудио и данных в реальном времени. Обеспечивает шифрование для безопасной передачи данных.</a:t>
             </a:r>
-            <a:endParaRPr lang="en-US" sz="1800" b="0" dirty="0">
+            <a:endParaRPr lang="en-US" sz="2100" b="0" dirty="0">
               <a:solidFill>
                 <a:schemeClr val="bg2">
                   <a:lumMod val="50000"/>
@@ -28194,8 +30110,8 @@
             </a:endParaRPr>
           </a:p>
           <a:p>
-            <a:pPr algn="l"/>
-            <a:endParaRPr lang="en-US" sz="1800" b="0" dirty="0">
+            <a:pPr algn="just"/>
+            <a:endParaRPr lang="en-US" sz="2100" b="0" dirty="0">
               <a:solidFill>
                 <a:schemeClr val="bg2">
                   <a:lumMod val="50000"/>
@@ -28204,9 +30120,9 @@
             </a:endParaRPr>
           </a:p>
           <a:p>
-            <a:pPr algn="l"/>
-            <a:r>
-              <a:rPr lang="ru-RU" sz="1800" b="0" u="sng" dirty="0">
+            <a:pPr algn="just"/>
+            <a:r>
+              <a:rPr lang="ru-RU" sz="2100" b="0" u="sng" dirty="0">
                 <a:solidFill>
                   <a:schemeClr val="bg2">
                     <a:lumMod val="50000"/>
@@ -28216,7 +30132,7 @@
               <a:t>Структурные/программные особенности:</a:t>
             </a:r>
             <a:r>
-              <a:rPr lang="ru-RU" sz="1800" b="0" dirty="0">
+              <a:rPr lang="ru-RU" sz="2100" b="0" dirty="0">
                 <a:solidFill>
                   <a:schemeClr val="bg2">
                     <a:lumMod val="50000"/>
@@ -28226,7 +30142,7 @@
               <a:t> Использует протоколы STUN/TURN для обхода NAT. API для организации </a:t>
             </a:r>
             <a:r>
-              <a:rPr lang="ru-RU" sz="1800" b="0" dirty="0" err="1">
+              <a:rPr lang="ru-RU" sz="2100" b="0" dirty="0" err="1">
                 <a:solidFill>
                   <a:schemeClr val="bg2">
                     <a:lumMod val="50000"/>
@@ -28236,7 +30152,7 @@
               <a:t>peer</a:t>
             </a:r>
             <a:r>
-              <a:rPr lang="ru-RU" sz="1800" b="0" dirty="0">
+              <a:rPr lang="ru-RU" sz="2100" b="0" dirty="0">
                 <a:solidFill>
                   <a:schemeClr val="bg2">
                     <a:lumMod val="50000"/>
@@ -28246,7 +30162,7 @@
               <a:t>-to-</a:t>
             </a:r>
             <a:r>
-              <a:rPr lang="ru-RU" sz="1800" b="0" dirty="0" err="1">
+              <a:rPr lang="ru-RU" sz="2100" b="0" dirty="0" err="1">
                 <a:solidFill>
                   <a:schemeClr val="bg2">
                     <a:lumMod val="50000"/>
@@ -28256,7 +30172,7 @@
               <a:t>peer</a:t>
             </a:r>
             <a:r>
-              <a:rPr lang="ru-RU" sz="1800" b="0" dirty="0">
+              <a:rPr lang="ru-RU" sz="2100" b="0" dirty="0">
                 <a:solidFill>
                   <a:schemeClr val="bg2">
                     <a:lumMod val="50000"/>
@@ -28265,7 +30181,7 @@
               </a:rPr>
               <a:t> соединений.</a:t>
             </a:r>
-            <a:endParaRPr lang="en-US" sz="1800" b="0" dirty="0">
+            <a:endParaRPr lang="en-US" sz="2100" b="0" dirty="0">
               <a:solidFill>
                 <a:schemeClr val="bg2">
                   <a:lumMod val="50000"/>
@@ -28274,8 +30190,8 @@
             </a:endParaRPr>
           </a:p>
           <a:p>
-            <a:pPr algn="l"/>
-            <a:endParaRPr lang="en-US" sz="1800" b="0" dirty="0">
+            <a:pPr algn="just"/>
+            <a:endParaRPr lang="en-US" sz="2100" b="0" dirty="0">
               <a:solidFill>
                 <a:schemeClr val="bg2">
                   <a:lumMod val="50000"/>
@@ -28284,9 +30200,9 @@
             </a:endParaRPr>
           </a:p>
           <a:p>
-            <a:pPr algn="l"/>
-            <a:r>
-              <a:rPr lang="ru-RU" sz="1800" b="0" u="sng" dirty="0">
+            <a:pPr algn="just"/>
+            <a:r>
+              <a:rPr lang="ru-RU" sz="2100" b="0" u="sng" dirty="0">
                 <a:solidFill>
                   <a:schemeClr val="bg2">
                     <a:lumMod val="50000"/>
@@ -28296,7 +30212,7 @@
               <a:t>Сфера применения:</a:t>
             </a:r>
             <a:r>
-              <a:rPr lang="ru-RU" sz="1800" b="0" dirty="0">
+              <a:rPr lang="ru-RU" sz="2100" b="0" dirty="0">
                 <a:solidFill>
                   <a:schemeClr val="bg2">
                     <a:lumMod val="50000"/>
@@ -28305,7 +30221,7 @@
               </a:rPr>
               <a:t> Используется для видеозвонков, онлайн-конференций, совместного редактирования, игр и интерактивного обучения.</a:t>
             </a:r>
-            <a:endParaRPr lang="en-US" sz="1800" b="0" dirty="0">
+            <a:endParaRPr lang="en-US" sz="2100" b="0" dirty="0">
               <a:solidFill>
                 <a:schemeClr val="bg2">
                   <a:lumMod val="50000"/>
@@ -28314,8 +30230,8 @@
             </a:endParaRPr>
           </a:p>
           <a:p>
-            <a:pPr algn="l"/>
-            <a:endParaRPr lang="en-US" sz="1800" b="0" u="sng" dirty="0">
+            <a:pPr algn="just"/>
+            <a:endParaRPr lang="en-US" sz="2100" b="0" u="sng" dirty="0">
               <a:solidFill>
                 <a:schemeClr val="bg2">
                   <a:lumMod val="50000"/>
@@ -28324,9 +30240,9 @@
             </a:endParaRPr>
           </a:p>
           <a:p>
-            <a:pPr algn="l"/>
-            <a:r>
-              <a:rPr lang="ru-RU" sz="1800" b="0" u="sng" dirty="0">
+            <a:pPr algn="just"/>
+            <a:r>
+              <a:rPr lang="ru-RU" sz="2100" b="0" u="sng" dirty="0">
                 <a:solidFill>
                   <a:schemeClr val="bg2">
                     <a:lumMod val="50000"/>
@@ -28336,7 +30252,7 @@
               <a:t>Стоимость разработки:</a:t>
             </a:r>
             <a:r>
-              <a:rPr lang="ru-RU" sz="1800" b="0" dirty="0">
+              <a:rPr lang="ru-RU" sz="2100" b="0" dirty="0">
                 <a:solidFill>
                   <a:schemeClr val="bg2">
                     <a:lumMod val="50000"/>
@@ -28346,7 +30262,7 @@
               <a:t> Как правило, средняя, особенно если использовать готовые библиотеки для внедрения </a:t>
             </a:r>
             <a:r>
-              <a:rPr lang="ru-RU" sz="1800" b="0" dirty="0" err="1">
+              <a:rPr lang="ru-RU" sz="2100" b="0" dirty="0" err="1">
                 <a:solidFill>
                   <a:schemeClr val="bg2">
                     <a:lumMod val="50000"/>
@@ -28356,7 +30272,7 @@
               <a:t>WebRTC</a:t>
             </a:r>
             <a:r>
-              <a:rPr lang="ru-RU" sz="1800" b="0" dirty="0">
+              <a:rPr lang="ru-RU" sz="2100" b="0" dirty="0">
                 <a:solidFill>
                   <a:schemeClr val="bg2">
                     <a:lumMod val="50000"/>
@@ -28365,7 +30281,7 @@
               </a:rPr>
               <a:t>.</a:t>
             </a:r>
-            <a:endParaRPr lang="en-US" sz="1800" b="0" dirty="0">
+            <a:endParaRPr lang="en-US" sz="2100" b="0" dirty="0">
               <a:solidFill>
                 <a:schemeClr val="bg2">
                   <a:lumMod val="50000"/>
@@ -28374,8 +30290,8 @@
             </a:endParaRPr>
           </a:p>
           <a:p>
-            <a:pPr algn="l"/>
-            <a:endParaRPr lang="en-US" sz="1800" b="0" dirty="0">
+            <a:pPr algn="just"/>
+            <a:endParaRPr lang="en-US" sz="2100" b="0" dirty="0">
               <a:solidFill>
                 <a:schemeClr val="bg2">
                   <a:lumMod val="50000"/>
@@ -28384,9 +30300,9 @@
             </a:endParaRPr>
           </a:p>
           <a:p>
-            <a:pPr algn="l"/>
-            <a:r>
-              <a:rPr lang="ru-RU" sz="1800" b="0" u="sng" dirty="0">
+            <a:pPr algn="just"/>
+            <a:r>
+              <a:rPr lang="ru-RU" sz="2100" b="0" u="sng" dirty="0">
                 <a:solidFill>
                   <a:schemeClr val="bg2">
                     <a:lumMod val="50000"/>
@@ -28396,7 +30312,7 @@
               <a:t>Примеры</a:t>
             </a:r>
             <a:r>
-              <a:rPr lang="en-US" sz="1800" b="0" u="sng" dirty="0">
+              <a:rPr lang="en-US" sz="2100" b="0" u="sng" dirty="0">
                 <a:solidFill>
                   <a:schemeClr val="bg2">
                     <a:lumMod val="50000"/>
@@ -28406,7 +30322,7 @@
               <a:t>:</a:t>
             </a:r>
             <a:r>
-              <a:rPr lang="en-US" sz="1800" b="0" dirty="0">
+              <a:rPr lang="en-US" sz="2100" b="0" dirty="0">
                 <a:solidFill>
                   <a:schemeClr val="bg2">
                     <a:lumMod val="50000"/>
@@ -28416,7 +30332,7 @@
               <a:t> </a:t>
             </a:r>
             <a:r>
-              <a:rPr lang="en-US" sz="1800" dirty="0">
+              <a:rPr lang="en-US" sz="2100" dirty="0">
                 <a:solidFill>
                   <a:schemeClr val="bg2">
                     <a:lumMod val="50000"/>
@@ -28425,7 +30341,7 @@
               </a:rPr>
               <a:t>Zoom, Google Meet.</a:t>
             </a:r>
-            <a:endParaRPr lang="ru-RU" sz="1800" dirty="0">
+            <a:endParaRPr lang="ru-RU" sz="2100" dirty="0">
               <a:solidFill>
                 <a:schemeClr val="bg2">
                   <a:lumMod val="50000"/>
@@ -28435,6 +30351,114 @@
           </a:p>
         </p:txBody>
       </p:sp>
+      <p:pic>
+        <p:nvPicPr>
+          <p:cNvPr id="3" name="Рисунок 2" descr="Изображение выглядит как текст, Графика, логотип, Шрифт&#10;&#10;Автоматически созданное описание">
+            <a:extLst>
+              <a:ext uri="{FF2B5EF4-FFF2-40B4-BE49-F238E27FC236}">
+                <a16:creationId xmlns:a16="http://schemas.microsoft.com/office/drawing/2014/main" id="{120105F9-5F86-D8BB-E5DB-4C50FBF26D8E}"/>
+              </a:ext>
+            </a:extLst>
+          </p:cNvPr>
+          <p:cNvPicPr>
+            <a:picLocks noChangeAspect="1"/>
+          </p:cNvPicPr>
+          <p:nvPr/>
+        </p:nvPicPr>
+        <p:blipFill>
+          <a:blip r:embed="rId2">
+            <a:extLst>
+              <a:ext uri="{28A0092B-C50C-407E-A947-70E740481C1C}">
+                <a14:useLocalDpi xmlns:a14="http://schemas.microsoft.com/office/drawing/2010/main" val="0"/>
+              </a:ext>
+            </a:extLst>
+          </a:blip>
+          <a:stretch>
+            <a:fillRect/>
+          </a:stretch>
+        </p:blipFill>
+        <p:spPr>
+          <a:xfrm>
+            <a:off x="11232000" y="5947281"/>
+            <a:ext cx="831837" cy="763600"/>
+          </a:xfrm>
+          <a:prstGeom prst="rect">
+            <a:avLst/>
+          </a:prstGeom>
+        </p:spPr>
+      </p:pic>
+      <p:pic>
+        <p:nvPicPr>
+          <p:cNvPr id="4" name="Рисунок 3" descr="Изображение выглядит как текст, Шрифт, снимок экрана, Графика&#10;&#10;Автоматически созданное описание">
+            <a:extLst>
+              <a:ext uri="{FF2B5EF4-FFF2-40B4-BE49-F238E27FC236}">
+                <a16:creationId xmlns:a16="http://schemas.microsoft.com/office/drawing/2014/main" id="{CDA7344E-6CBE-9A08-93D1-2C059FCDB629}"/>
+              </a:ext>
+            </a:extLst>
+          </p:cNvPr>
+          <p:cNvPicPr>
+            <a:picLocks noChangeAspect="1"/>
+          </p:cNvPicPr>
+          <p:nvPr/>
+        </p:nvPicPr>
+        <p:blipFill>
+          <a:blip r:embed="rId3">
+            <a:extLst>
+              <a:ext uri="{28A0092B-C50C-407E-A947-70E740481C1C}">
+                <a14:useLocalDpi xmlns:a14="http://schemas.microsoft.com/office/drawing/2010/main" val="0"/>
+              </a:ext>
+            </a:extLst>
+          </a:blip>
+          <a:stretch>
+            <a:fillRect/>
+          </a:stretch>
+        </p:blipFill>
+        <p:spPr>
+          <a:xfrm>
+            <a:off x="9784125" y="6029387"/>
+            <a:ext cx="1377264" cy="599387"/>
+          </a:xfrm>
+          <a:prstGeom prst="rect">
+            <a:avLst/>
+          </a:prstGeom>
+        </p:spPr>
+      </p:pic>
+      <p:pic>
+        <p:nvPicPr>
+          <p:cNvPr id="6" name="Рисунок 5" descr="Изображение выглядит как фиолетовый, снимок экрана, Фиолетовый, Красочность&#10;&#10;Автоматически созданное описание">
+            <a:extLst>
+              <a:ext uri="{FF2B5EF4-FFF2-40B4-BE49-F238E27FC236}">
+                <a16:creationId xmlns:a16="http://schemas.microsoft.com/office/drawing/2014/main" id="{A87191D9-F9FE-B95F-A8A3-B8BE42D928DA}"/>
+              </a:ext>
+            </a:extLst>
+          </p:cNvPr>
+          <p:cNvPicPr>
+            <a:picLocks noChangeAspect="1"/>
+          </p:cNvPicPr>
+          <p:nvPr/>
+        </p:nvPicPr>
+        <p:blipFill>
+          <a:blip r:embed="rId4">
+            <a:extLst>
+              <a:ext uri="{28A0092B-C50C-407E-A947-70E740481C1C}">
+                <a14:useLocalDpi xmlns:a14="http://schemas.microsoft.com/office/drawing/2010/main" val="0"/>
+              </a:ext>
+            </a:extLst>
+          </a:blip>
+          <a:stretch>
+            <a:fillRect/>
+          </a:stretch>
+        </p:blipFill>
+        <p:spPr>
+          <a:xfrm>
+            <a:off x="8275886" y="6132757"/>
+            <a:ext cx="1472934" cy="387224"/>
+          </a:xfrm>
+          <a:prstGeom prst="rect">
+            <a:avLst/>
+          </a:prstGeom>
+        </p:spPr>
+      </p:pic>
     </p:spTree>
     <p:extLst>
       <p:ext uri="{BB962C8B-B14F-4D97-AF65-F5344CB8AC3E}">
@@ -28773,7 +30797,7 @@
             </a:lvl9pPr>
           </a:lstStyle>
           <a:p>
-            <a:pPr algn="l"/>
+            <a:pPr algn="just"/>
             <a:r>
               <a:rPr lang="ru-RU" sz="1800" dirty="0">
                 <a:solidFill>
@@ -28793,7 +30817,7 @@
             </a:endParaRPr>
           </a:p>
           <a:p>
-            <a:pPr algn="l"/>
+            <a:pPr algn="just"/>
             <a:r>
               <a:rPr lang="ru-RU" sz="1800" b="0" u="sng" dirty="0">
                 <a:solidFill>
@@ -28813,7 +30837,7 @@
             </a:endParaRPr>
           </a:p>
           <a:p>
-            <a:pPr marL="285750" indent="-196850" algn="l">
+            <a:pPr marL="285750" indent="-196850" algn="just">
               <a:buFont typeface="Poppins" panose="00000500000000000000" pitchFamily="2" charset="0"/>
               <a:buChar char="∙"/>
             </a:pPr>
@@ -28836,7 +30860,7 @@
             </a:endParaRPr>
           </a:p>
           <a:p>
-            <a:pPr marL="285750" indent="-196850" algn="l">
+            <a:pPr marL="285750" indent="-196850" algn="just">
               <a:buFont typeface="Poppins" panose="00000500000000000000" pitchFamily="2" charset="0"/>
               <a:buChar char="∙"/>
             </a:pPr>
@@ -28879,7 +30903,7 @@
             </a:endParaRPr>
           </a:p>
           <a:p>
-            <a:pPr marL="285750" indent="-196850" algn="l">
+            <a:pPr marL="285750" indent="-196850" algn="just">
               <a:buFont typeface="Poppins" panose="00000500000000000000" pitchFamily="2" charset="0"/>
               <a:buChar char="∙"/>
             </a:pPr>
@@ -28902,7 +30926,7 @@
             </a:endParaRPr>
           </a:p>
           <a:p>
-            <a:pPr marL="285750" indent="-196850" algn="l">
+            <a:pPr marL="285750" indent="-196850" algn="just">
               <a:buFont typeface="Poppins" panose="00000500000000000000" pitchFamily="2" charset="0"/>
               <a:buChar char="∙"/>
             </a:pPr>
@@ -28925,7 +30949,7 @@
             </a:endParaRPr>
           </a:p>
           <a:p>
-            <a:pPr algn="l"/>
+            <a:pPr algn="just"/>
             <a:endParaRPr lang="en-US" sz="1800" b="0" dirty="0">
               <a:solidFill>
                 <a:schemeClr val="bg2">
@@ -28935,7 +30959,7 @@
             </a:endParaRPr>
           </a:p>
           <a:p>
-            <a:pPr algn="l"/>
+            <a:pPr algn="just"/>
             <a:r>
               <a:rPr lang="ru-RU" sz="1800" b="0" u="sng" dirty="0">
                 <a:solidFill>
@@ -28948,7 +30972,7 @@
             </a:r>
           </a:p>
           <a:p>
-            <a:pPr marL="285750" indent="-196850" algn="l">
+            <a:pPr marL="285750" indent="-196850" algn="just">
               <a:buFont typeface="Poppins" panose="00000500000000000000" pitchFamily="2" charset="0"/>
               <a:buChar char="∙"/>
             </a:pPr>
@@ -28984,7 +31008,7 @@
             </a:r>
           </a:p>
           <a:p>
-            <a:pPr marL="285750" indent="-196850" algn="l">
+            <a:pPr marL="285750" indent="-196850" algn="just">
               <a:buFont typeface="Poppins" panose="00000500000000000000" pitchFamily="2" charset="0"/>
               <a:buChar char="∙"/>
             </a:pPr>
@@ -29040,7 +31064,7 @@
             </a:r>
           </a:p>
           <a:p>
-            <a:pPr marL="285750" indent="-196850" algn="l">
+            <a:pPr marL="285750" indent="-196850" algn="just">
               <a:buFont typeface="Poppins" panose="00000500000000000000" pitchFamily="2" charset="0"/>
               <a:buChar char="∙"/>
             </a:pPr>
@@ -29116,7 +31140,7 @@
             </a:r>
           </a:p>
           <a:p>
-            <a:pPr marL="285750" indent="-196850" algn="l">
+            <a:pPr marL="285750" indent="-196850" algn="just">
               <a:buFont typeface="Poppins" panose="00000500000000000000" pitchFamily="2" charset="0"/>
               <a:buChar char="∙"/>
             </a:pPr>
@@ -29173,6 +31197,114 @@
           </a:p>
         </p:txBody>
       </p:sp>
+      <p:pic>
+        <p:nvPicPr>
+          <p:cNvPr id="3" name="Рисунок 2" descr="Изображение выглядит как текст, Графика, логотип, Шрифт&#10;&#10;Автоматически созданное описание">
+            <a:extLst>
+              <a:ext uri="{FF2B5EF4-FFF2-40B4-BE49-F238E27FC236}">
+                <a16:creationId xmlns:a16="http://schemas.microsoft.com/office/drawing/2014/main" id="{3BB163C9-CF48-396F-2BB1-4D154E1C6F51}"/>
+              </a:ext>
+            </a:extLst>
+          </p:cNvPr>
+          <p:cNvPicPr>
+            <a:picLocks noChangeAspect="1"/>
+          </p:cNvPicPr>
+          <p:nvPr/>
+        </p:nvPicPr>
+        <p:blipFill>
+          <a:blip r:embed="rId2">
+            <a:extLst>
+              <a:ext uri="{28A0092B-C50C-407E-A947-70E740481C1C}">
+                <a14:useLocalDpi xmlns:a14="http://schemas.microsoft.com/office/drawing/2010/main" val="0"/>
+              </a:ext>
+            </a:extLst>
+          </a:blip>
+          <a:stretch>
+            <a:fillRect/>
+          </a:stretch>
+        </p:blipFill>
+        <p:spPr>
+          <a:xfrm>
+            <a:off x="11232000" y="5947281"/>
+            <a:ext cx="831837" cy="763600"/>
+          </a:xfrm>
+          <a:prstGeom prst="rect">
+            <a:avLst/>
+          </a:prstGeom>
+        </p:spPr>
+      </p:pic>
+      <p:pic>
+        <p:nvPicPr>
+          <p:cNvPr id="4" name="Рисунок 3" descr="Изображение выглядит как текст, Шрифт, снимок экрана, Графика&#10;&#10;Автоматически созданное описание">
+            <a:extLst>
+              <a:ext uri="{FF2B5EF4-FFF2-40B4-BE49-F238E27FC236}">
+                <a16:creationId xmlns:a16="http://schemas.microsoft.com/office/drawing/2014/main" id="{186E16E4-550D-E273-73B1-E75D696F3CB5}"/>
+              </a:ext>
+            </a:extLst>
+          </p:cNvPr>
+          <p:cNvPicPr>
+            <a:picLocks noChangeAspect="1"/>
+          </p:cNvPicPr>
+          <p:nvPr/>
+        </p:nvPicPr>
+        <p:blipFill>
+          <a:blip r:embed="rId3">
+            <a:extLst>
+              <a:ext uri="{28A0092B-C50C-407E-A947-70E740481C1C}">
+                <a14:useLocalDpi xmlns:a14="http://schemas.microsoft.com/office/drawing/2010/main" val="0"/>
+              </a:ext>
+            </a:extLst>
+          </a:blip>
+          <a:stretch>
+            <a:fillRect/>
+          </a:stretch>
+        </p:blipFill>
+        <p:spPr>
+          <a:xfrm>
+            <a:off x="9784125" y="6029387"/>
+            <a:ext cx="1377264" cy="599387"/>
+          </a:xfrm>
+          <a:prstGeom prst="rect">
+            <a:avLst/>
+          </a:prstGeom>
+        </p:spPr>
+      </p:pic>
+      <p:pic>
+        <p:nvPicPr>
+          <p:cNvPr id="6" name="Рисунок 5" descr="Изображение выглядит как фиолетовый, снимок экрана, Фиолетовый, Красочность&#10;&#10;Автоматически созданное описание">
+            <a:extLst>
+              <a:ext uri="{FF2B5EF4-FFF2-40B4-BE49-F238E27FC236}">
+                <a16:creationId xmlns:a16="http://schemas.microsoft.com/office/drawing/2014/main" id="{B8B024F3-6DA2-8B85-3460-3A4CA98DB3BF}"/>
+              </a:ext>
+            </a:extLst>
+          </p:cNvPr>
+          <p:cNvPicPr>
+            <a:picLocks noChangeAspect="1"/>
+          </p:cNvPicPr>
+          <p:nvPr/>
+        </p:nvPicPr>
+        <p:blipFill>
+          <a:blip r:embed="rId4">
+            <a:extLst>
+              <a:ext uri="{28A0092B-C50C-407E-A947-70E740481C1C}">
+                <a14:useLocalDpi xmlns:a14="http://schemas.microsoft.com/office/drawing/2010/main" val="0"/>
+              </a:ext>
+            </a:extLst>
+          </a:blip>
+          <a:stretch>
+            <a:fillRect/>
+          </a:stretch>
+        </p:blipFill>
+        <p:spPr>
+          <a:xfrm>
+            <a:off x="8275886" y="6132757"/>
+            <a:ext cx="1472934" cy="387224"/>
+          </a:xfrm>
+          <a:prstGeom prst="rect">
+            <a:avLst/>
+          </a:prstGeom>
+        </p:spPr>
+      </p:pic>
     </p:spTree>
     <p:extLst>
       <p:ext uri="{BB962C8B-B14F-4D97-AF65-F5344CB8AC3E}">
@@ -29511,9 +31643,9 @@
             </a:lvl9pPr>
           </a:lstStyle>
           <a:p>
-            <a:pPr algn="l"/>
-            <a:r>
-              <a:rPr lang="ru-RU" sz="2000" dirty="0">
+            <a:pPr algn="just"/>
+            <a:r>
+              <a:rPr lang="ru-RU" sz="2400" dirty="0">
                 <a:solidFill>
                   <a:schemeClr val="bg2">
                     <a:lumMod val="50000"/>
@@ -29522,7 +31654,7 @@
               </a:rPr>
               <a:t>Обоснование выбора технологий и суть решения</a:t>
             </a:r>
-            <a:endParaRPr lang="en-US" sz="2000" dirty="0">
+            <a:endParaRPr lang="en-US" sz="2400" dirty="0">
               <a:solidFill>
                 <a:schemeClr val="bg2">
                   <a:lumMod val="50000"/>
@@ -29531,9 +31663,9 @@
             </a:endParaRPr>
           </a:p>
           <a:p>
-            <a:pPr algn="l"/>
-            <a:r>
-              <a:rPr lang="ru-RU" sz="1800" b="0" u="sng" dirty="0">
+            <a:pPr algn="just"/>
+            <a:r>
+              <a:rPr lang="ru-RU" sz="2000" b="0" u="sng" dirty="0">
                 <a:solidFill>
                   <a:schemeClr val="bg2">
                     <a:lumMod val="50000"/>
@@ -29542,7 +31674,7 @@
               </a:rPr>
               <a:t>Обоснование выбора: </a:t>
             </a:r>
-            <a:endParaRPr lang="en-US" sz="1800" b="0" u="sng" dirty="0">
+            <a:endParaRPr lang="en-US" sz="2000" b="0" u="sng" dirty="0">
               <a:solidFill>
                 <a:schemeClr val="bg2">
                   <a:lumMod val="50000"/>
@@ -29551,12 +31683,12 @@
             </a:endParaRPr>
           </a:p>
           <a:p>
-            <a:pPr marL="285750" indent="-196850" algn="l">
+            <a:pPr marL="285750" indent="-196850" algn="just">
               <a:buFont typeface="Poppins" panose="00000500000000000000" pitchFamily="2" charset="0"/>
               <a:buChar char="∙"/>
             </a:pPr>
             <a:r>
-              <a:rPr lang="ru-RU" sz="1800" b="0" dirty="0">
+              <a:rPr lang="ru-RU" sz="2000" b="0" dirty="0">
                 <a:solidFill>
                   <a:schemeClr val="bg2">
                     <a:lumMod val="50000"/>
@@ -29566,7 +31698,7 @@
               <a:t>JavaScript и </a:t>
             </a:r>
             <a:r>
-              <a:rPr lang="ru-RU" sz="1800" b="0" dirty="0" err="1">
+              <a:rPr lang="ru-RU" sz="2000" b="0" dirty="0" err="1">
                 <a:solidFill>
                   <a:schemeClr val="bg2">
                     <a:lumMod val="50000"/>
@@ -29576,7 +31708,7 @@
               <a:t>React</a:t>
             </a:r>
             <a:r>
-              <a:rPr lang="ru-RU" sz="1800" b="0" dirty="0">
+              <a:rPr lang="ru-RU" sz="2000" b="0" dirty="0">
                 <a:solidFill>
                   <a:schemeClr val="bg2">
                     <a:lumMod val="50000"/>
@@ -29585,7 +31717,7 @@
               </a:rPr>
               <a:t>: Выбраны за их популярность и возможность создания интерактивных интерфейсов, поддерживающих обновления в реальном времени. </a:t>
             </a:r>
-            <a:endParaRPr lang="en-US" sz="1800" b="0" dirty="0">
+            <a:endParaRPr lang="en-US" sz="2000" b="0" dirty="0">
               <a:solidFill>
                 <a:schemeClr val="bg2">
                   <a:lumMod val="50000"/>
@@ -29594,12 +31726,12 @@
             </a:endParaRPr>
           </a:p>
           <a:p>
-            <a:pPr marL="285750" indent="-196850" algn="l">
+            <a:pPr marL="285750" indent="-196850" algn="just">
               <a:buFont typeface="Poppins" panose="00000500000000000000" pitchFamily="2" charset="0"/>
               <a:buChar char="∙"/>
             </a:pPr>
             <a:r>
-              <a:rPr lang="ru-RU" sz="1800" b="0" dirty="0" err="1">
+              <a:rPr lang="ru-RU" sz="2000" b="0" dirty="0" err="1">
                 <a:solidFill>
                   <a:schemeClr val="bg2">
                     <a:lumMod val="50000"/>
@@ -29609,7 +31741,7 @@
               <a:t>WebAssembly</a:t>
             </a:r>
             <a:r>
-              <a:rPr lang="ru-RU" sz="1800" b="0" dirty="0">
+              <a:rPr lang="ru-RU" sz="2000" b="0" dirty="0">
                 <a:solidFill>
                   <a:schemeClr val="bg2">
                     <a:lumMod val="50000"/>
@@ -29618,7 +31750,7 @@
               </a:rPr>
               <a:t> (C++): Позволяет использовать мощные библиотеки для интенсивных вычислений и графики, что было невозможно на чистом JavaScript. </a:t>
             </a:r>
-            <a:endParaRPr lang="en-US" sz="1800" b="0" dirty="0">
+            <a:endParaRPr lang="en-US" sz="2000" b="0" dirty="0">
               <a:solidFill>
                 <a:schemeClr val="bg2">
                   <a:lumMod val="50000"/>
@@ -29627,12 +31759,12 @@
             </a:endParaRPr>
           </a:p>
           <a:p>
-            <a:pPr marL="285750" indent="-196850" algn="l">
+            <a:pPr marL="285750" indent="-196850" algn="just">
               <a:buFont typeface="Poppins" panose="00000500000000000000" pitchFamily="2" charset="0"/>
               <a:buChar char="∙"/>
             </a:pPr>
             <a:r>
-              <a:rPr lang="ru-RU" sz="1800" b="0" dirty="0" err="1">
+              <a:rPr lang="ru-RU" sz="2000" b="0" dirty="0" err="1">
                 <a:solidFill>
                   <a:schemeClr val="bg2">
                     <a:lumMod val="50000"/>
@@ -29642,7 +31774,7 @@
               <a:t>WebRTC</a:t>
             </a:r>
             <a:r>
-              <a:rPr lang="ru-RU" sz="1800" b="0" dirty="0">
+              <a:rPr lang="ru-RU" sz="2000" b="0" dirty="0">
                 <a:solidFill>
                   <a:schemeClr val="bg2">
                     <a:lumMod val="50000"/>
@@ -29651,7 +31783,7 @@
               </a:rPr>
               <a:t> API: Обеспечивает легкое и безопасное взаимодействие между пользователями через видео и аудио. </a:t>
             </a:r>
-            <a:endParaRPr lang="en-US" sz="1800" b="0" dirty="0">
+            <a:endParaRPr lang="en-US" sz="2000" b="0" dirty="0">
               <a:solidFill>
                 <a:schemeClr val="bg2">
                   <a:lumMod val="50000"/>
@@ -29660,11 +31792,11 @@
             </a:endParaRPr>
           </a:p>
           <a:p>
-            <a:pPr marL="176213" indent="-176213" algn="l">
+            <a:pPr marL="176213" indent="-176213" algn="just">
               <a:buFont typeface="Arial" panose="020B0604020202020204" pitchFamily="34" charset="0"/>
               <a:buChar char="•"/>
             </a:pPr>
-            <a:endParaRPr lang="en-US" sz="1800" b="0" dirty="0">
+            <a:endParaRPr lang="en-US" sz="2000" b="0" dirty="0">
               <a:solidFill>
                 <a:schemeClr val="bg2">
                   <a:lumMod val="50000"/>
@@ -29673,9 +31805,9 @@
             </a:endParaRPr>
           </a:p>
           <a:p>
-            <a:pPr algn="l"/>
-            <a:r>
-              <a:rPr lang="ru-RU" sz="1800" b="0" u="sng" dirty="0">
+            <a:pPr algn="just"/>
+            <a:r>
+              <a:rPr lang="ru-RU" sz="2000" b="0" u="sng" dirty="0">
                 <a:solidFill>
                   <a:schemeClr val="bg2">
                     <a:lumMod val="50000"/>
@@ -29685,7 +31817,7 @@
               <a:t>Суть решения:</a:t>
             </a:r>
             <a:r>
-              <a:rPr lang="ru-RU" sz="1800" b="0" dirty="0">
+              <a:rPr lang="ru-RU" sz="2000" b="0" dirty="0">
                 <a:solidFill>
                   <a:schemeClr val="bg2">
                     <a:lumMod val="50000"/>
@@ -29694,7 +31826,7 @@
               </a:rPr>
               <a:t> </a:t>
             </a:r>
-            <a:endParaRPr lang="en-US" sz="1800" b="0" dirty="0">
+            <a:endParaRPr lang="en-US" sz="2000" b="0" dirty="0">
               <a:solidFill>
                 <a:schemeClr val="bg2">
                   <a:lumMod val="50000"/>
@@ -29703,12 +31835,12 @@
             </a:endParaRPr>
           </a:p>
           <a:p>
-            <a:pPr marL="285750" indent="-196850" algn="l">
+            <a:pPr marL="285750" indent="-196850" algn="just">
               <a:buFont typeface="Poppins" panose="00000500000000000000" pitchFamily="2" charset="0"/>
               <a:buChar char="∙"/>
             </a:pPr>
             <a:r>
-              <a:rPr lang="ru-RU" sz="1800" b="0" dirty="0">
+              <a:rPr lang="ru-RU" sz="2000" b="0" dirty="0">
                 <a:solidFill>
                   <a:schemeClr val="bg2">
                     <a:lumMod val="50000"/>
@@ -29718,7 +31850,7 @@
               <a:t>Создание гибридного веб-приложения, совмещающего преимущества PWA и высокой производительности </a:t>
             </a:r>
             <a:r>
-              <a:rPr lang="ru-RU" sz="1800" b="0" dirty="0" err="1">
+              <a:rPr lang="ru-RU" sz="2000" b="0" dirty="0" err="1">
                 <a:solidFill>
                   <a:schemeClr val="bg2">
                     <a:lumMod val="50000"/>
@@ -29728,7 +31860,7 @@
               <a:t>WebAssembly</a:t>
             </a:r>
             <a:r>
-              <a:rPr lang="ru-RU" sz="1800" b="0" dirty="0">
+              <a:rPr lang="ru-RU" sz="2000" b="0" dirty="0">
                 <a:solidFill>
                   <a:schemeClr val="bg2">
                     <a:lumMod val="50000"/>
@@ -29738,7 +31870,7 @@
               <a:t>, с безопасными каналами связи на </a:t>
             </a:r>
             <a:r>
-              <a:rPr lang="ru-RU" sz="1800" b="0" dirty="0" err="1">
+              <a:rPr lang="ru-RU" sz="2000" b="0" dirty="0" err="1">
                 <a:solidFill>
                   <a:schemeClr val="bg2">
                     <a:lumMod val="50000"/>
@@ -29748,7 +31880,7 @@
               <a:t>WebRTC</a:t>
             </a:r>
             <a:r>
-              <a:rPr lang="ru-RU" sz="1800" b="0" dirty="0">
+              <a:rPr lang="ru-RU" sz="2000" b="0" dirty="0">
                 <a:solidFill>
                   <a:schemeClr val="bg2">
                     <a:lumMod val="50000"/>
@@ -29757,7 +31889,7 @@
               </a:rPr>
               <a:t>. </a:t>
             </a:r>
-            <a:endParaRPr lang="en-US" sz="1800" b="0" dirty="0">
+            <a:endParaRPr lang="en-US" sz="2000" b="0" dirty="0">
               <a:solidFill>
                 <a:schemeClr val="bg2">
                   <a:lumMod val="50000"/>
@@ -29766,12 +31898,12 @@
             </a:endParaRPr>
           </a:p>
           <a:p>
-            <a:pPr marL="285750" indent="-196850" algn="l">
+            <a:pPr marL="285750" indent="-196850" algn="just">
               <a:buFont typeface="Poppins" panose="00000500000000000000" pitchFamily="2" charset="0"/>
               <a:buChar char="∙"/>
             </a:pPr>
             <a:r>
-              <a:rPr lang="ru-RU" sz="1800" b="0" dirty="0">
+              <a:rPr lang="ru-RU" sz="2000" b="0" dirty="0">
                 <a:solidFill>
                   <a:schemeClr val="bg2">
                     <a:lumMod val="50000"/>
@@ -29781,7 +31913,7 @@
               <a:t>Использование Service </a:t>
             </a:r>
             <a:r>
-              <a:rPr lang="ru-RU" sz="1800" b="0" dirty="0" err="1">
+              <a:rPr lang="ru-RU" sz="2000" b="0" dirty="0" err="1">
                 <a:solidFill>
                   <a:schemeClr val="bg2">
                     <a:lumMod val="50000"/>
@@ -29791,7 +31923,7 @@
               <a:t>Workers</a:t>
             </a:r>
             <a:r>
-              <a:rPr lang="ru-RU" sz="1800" b="0" dirty="0">
+              <a:rPr lang="ru-RU" sz="2000" b="0" dirty="0">
                 <a:solidFill>
                   <a:schemeClr val="bg2">
                     <a:lumMod val="50000"/>
@@ -29801,7 +31933,7 @@
               <a:t> для работы оффлайн и </a:t>
             </a:r>
             <a:r>
-              <a:rPr lang="ru-RU" sz="1800" b="0" dirty="0" err="1">
+              <a:rPr lang="ru-RU" sz="2000" b="0" dirty="0" err="1">
                 <a:solidFill>
                   <a:schemeClr val="bg2">
                     <a:lumMod val="50000"/>
@@ -29811,7 +31943,7 @@
               <a:t>push</a:t>
             </a:r>
             <a:r>
-              <a:rPr lang="ru-RU" sz="1800" b="0" dirty="0">
+              <a:rPr lang="ru-RU" sz="2000" b="0" dirty="0">
                 <a:solidFill>
                   <a:schemeClr val="bg2">
                     <a:lumMod val="50000"/>
@@ -29823,6 +31955,114 @@
           </a:p>
         </p:txBody>
       </p:sp>
+      <p:pic>
+        <p:nvPicPr>
+          <p:cNvPr id="3" name="Рисунок 2" descr="Изображение выглядит как текст, Графика, логотип, Шрифт&#10;&#10;Автоматически созданное описание">
+            <a:extLst>
+              <a:ext uri="{FF2B5EF4-FFF2-40B4-BE49-F238E27FC236}">
+                <a16:creationId xmlns:a16="http://schemas.microsoft.com/office/drawing/2014/main" id="{E12AAB50-89DC-A674-1D80-FADC82352B59}"/>
+              </a:ext>
+            </a:extLst>
+          </p:cNvPr>
+          <p:cNvPicPr>
+            <a:picLocks noChangeAspect="1"/>
+          </p:cNvPicPr>
+          <p:nvPr/>
+        </p:nvPicPr>
+        <p:blipFill>
+          <a:blip r:embed="rId2">
+            <a:extLst>
+              <a:ext uri="{28A0092B-C50C-407E-A947-70E740481C1C}">
+                <a14:useLocalDpi xmlns:a14="http://schemas.microsoft.com/office/drawing/2010/main" val="0"/>
+              </a:ext>
+            </a:extLst>
+          </a:blip>
+          <a:stretch>
+            <a:fillRect/>
+          </a:stretch>
+        </p:blipFill>
+        <p:spPr>
+          <a:xfrm>
+            <a:off x="11232000" y="5947281"/>
+            <a:ext cx="831837" cy="763600"/>
+          </a:xfrm>
+          <a:prstGeom prst="rect">
+            <a:avLst/>
+          </a:prstGeom>
+        </p:spPr>
+      </p:pic>
+      <p:pic>
+        <p:nvPicPr>
+          <p:cNvPr id="4" name="Рисунок 3" descr="Изображение выглядит как текст, Шрифт, снимок экрана, Графика&#10;&#10;Автоматически созданное описание">
+            <a:extLst>
+              <a:ext uri="{FF2B5EF4-FFF2-40B4-BE49-F238E27FC236}">
+                <a16:creationId xmlns:a16="http://schemas.microsoft.com/office/drawing/2014/main" id="{B6EDAF99-3924-B8A4-AC64-FFD7B0306409}"/>
+              </a:ext>
+            </a:extLst>
+          </p:cNvPr>
+          <p:cNvPicPr>
+            <a:picLocks noChangeAspect="1"/>
+          </p:cNvPicPr>
+          <p:nvPr/>
+        </p:nvPicPr>
+        <p:blipFill>
+          <a:blip r:embed="rId3">
+            <a:extLst>
+              <a:ext uri="{28A0092B-C50C-407E-A947-70E740481C1C}">
+                <a14:useLocalDpi xmlns:a14="http://schemas.microsoft.com/office/drawing/2010/main" val="0"/>
+              </a:ext>
+            </a:extLst>
+          </a:blip>
+          <a:stretch>
+            <a:fillRect/>
+          </a:stretch>
+        </p:blipFill>
+        <p:spPr>
+          <a:xfrm>
+            <a:off x="9784125" y="6029387"/>
+            <a:ext cx="1377264" cy="599387"/>
+          </a:xfrm>
+          <a:prstGeom prst="rect">
+            <a:avLst/>
+          </a:prstGeom>
+        </p:spPr>
+      </p:pic>
+      <p:pic>
+        <p:nvPicPr>
+          <p:cNvPr id="6" name="Рисунок 5" descr="Изображение выглядит как фиолетовый, снимок экрана, Фиолетовый, Красочность&#10;&#10;Автоматически созданное описание">
+            <a:extLst>
+              <a:ext uri="{FF2B5EF4-FFF2-40B4-BE49-F238E27FC236}">
+                <a16:creationId xmlns:a16="http://schemas.microsoft.com/office/drawing/2014/main" id="{47672D22-347C-AFCD-6A67-69F1443F1273}"/>
+              </a:ext>
+            </a:extLst>
+          </p:cNvPr>
+          <p:cNvPicPr>
+            <a:picLocks noChangeAspect="1"/>
+          </p:cNvPicPr>
+          <p:nvPr/>
+        </p:nvPicPr>
+        <p:blipFill>
+          <a:blip r:embed="rId4">
+            <a:extLst>
+              <a:ext uri="{28A0092B-C50C-407E-A947-70E740481C1C}">
+                <a14:useLocalDpi xmlns:a14="http://schemas.microsoft.com/office/drawing/2010/main" val="0"/>
+              </a:ext>
+            </a:extLst>
+          </a:blip>
+          <a:stretch>
+            <a:fillRect/>
+          </a:stretch>
+        </p:blipFill>
+        <p:spPr>
+          <a:xfrm>
+            <a:off x="8275886" y="6132757"/>
+            <a:ext cx="1472934" cy="387224"/>
+          </a:xfrm>
+          <a:prstGeom prst="rect">
+            <a:avLst/>
+          </a:prstGeom>
+        </p:spPr>
+      </p:pic>
     </p:spTree>
     <p:extLst>
       <p:ext uri="{BB962C8B-B14F-4D97-AF65-F5344CB8AC3E}">

--- a/Курс 1/ВВиД/Презентация.pptx
+++ b/Курс 1/ВВиД/Презентация.pptx
@@ -22042,6 +22042,42 @@
           </a:prstGeom>
         </p:spPr>
       </p:pic>
+      <p:sp>
+        <p:nvSpPr>
+          <p:cNvPr id="4" name="TextBox 3">
+            <a:extLst>
+              <a:ext uri="{FF2B5EF4-FFF2-40B4-BE49-F238E27FC236}">
+                <a16:creationId xmlns:a16="http://schemas.microsoft.com/office/drawing/2014/main" id="{E2865833-3925-A440-DB6D-DCB9F1A92E82}"/>
+              </a:ext>
+            </a:extLst>
+          </p:cNvPr>
+          <p:cNvSpPr txBox="1"/>
+          <p:nvPr/>
+        </p:nvSpPr>
+        <p:spPr>
+          <a:xfrm>
+            <a:off x="0" y="6488668"/>
+            <a:ext cx="312906" cy="369332"/>
+          </a:xfrm>
+          <a:prstGeom prst="rect">
+            <a:avLst/>
+          </a:prstGeom>
+          <a:noFill/>
+        </p:spPr>
+        <p:txBody>
+          <a:bodyPr wrap="none" rtlCol="0">
+            <a:spAutoFit/>
+          </a:bodyPr>
+          <a:lstStyle/>
+          <a:p>
+            <a:r>
+              <a:rPr lang="en-US" sz="1800" dirty="0"/>
+              <a:t>1</a:t>
+            </a:r>
+            <a:endParaRPr lang="ru-RU" sz="1800" dirty="0"/>
+          </a:p>
+        </p:txBody>
+      </p:sp>
     </p:spTree>
     <p:extLst>
       <p:ext uri="{BB962C8B-B14F-4D97-AF65-F5344CB8AC3E}">
@@ -22888,6 +22924,42 @@
           </a:prstGeom>
         </p:spPr>
       </p:pic>
+      <p:sp>
+        <p:nvSpPr>
+          <p:cNvPr id="7" name="TextBox 6">
+            <a:extLst>
+              <a:ext uri="{FF2B5EF4-FFF2-40B4-BE49-F238E27FC236}">
+                <a16:creationId xmlns:a16="http://schemas.microsoft.com/office/drawing/2014/main" id="{A08E5093-1CB7-8E01-5734-05FA4F63CEC4}"/>
+              </a:ext>
+            </a:extLst>
+          </p:cNvPr>
+          <p:cNvSpPr txBox="1"/>
+          <p:nvPr/>
+        </p:nvSpPr>
+        <p:spPr>
+          <a:xfrm>
+            <a:off x="0" y="6488668"/>
+            <a:ext cx="441146" cy="369332"/>
+          </a:xfrm>
+          <a:prstGeom prst="rect">
+            <a:avLst/>
+          </a:prstGeom>
+          <a:noFill/>
+        </p:spPr>
+        <p:txBody>
+          <a:bodyPr wrap="none" rtlCol="0">
+            <a:spAutoFit/>
+          </a:bodyPr>
+          <a:lstStyle/>
+          <a:p>
+            <a:r>
+              <a:rPr lang="en-US" sz="1800" dirty="0"/>
+              <a:t>10</a:t>
+            </a:r>
+            <a:endParaRPr lang="ru-RU" sz="1800" dirty="0"/>
+          </a:p>
+        </p:txBody>
+      </p:sp>
     </p:spTree>
     <p:extLst>
       <p:ext uri="{BB962C8B-B14F-4D97-AF65-F5344CB8AC3E}">
@@ -23784,6 +23856,42 @@
           </a:prstGeom>
         </p:spPr>
       </p:pic>
+      <p:sp>
+        <p:nvSpPr>
+          <p:cNvPr id="7" name="TextBox 6">
+            <a:extLst>
+              <a:ext uri="{FF2B5EF4-FFF2-40B4-BE49-F238E27FC236}">
+                <a16:creationId xmlns:a16="http://schemas.microsoft.com/office/drawing/2014/main" id="{7BCA92CE-0AA1-E99B-0279-54E4FDEF2219}"/>
+              </a:ext>
+            </a:extLst>
+          </p:cNvPr>
+          <p:cNvSpPr txBox="1"/>
+          <p:nvPr/>
+        </p:nvSpPr>
+        <p:spPr>
+          <a:xfrm>
+            <a:off x="0" y="6488668"/>
+            <a:ext cx="441146" cy="369332"/>
+          </a:xfrm>
+          <a:prstGeom prst="rect">
+            <a:avLst/>
+          </a:prstGeom>
+          <a:noFill/>
+        </p:spPr>
+        <p:txBody>
+          <a:bodyPr wrap="none" rtlCol="0">
+            <a:spAutoFit/>
+          </a:bodyPr>
+          <a:lstStyle/>
+          <a:p>
+            <a:r>
+              <a:rPr lang="en-US" sz="1800" dirty="0"/>
+              <a:t>11</a:t>
+            </a:r>
+            <a:endParaRPr lang="ru-RU" sz="1800" dirty="0"/>
+          </a:p>
+        </p:txBody>
+      </p:sp>
     </p:spTree>
     <p:extLst>
       <p:ext uri="{BB962C8B-B14F-4D97-AF65-F5344CB8AC3E}">
@@ -24712,6 +24820,42 @@
           </a:prstGeom>
         </p:spPr>
       </p:pic>
+      <p:sp>
+        <p:nvSpPr>
+          <p:cNvPr id="8" name="TextBox 7">
+            <a:extLst>
+              <a:ext uri="{FF2B5EF4-FFF2-40B4-BE49-F238E27FC236}">
+                <a16:creationId xmlns:a16="http://schemas.microsoft.com/office/drawing/2014/main" id="{66A050BE-0CF6-AB15-BB86-4B39ADE840B7}"/>
+              </a:ext>
+            </a:extLst>
+          </p:cNvPr>
+          <p:cNvSpPr txBox="1"/>
+          <p:nvPr/>
+        </p:nvSpPr>
+        <p:spPr>
+          <a:xfrm>
+            <a:off x="0" y="6488668"/>
+            <a:ext cx="441146" cy="369332"/>
+          </a:xfrm>
+          <a:prstGeom prst="rect">
+            <a:avLst/>
+          </a:prstGeom>
+          <a:noFill/>
+        </p:spPr>
+        <p:txBody>
+          <a:bodyPr wrap="none" rtlCol="0">
+            <a:spAutoFit/>
+          </a:bodyPr>
+          <a:lstStyle/>
+          <a:p>
+            <a:r>
+              <a:rPr lang="en-US" sz="1800" dirty="0"/>
+              <a:t>12</a:t>
+            </a:r>
+            <a:endParaRPr lang="ru-RU" sz="1800" dirty="0"/>
+          </a:p>
+        </p:txBody>
+      </p:sp>
     </p:spTree>
     <p:extLst>
       <p:ext uri="{BB962C8B-B14F-4D97-AF65-F5344CB8AC3E}">
@@ -25475,6 +25619,42 @@
           </a:prstGeom>
         </p:spPr>
       </p:pic>
+      <p:sp>
+        <p:nvSpPr>
+          <p:cNvPr id="7" name="TextBox 6">
+            <a:extLst>
+              <a:ext uri="{FF2B5EF4-FFF2-40B4-BE49-F238E27FC236}">
+                <a16:creationId xmlns:a16="http://schemas.microsoft.com/office/drawing/2014/main" id="{2D596A65-5241-C2A6-2836-BF0794586C63}"/>
+              </a:ext>
+            </a:extLst>
+          </p:cNvPr>
+          <p:cNvSpPr txBox="1"/>
+          <p:nvPr/>
+        </p:nvSpPr>
+        <p:spPr>
+          <a:xfrm>
+            <a:off x="0" y="6488668"/>
+            <a:ext cx="441146" cy="369332"/>
+          </a:xfrm>
+          <a:prstGeom prst="rect">
+            <a:avLst/>
+          </a:prstGeom>
+          <a:noFill/>
+        </p:spPr>
+        <p:txBody>
+          <a:bodyPr wrap="none" rtlCol="0">
+            <a:spAutoFit/>
+          </a:bodyPr>
+          <a:lstStyle/>
+          <a:p>
+            <a:r>
+              <a:rPr lang="en-US" sz="1800" dirty="0"/>
+              <a:t>13</a:t>
+            </a:r>
+            <a:endParaRPr lang="ru-RU" sz="1800" dirty="0"/>
+          </a:p>
+        </p:txBody>
+      </p:sp>
     </p:spTree>
     <p:extLst>
       <p:ext uri="{BB962C8B-B14F-4D97-AF65-F5344CB8AC3E}">
@@ -26310,6 +26490,42 @@
           </a:prstGeom>
         </p:spPr>
       </p:pic>
+      <p:sp>
+        <p:nvSpPr>
+          <p:cNvPr id="8" name="TextBox 7">
+            <a:extLst>
+              <a:ext uri="{FF2B5EF4-FFF2-40B4-BE49-F238E27FC236}">
+                <a16:creationId xmlns:a16="http://schemas.microsoft.com/office/drawing/2014/main" id="{9B10A155-DA51-84C7-5B60-F74E29A15696}"/>
+              </a:ext>
+            </a:extLst>
+          </p:cNvPr>
+          <p:cNvSpPr txBox="1"/>
+          <p:nvPr/>
+        </p:nvSpPr>
+        <p:spPr>
+          <a:xfrm>
+            <a:off x="0" y="6488668"/>
+            <a:ext cx="441146" cy="369332"/>
+          </a:xfrm>
+          <a:prstGeom prst="rect">
+            <a:avLst/>
+          </a:prstGeom>
+          <a:noFill/>
+        </p:spPr>
+        <p:txBody>
+          <a:bodyPr wrap="none" rtlCol="0">
+            <a:spAutoFit/>
+          </a:bodyPr>
+          <a:lstStyle/>
+          <a:p>
+            <a:r>
+              <a:rPr lang="en-US" sz="1800" dirty="0"/>
+              <a:t>14</a:t>
+            </a:r>
+            <a:endParaRPr lang="ru-RU" sz="1800" dirty="0"/>
+          </a:p>
+        </p:txBody>
+      </p:sp>
     </p:spTree>
     <p:extLst>
       <p:ext uri="{BB962C8B-B14F-4D97-AF65-F5344CB8AC3E}">
@@ -26900,6 +27116,42 @@
           </a:prstGeom>
         </p:spPr>
       </p:pic>
+      <p:sp>
+        <p:nvSpPr>
+          <p:cNvPr id="3" name="TextBox 2">
+            <a:extLst>
+              <a:ext uri="{FF2B5EF4-FFF2-40B4-BE49-F238E27FC236}">
+                <a16:creationId xmlns:a16="http://schemas.microsoft.com/office/drawing/2014/main" id="{498F5BAE-5DD0-4DCF-84B5-4B7ACFF5C593}"/>
+              </a:ext>
+            </a:extLst>
+          </p:cNvPr>
+          <p:cNvSpPr txBox="1"/>
+          <p:nvPr/>
+        </p:nvSpPr>
+        <p:spPr>
+          <a:xfrm>
+            <a:off x="0" y="6488668"/>
+            <a:ext cx="312906" cy="369332"/>
+          </a:xfrm>
+          <a:prstGeom prst="rect">
+            <a:avLst/>
+          </a:prstGeom>
+          <a:noFill/>
+        </p:spPr>
+        <p:txBody>
+          <a:bodyPr wrap="none" rtlCol="0">
+            <a:spAutoFit/>
+          </a:bodyPr>
+          <a:lstStyle/>
+          <a:p>
+            <a:r>
+              <a:rPr lang="en-US" sz="1800" dirty="0"/>
+              <a:t>2</a:t>
+            </a:r>
+            <a:endParaRPr lang="ru-RU" sz="1800" dirty="0"/>
+          </a:p>
+        </p:txBody>
+      </p:sp>
     </p:spTree>
     <p:extLst>
       <p:ext uri="{BB962C8B-B14F-4D97-AF65-F5344CB8AC3E}">
@@ -27540,6 +27792,42 @@
           </a:prstGeom>
         </p:spPr>
       </p:pic>
+      <p:sp>
+        <p:nvSpPr>
+          <p:cNvPr id="3" name="TextBox 2">
+            <a:extLst>
+              <a:ext uri="{FF2B5EF4-FFF2-40B4-BE49-F238E27FC236}">
+                <a16:creationId xmlns:a16="http://schemas.microsoft.com/office/drawing/2014/main" id="{6C7F94F4-C6E8-B17B-E551-B74B23097173}"/>
+              </a:ext>
+            </a:extLst>
+          </p:cNvPr>
+          <p:cNvSpPr txBox="1"/>
+          <p:nvPr/>
+        </p:nvSpPr>
+        <p:spPr>
+          <a:xfrm>
+            <a:off x="0" y="6488668"/>
+            <a:ext cx="312906" cy="369332"/>
+          </a:xfrm>
+          <a:prstGeom prst="rect">
+            <a:avLst/>
+          </a:prstGeom>
+          <a:noFill/>
+        </p:spPr>
+        <p:txBody>
+          <a:bodyPr wrap="none" rtlCol="0">
+            <a:spAutoFit/>
+          </a:bodyPr>
+          <a:lstStyle/>
+          <a:p>
+            <a:r>
+              <a:rPr lang="en-US" sz="1800" dirty="0"/>
+              <a:t>3</a:t>
+            </a:r>
+            <a:endParaRPr lang="ru-RU" sz="1800" dirty="0"/>
+          </a:p>
+        </p:txBody>
+      </p:sp>
     </p:spTree>
     <p:extLst>
       <p:ext uri="{BB962C8B-B14F-4D97-AF65-F5344CB8AC3E}">
@@ -28239,6 +28527,42 @@
           </a:prstGeom>
         </p:spPr>
       </p:pic>
+      <p:sp>
+        <p:nvSpPr>
+          <p:cNvPr id="4" name="TextBox 3">
+            <a:extLst>
+              <a:ext uri="{FF2B5EF4-FFF2-40B4-BE49-F238E27FC236}">
+                <a16:creationId xmlns:a16="http://schemas.microsoft.com/office/drawing/2014/main" id="{3DBB607B-EE94-C447-F081-ACAC79B03FD1}"/>
+              </a:ext>
+            </a:extLst>
+          </p:cNvPr>
+          <p:cNvSpPr txBox="1"/>
+          <p:nvPr/>
+        </p:nvSpPr>
+        <p:spPr>
+          <a:xfrm>
+            <a:off x="0" y="6488668"/>
+            <a:ext cx="312906" cy="369332"/>
+          </a:xfrm>
+          <a:prstGeom prst="rect">
+            <a:avLst/>
+          </a:prstGeom>
+          <a:noFill/>
+        </p:spPr>
+        <p:txBody>
+          <a:bodyPr wrap="none" rtlCol="0">
+            <a:spAutoFit/>
+          </a:bodyPr>
+          <a:lstStyle/>
+          <a:p>
+            <a:r>
+              <a:rPr lang="en-US" sz="1800" dirty="0"/>
+              <a:t>4</a:t>
+            </a:r>
+            <a:endParaRPr lang="ru-RU" sz="1800" dirty="0"/>
+          </a:p>
+        </p:txBody>
+      </p:sp>
     </p:spTree>
     <p:extLst>
       <p:ext uri="{BB962C8B-B14F-4D97-AF65-F5344CB8AC3E}">
@@ -28989,6 +29313,42 @@
           </a:prstGeom>
         </p:spPr>
       </p:pic>
+      <p:sp>
+        <p:nvSpPr>
+          <p:cNvPr id="7" name="TextBox 6">
+            <a:extLst>
+              <a:ext uri="{FF2B5EF4-FFF2-40B4-BE49-F238E27FC236}">
+                <a16:creationId xmlns:a16="http://schemas.microsoft.com/office/drawing/2014/main" id="{83E807B2-1EAB-9BA7-13AC-047C569E9842}"/>
+              </a:ext>
+            </a:extLst>
+          </p:cNvPr>
+          <p:cNvSpPr txBox="1"/>
+          <p:nvPr/>
+        </p:nvSpPr>
+        <p:spPr>
+          <a:xfrm>
+            <a:off x="0" y="6488668"/>
+            <a:ext cx="312906" cy="369332"/>
+          </a:xfrm>
+          <a:prstGeom prst="rect">
+            <a:avLst/>
+          </a:prstGeom>
+          <a:noFill/>
+        </p:spPr>
+        <p:txBody>
+          <a:bodyPr wrap="none" rtlCol="0">
+            <a:spAutoFit/>
+          </a:bodyPr>
+          <a:lstStyle/>
+          <a:p>
+            <a:r>
+              <a:rPr lang="en-US" sz="1800" dirty="0"/>
+              <a:t>5</a:t>
+            </a:r>
+            <a:endParaRPr lang="ru-RU" sz="1800" dirty="0"/>
+          </a:p>
+        </p:txBody>
+      </p:sp>
     </p:spTree>
     <p:extLst>
       <p:ext uri="{BB962C8B-B14F-4D97-AF65-F5344CB8AC3E}">
@@ -29729,6 +30089,42 @@
           </a:prstGeom>
         </p:spPr>
       </p:pic>
+      <p:sp>
+        <p:nvSpPr>
+          <p:cNvPr id="3" name="TextBox 2">
+            <a:extLst>
+              <a:ext uri="{FF2B5EF4-FFF2-40B4-BE49-F238E27FC236}">
+                <a16:creationId xmlns:a16="http://schemas.microsoft.com/office/drawing/2014/main" id="{59EF7D43-83DF-24FA-BE4C-CB2BF16FF157}"/>
+              </a:ext>
+            </a:extLst>
+          </p:cNvPr>
+          <p:cNvSpPr txBox="1"/>
+          <p:nvPr/>
+        </p:nvSpPr>
+        <p:spPr>
+          <a:xfrm>
+            <a:off x="0" y="6488668"/>
+            <a:ext cx="312906" cy="369332"/>
+          </a:xfrm>
+          <a:prstGeom prst="rect">
+            <a:avLst/>
+          </a:prstGeom>
+          <a:noFill/>
+        </p:spPr>
+        <p:txBody>
+          <a:bodyPr wrap="none" rtlCol="0">
+            <a:spAutoFit/>
+          </a:bodyPr>
+          <a:lstStyle/>
+          <a:p>
+            <a:r>
+              <a:rPr lang="en-US" sz="1800" dirty="0"/>
+              <a:t>6</a:t>
+            </a:r>
+            <a:endParaRPr lang="ru-RU" sz="1800" dirty="0"/>
+          </a:p>
+        </p:txBody>
+      </p:sp>
     </p:spTree>
     <p:extLst>
       <p:ext uri="{BB962C8B-B14F-4D97-AF65-F5344CB8AC3E}">
@@ -30459,6 +30855,42 @@
           </a:prstGeom>
         </p:spPr>
       </p:pic>
+      <p:sp>
+        <p:nvSpPr>
+          <p:cNvPr id="7" name="TextBox 6">
+            <a:extLst>
+              <a:ext uri="{FF2B5EF4-FFF2-40B4-BE49-F238E27FC236}">
+                <a16:creationId xmlns:a16="http://schemas.microsoft.com/office/drawing/2014/main" id="{A020FAC6-A607-859D-AC59-E8B56A4A079B}"/>
+              </a:ext>
+            </a:extLst>
+          </p:cNvPr>
+          <p:cNvSpPr txBox="1"/>
+          <p:nvPr/>
+        </p:nvSpPr>
+        <p:spPr>
+          <a:xfrm>
+            <a:off x="0" y="6488668"/>
+            <a:ext cx="312906" cy="369332"/>
+          </a:xfrm>
+          <a:prstGeom prst="rect">
+            <a:avLst/>
+          </a:prstGeom>
+          <a:noFill/>
+        </p:spPr>
+        <p:txBody>
+          <a:bodyPr wrap="none" rtlCol="0">
+            <a:spAutoFit/>
+          </a:bodyPr>
+          <a:lstStyle/>
+          <a:p>
+            <a:r>
+              <a:rPr lang="en-US" sz="1800" dirty="0"/>
+              <a:t>7</a:t>
+            </a:r>
+            <a:endParaRPr lang="ru-RU" sz="1800" dirty="0"/>
+          </a:p>
+        </p:txBody>
+      </p:sp>
     </p:spTree>
     <p:extLst>
       <p:ext uri="{BB962C8B-B14F-4D97-AF65-F5344CB8AC3E}">
@@ -31305,6 +31737,42 @@
           </a:prstGeom>
         </p:spPr>
       </p:pic>
+      <p:sp>
+        <p:nvSpPr>
+          <p:cNvPr id="7" name="TextBox 6">
+            <a:extLst>
+              <a:ext uri="{FF2B5EF4-FFF2-40B4-BE49-F238E27FC236}">
+                <a16:creationId xmlns:a16="http://schemas.microsoft.com/office/drawing/2014/main" id="{9C93AC89-A008-A2D0-01B0-5C0FE0631439}"/>
+              </a:ext>
+            </a:extLst>
+          </p:cNvPr>
+          <p:cNvSpPr txBox="1"/>
+          <p:nvPr/>
+        </p:nvSpPr>
+        <p:spPr>
+          <a:xfrm>
+            <a:off x="0" y="6488668"/>
+            <a:ext cx="312906" cy="369332"/>
+          </a:xfrm>
+          <a:prstGeom prst="rect">
+            <a:avLst/>
+          </a:prstGeom>
+          <a:noFill/>
+        </p:spPr>
+        <p:txBody>
+          <a:bodyPr wrap="none" rtlCol="0">
+            <a:spAutoFit/>
+          </a:bodyPr>
+          <a:lstStyle/>
+          <a:p>
+            <a:r>
+              <a:rPr lang="en-US" sz="1800" dirty="0"/>
+              <a:t>8</a:t>
+            </a:r>
+            <a:endParaRPr lang="ru-RU" sz="1800" dirty="0"/>
+          </a:p>
+        </p:txBody>
+      </p:sp>
     </p:spTree>
     <p:extLst>
       <p:ext uri="{BB962C8B-B14F-4D97-AF65-F5344CB8AC3E}">
@@ -32063,6 +32531,42 @@
           </a:prstGeom>
         </p:spPr>
       </p:pic>
+      <p:sp>
+        <p:nvSpPr>
+          <p:cNvPr id="7" name="TextBox 6">
+            <a:extLst>
+              <a:ext uri="{FF2B5EF4-FFF2-40B4-BE49-F238E27FC236}">
+                <a16:creationId xmlns:a16="http://schemas.microsoft.com/office/drawing/2014/main" id="{7EEFDE21-C63D-AAB6-BC5D-E5B3CE6C2C4D}"/>
+              </a:ext>
+            </a:extLst>
+          </p:cNvPr>
+          <p:cNvSpPr txBox="1"/>
+          <p:nvPr/>
+        </p:nvSpPr>
+        <p:spPr>
+          <a:xfrm>
+            <a:off x="0" y="6488668"/>
+            <a:ext cx="312906" cy="369332"/>
+          </a:xfrm>
+          <a:prstGeom prst="rect">
+            <a:avLst/>
+          </a:prstGeom>
+          <a:noFill/>
+        </p:spPr>
+        <p:txBody>
+          <a:bodyPr wrap="none" rtlCol="0">
+            <a:spAutoFit/>
+          </a:bodyPr>
+          <a:lstStyle/>
+          <a:p>
+            <a:r>
+              <a:rPr lang="en-US" sz="1800" dirty="0"/>
+              <a:t>9</a:t>
+            </a:r>
+            <a:endParaRPr lang="ru-RU" sz="1800" dirty="0"/>
+          </a:p>
+        </p:txBody>
+      </p:sp>
     </p:spTree>
     <p:extLst>
       <p:ext uri="{BB962C8B-B14F-4D97-AF65-F5344CB8AC3E}">
